--- a/docs/MetricasHealthcheckTDC.pptx
+++ b/docs/MetricasHealthcheckTDC.pptx
@@ -12,8 +12,8 @@
     <p:handoutMasterId r:id="rId17"/>
   </p:handoutMasterIdLst>
   <p:sldIdLst>
-    <p:sldId id="256" r:id="rId3"/>
-    <p:sldId id="263" r:id="rId4"/>
+    <p:sldId id="265" r:id="rId3"/>
+    <p:sldId id="291" r:id="rId4"/>
     <p:sldId id="281" r:id="rId5"/>
     <p:sldId id="282" r:id="rId6"/>
     <p:sldId id="283" r:id="rId7"/>
@@ -24,7 +24,7 @@
     <p:sldId id="287" r:id="rId12"/>
     <p:sldId id="286" r:id="rId13"/>
     <p:sldId id="290" r:id="rId14"/>
-    <p:sldId id="280" r:id="rId15"/>
+    <p:sldId id="292" r:id="rId15"/>
   </p:sldIdLst>
   <p:sldSz cx="9144000" cy="5143500" type="screen16x9"/>
   <p:notesSz cx="9144000" cy="6858000"/>
@@ -762,14 +762,14 @@
           <a:effectLst/>
           <a:extLst>
             <a:ext uri="{909E8E84-426E-40dd-AFC4-6F175D3DCCD1}">
-              <a14:hiddenFill xmlns="" xmlns:a14="http://schemas.microsoft.com/office/drawing/2010/main">
+              <a14:hiddenFill xmlns:a14="http://schemas.microsoft.com/office/drawing/2010/main" xmlns="">
                 <a:solidFill>
                   <a:srgbClr val="FFFFFF"/>
                 </a:solidFill>
               </a14:hiddenFill>
             </a:ext>
             <a:ext uri="{AF507438-7753-43e0-B8FC-AC1667EBCBE1}">
-              <a14:hiddenEffects xmlns="" xmlns:a14="http://schemas.microsoft.com/office/drawing/2010/main">
+              <a14:hiddenEffects xmlns:a14="http://schemas.microsoft.com/office/drawing/2010/main" xmlns="">
                 <a:effectLst>
                   <a:outerShdw blurRad="63500" dist="38099" dir="2700000" algn="ctr" rotWithShape="0">
                     <a:srgbClr val="000000">
@@ -780,10 +780,10 @@
               </a14:hiddenEffects>
             </a:ext>
             <a:ext uri="{53640926-AAD7-44d8-BBD7-CCE9431645EC}">
-              <a14:shadowObscured xmlns="" xmlns:a14="http://schemas.microsoft.com/office/drawing/2010/main" val="1"/>
+              <a14:shadowObscured xmlns:a14="http://schemas.microsoft.com/office/drawing/2010/main" xmlns="" val="1"/>
             </a:ext>
             <a:ext uri="{FAA26D3D-D897-4be2-8F04-BA451C77F1D7}">
-              <ma14:placeholderFlag xmlns="" xmlns:ma14="http://schemas.microsoft.com/office/mac/drawingml/2011/main" val="1"/>
+              <ma14:placeholderFlag xmlns:ma14="http://schemas.microsoft.com/office/mac/drawingml/2011/main" xmlns="" val="1"/>
             </a:ext>
           </a:extLst>
         </p:spPr>
@@ -1543,7 +1543,7 @@
             <a:effectLst/>
             <a:extLst>
               <a:ext uri="{91240B29-F687-4f45-9708-019B960494DF}">
-                <a14:hiddenLine xmlns="" xmlns:a14="http://schemas.microsoft.com/office/drawing/2010/main" w="9525">
+                <a14:hiddenLine xmlns:a14="http://schemas.microsoft.com/office/drawing/2010/main" xmlns="" w="9525">
                   <a:solidFill>
                     <a:schemeClr val="tx1"/>
                   </a:solidFill>
@@ -1553,7 +1553,7 @@
                 </a14:hiddenLine>
               </a:ext>
               <a:ext uri="{AF507438-7753-43e0-B8FC-AC1667EBCBE1}">
-                <a14:hiddenEffects xmlns="" xmlns:a14="http://schemas.microsoft.com/office/drawing/2010/main">
+                <a14:hiddenEffects xmlns:a14="http://schemas.microsoft.com/office/drawing/2010/main" xmlns="">
                   <a:effectLst>
                     <a:outerShdw blurRad="63500" dist="38099" dir="2700000" algn="ctr" rotWithShape="0">
                       <a:schemeClr val="bg2">
@@ -1610,7 +1610,7 @@
             <a:effectLst/>
             <a:extLst>
               <a:ext uri="{91240B29-F687-4f45-9708-019B960494DF}">
-                <a14:hiddenLine xmlns="" xmlns:a14="http://schemas.microsoft.com/office/drawing/2010/main" w="9525">
+                <a14:hiddenLine xmlns:a14="http://schemas.microsoft.com/office/drawing/2010/main" xmlns="" w="9525">
                   <a:solidFill>
                     <a:schemeClr val="tx1"/>
                   </a:solidFill>
@@ -1620,7 +1620,7 @@
                 </a14:hiddenLine>
               </a:ext>
               <a:ext uri="{AF507438-7753-43e0-B8FC-AC1667EBCBE1}">
-                <a14:hiddenEffects xmlns="" xmlns:a14="http://schemas.microsoft.com/office/drawing/2010/main">
+                <a14:hiddenEffects xmlns:a14="http://schemas.microsoft.com/office/drawing/2010/main" xmlns="">
                   <a:effectLst>
                     <a:outerShdw blurRad="63500" dist="38099" dir="2700000" algn="ctr" rotWithShape="0">
                       <a:schemeClr val="bg2">
@@ -1680,7 +1680,7 @@
             <a:effectLst/>
             <a:extLst>
               <a:ext uri="{91240B29-F687-4f45-9708-019B960494DF}">
-                <a14:hiddenLine xmlns="" xmlns:a14="http://schemas.microsoft.com/office/drawing/2010/main" w="9525">
+                <a14:hiddenLine xmlns:a14="http://schemas.microsoft.com/office/drawing/2010/main" xmlns="" w="9525">
                   <a:solidFill>
                     <a:schemeClr val="tx1"/>
                   </a:solidFill>
@@ -1690,7 +1690,7 @@
                 </a14:hiddenLine>
               </a:ext>
               <a:ext uri="{AF507438-7753-43e0-B8FC-AC1667EBCBE1}">
-                <a14:hiddenEffects xmlns="" xmlns:a14="http://schemas.microsoft.com/office/drawing/2010/main">
+                <a14:hiddenEffects xmlns:a14="http://schemas.microsoft.com/office/drawing/2010/main" xmlns="">
                   <a:effectLst>
                     <a:outerShdw blurRad="63500" dist="38099" dir="2700000" algn="ctr" rotWithShape="0">
                       <a:schemeClr val="bg2">
@@ -1747,7 +1747,7 @@
             <a:effectLst/>
             <a:extLst>
               <a:ext uri="{91240B29-F687-4f45-9708-019B960494DF}">
-                <a14:hiddenLine xmlns="" xmlns:a14="http://schemas.microsoft.com/office/drawing/2010/main" w="9525">
+                <a14:hiddenLine xmlns:a14="http://schemas.microsoft.com/office/drawing/2010/main" xmlns="" w="9525">
                   <a:solidFill>
                     <a:schemeClr val="tx1"/>
                   </a:solidFill>
@@ -1757,7 +1757,7 @@
                 </a14:hiddenLine>
               </a:ext>
               <a:ext uri="{AF507438-7753-43e0-B8FC-AC1667EBCBE1}">
-                <a14:hiddenEffects xmlns="" xmlns:a14="http://schemas.microsoft.com/office/drawing/2010/main">
+                <a14:hiddenEffects xmlns:a14="http://schemas.microsoft.com/office/drawing/2010/main" xmlns="">
                   <a:effectLst>
                     <a:outerShdw blurRad="63500" dist="38099" dir="2700000" algn="ctr" rotWithShape="0">
                       <a:schemeClr val="bg2">
@@ -1814,7 +1814,7 @@
             <a:effectLst/>
             <a:extLst>
               <a:ext uri="{91240B29-F687-4f45-9708-019B960494DF}">
-                <a14:hiddenLine xmlns="" xmlns:a14="http://schemas.microsoft.com/office/drawing/2010/main" w="9525">
+                <a14:hiddenLine xmlns:a14="http://schemas.microsoft.com/office/drawing/2010/main" xmlns="" w="9525">
                   <a:solidFill>
                     <a:schemeClr val="tx1"/>
                   </a:solidFill>
@@ -1824,7 +1824,7 @@
                 </a14:hiddenLine>
               </a:ext>
               <a:ext uri="{AF507438-7753-43e0-B8FC-AC1667EBCBE1}">
-                <a14:hiddenEffects xmlns="" xmlns:a14="http://schemas.microsoft.com/office/drawing/2010/main">
+                <a14:hiddenEffects xmlns:a14="http://schemas.microsoft.com/office/drawing/2010/main" xmlns="">
                   <a:effectLst>
                     <a:outerShdw blurRad="63500" dist="38099" dir="2700000" algn="ctr" rotWithShape="0">
                       <a:schemeClr val="bg2">
@@ -1881,7 +1881,7 @@
             <a:effectLst/>
             <a:extLst>
               <a:ext uri="{91240B29-F687-4f45-9708-019B960494DF}">
-                <a14:hiddenLine xmlns="" xmlns:a14="http://schemas.microsoft.com/office/drawing/2010/main" w="9525">
+                <a14:hiddenLine xmlns:a14="http://schemas.microsoft.com/office/drawing/2010/main" xmlns="" w="9525">
                   <a:solidFill>
                     <a:schemeClr val="tx1"/>
                   </a:solidFill>
@@ -1891,7 +1891,7 @@
                 </a14:hiddenLine>
               </a:ext>
               <a:ext uri="{AF507438-7753-43e0-B8FC-AC1667EBCBE1}">
-                <a14:hiddenEffects xmlns="" xmlns:a14="http://schemas.microsoft.com/office/drawing/2010/main">
+                <a14:hiddenEffects xmlns:a14="http://schemas.microsoft.com/office/drawing/2010/main" xmlns="">
                   <a:effectLst>
                     <a:outerShdw blurRad="63500" dist="38099" dir="2700000" algn="ctr" rotWithShape="0">
                       <a:schemeClr val="bg2">
@@ -1971,7 +1971,7 @@
             <a:effectLst/>
             <a:extLst>
               <a:ext uri="{91240B29-F687-4f45-9708-019B960494DF}">
-                <a14:hiddenLine xmlns="" xmlns:a14="http://schemas.microsoft.com/office/drawing/2010/main" w="9525">
+                <a14:hiddenLine xmlns:a14="http://schemas.microsoft.com/office/drawing/2010/main" xmlns="" w="9525">
                   <a:solidFill>
                     <a:schemeClr val="tx1"/>
                   </a:solidFill>
@@ -1981,7 +1981,7 @@
                 </a14:hiddenLine>
               </a:ext>
               <a:ext uri="{AF507438-7753-43e0-B8FC-AC1667EBCBE1}">
-                <a14:hiddenEffects xmlns="" xmlns:a14="http://schemas.microsoft.com/office/drawing/2010/main">
+                <a14:hiddenEffects xmlns:a14="http://schemas.microsoft.com/office/drawing/2010/main" xmlns="">
                   <a:effectLst>
                     <a:outerShdw blurRad="63500" dist="38099" dir="2700000" algn="ctr" rotWithShape="0">
                       <a:schemeClr val="bg2">
@@ -2038,7 +2038,7 @@
             <a:effectLst/>
             <a:extLst>
               <a:ext uri="{91240B29-F687-4f45-9708-019B960494DF}">
-                <a14:hiddenLine xmlns="" xmlns:a14="http://schemas.microsoft.com/office/drawing/2010/main" w="9525">
+                <a14:hiddenLine xmlns:a14="http://schemas.microsoft.com/office/drawing/2010/main" xmlns="" w="9525">
                   <a:solidFill>
                     <a:schemeClr val="tx1"/>
                   </a:solidFill>
@@ -2048,7 +2048,7 @@
                 </a14:hiddenLine>
               </a:ext>
               <a:ext uri="{AF507438-7753-43e0-B8FC-AC1667EBCBE1}">
-                <a14:hiddenEffects xmlns="" xmlns:a14="http://schemas.microsoft.com/office/drawing/2010/main">
+                <a14:hiddenEffects xmlns:a14="http://schemas.microsoft.com/office/drawing/2010/main" xmlns="">
                   <a:effectLst>
                     <a:outerShdw blurRad="63500" dist="38099" dir="2700000" algn="ctr" rotWithShape="0">
                       <a:schemeClr val="bg2">
@@ -2108,7 +2108,7 @@
             <a:effectLst/>
             <a:extLst>
               <a:ext uri="{91240B29-F687-4f45-9708-019B960494DF}">
-                <a14:hiddenLine xmlns="" xmlns:a14="http://schemas.microsoft.com/office/drawing/2010/main" w="9525">
+                <a14:hiddenLine xmlns:a14="http://schemas.microsoft.com/office/drawing/2010/main" xmlns="" w="9525">
                   <a:solidFill>
                     <a:schemeClr val="tx1"/>
                   </a:solidFill>
@@ -2118,7 +2118,7 @@
                 </a14:hiddenLine>
               </a:ext>
               <a:ext uri="{AF507438-7753-43e0-B8FC-AC1667EBCBE1}">
-                <a14:hiddenEffects xmlns="" xmlns:a14="http://schemas.microsoft.com/office/drawing/2010/main">
+                <a14:hiddenEffects xmlns:a14="http://schemas.microsoft.com/office/drawing/2010/main" xmlns="">
                   <a:effectLst>
                     <a:outerShdw blurRad="63500" dist="38099" dir="2700000" algn="ctr" rotWithShape="0">
                       <a:schemeClr val="bg2">
@@ -2175,7 +2175,7 @@
             <a:effectLst/>
             <a:extLst>
               <a:ext uri="{91240B29-F687-4f45-9708-019B960494DF}">
-                <a14:hiddenLine xmlns="" xmlns:a14="http://schemas.microsoft.com/office/drawing/2010/main" w="9525">
+                <a14:hiddenLine xmlns:a14="http://schemas.microsoft.com/office/drawing/2010/main" xmlns="" w="9525">
                   <a:solidFill>
                     <a:schemeClr val="tx1"/>
                   </a:solidFill>
@@ -2185,7 +2185,7 @@
                 </a14:hiddenLine>
               </a:ext>
               <a:ext uri="{AF507438-7753-43e0-B8FC-AC1667EBCBE1}">
-                <a14:hiddenEffects xmlns="" xmlns:a14="http://schemas.microsoft.com/office/drawing/2010/main">
+                <a14:hiddenEffects xmlns:a14="http://schemas.microsoft.com/office/drawing/2010/main" xmlns="">
                   <a:effectLst>
                     <a:outerShdw blurRad="63500" dist="38099" dir="2700000" algn="ctr" rotWithShape="0">
                       <a:schemeClr val="bg2">
@@ -2242,7 +2242,7 @@
             <a:effectLst/>
             <a:extLst>
               <a:ext uri="{91240B29-F687-4f45-9708-019B960494DF}">
-                <a14:hiddenLine xmlns="" xmlns:a14="http://schemas.microsoft.com/office/drawing/2010/main" w="9525">
+                <a14:hiddenLine xmlns:a14="http://schemas.microsoft.com/office/drawing/2010/main" xmlns="" w="9525">
                   <a:solidFill>
                     <a:schemeClr val="tx1"/>
                   </a:solidFill>
@@ -2252,7 +2252,7 @@
                 </a14:hiddenLine>
               </a:ext>
               <a:ext uri="{AF507438-7753-43e0-B8FC-AC1667EBCBE1}">
-                <a14:hiddenEffects xmlns="" xmlns:a14="http://schemas.microsoft.com/office/drawing/2010/main">
+                <a14:hiddenEffects xmlns:a14="http://schemas.microsoft.com/office/drawing/2010/main" xmlns="">
                   <a:effectLst>
                     <a:outerShdw blurRad="63500" dist="38099" dir="2700000" algn="ctr" rotWithShape="0">
                       <a:schemeClr val="bg2">
@@ -2309,7 +2309,7 @@
             <a:effectLst/>
             <a:extLst>
               <a:ext uri="{91240B29-F687-4f45-9708-019B960494DF}">
-                <a14:hiddenLine xmlns="" xmlns:a14="http://schemas.microsoft.com/office/drawing/2010/main" w="9525">
+                <a14:hiddenLine xmlns:a14="http://schemas.microsoft.com/office/drawing/2010/main" xmlns="" w="9525">
                   <a:solidFill>
                     <a:schemeClr val="tx1"/>
                   </a:solidFill>
@@ -2319,7 +2319,7 @@
                 </a14:hiddenLine>
               </a:ext>
               <a:ext uri="{AF507438-7753-43e0-B8FC-AC1667EBCBE1}">
-                <a14:hiddenEffects xmlns="" xmlns:a14="http://schemas.microsoft.com/office/drawing/2010/main">
+                <a14:hiddenEffects xmlns:a14="http://schemas.microsoft.com/office/drawing/2010/main" xmlns="">
                   <a:effectLst>
                     <a:outerShdw blurRad="63500" dist="38099" dir="2700000" algn="ctr" rotWithShape="0">
                       <a:schemeClr val="bg2">
@@ -2702,6 +2702,1258 @@
 </file>
 
 <file path=ppt/slideLayouts/slideLayout12.xml><?xml version="1.0" encoding="utf-8"?>
+<p:sldLayout xmlns:a="http://schemas.openxmlformats.org/drawingml/2006/main" xmlns:r="http://schemas.openxmlformats.org/officeDocument/2006/relationships" xmlns:p="http://schemas.openxmlformats.org/presentationml/2006/main" userDrawn="1">
+  <p:cSld name="Capa 1">
+    <p:spTree>
+      <p:nvGrpSpPr>
+        <p:cNvPr id="1" name=""/>
+        <p:cNvGrpSpPr/>
+        <p:nvPr/>
+      </p:nvGrpSpPr>
+      <p:grpSpPr>
+        <a:xfrm>
+          <a:off x="0" y="0"/>
+          <a:ext cx="0" cy="0"/>
+          <a:chOff x="0" y="0"/>
+          <a:chExt cx="0" cy="0"/>
+        </a:xfrm>
+      </p:grpSpPr>
+      <p:pic>
+        <p:nvPicPr>
+          <p:cNvPr id="10" name="Picture 21" descr="I:\TDC2017\Logos\TDC2017\logo-tdc-horizontal-A4.emf">
+            <a:extLst>
+              <a:ext uri="{FF2B5EF4-FFF2-40B4-BE49-F238E27FC236}">
+                <a16:creationId xmlns:a16="http://schemas.microsoft.com/office/drawing/2014/main" id="{64F40C71-D43D-2C47-AB50-D33840B36D5F}"/>
+              </a:ext>
+            </a:extLst>
+          </p:cNvPr>
+          <p:cNvPicPr>
+            <a:picLocks noChangeAspect="1" noChangeArrowheads="1"/>
+          </p:cNvPicPr>
+          <p:nvPr userDrawn="1"/>
+        </p:nvPicPr>
+        <p:blipFill>
+          <a:blip r:embed="rId2">
+            <a:extLst>
+              <a:ext uri="{28A0092B-C50C-407E-A947-70E740481C1C}">
+                <a14:useLocalDpi xmlns:a14="http://schemas.microsoft.com/office/drawing/2010/main" val="0"/>
+              </a:ext>
+            </a:extLst>
+          </a:blip>
+          <a:srcRect/>
+          <a:stretch>
+            <a:fillRect/>
+          </a:stretch>
+        </p:blipFill>
+        <p:spPr bwMode="auto">
+          <a:xfrm>
+            <a:off x="7278791" y="4331678"/>
+            <a:ext cx="1799037" cy="613518"/>
+          </a:xfrm>
+          <a:prstGeom prst="rect">
+            <a:avLst/>
+          </a:prstGeom>
+          <a:noFill/>
+          <a:ln>
+            <a:noFill/>
+          </a:ln>
+          <a:extLst>
+            <a:ext uri="{909E8E84-426E-40DD-AFC4-6F175D3DCCD1}">
+              <a14:hiddenFill xmlns:a14="http://schemas.microsoft.com/office/drawing/2010/main">
+                <a:solidFill>
+                  <a:srgbClr val="FFFFFF"/>
+                </a:solidFill>
+              </a14:hiddenFill>
+            </a:ext>
+            <a:ext uri="{91240B29-F687-4F45-9708-019B960494DF}">
+              <a14:hiddenLine xmlns:a14="http://schemas.microsoft.com/office/drawing/2010/main" w="9525">
+                <a:solidFill>
+                  <a:srgbClr val="000000"/>
+                </a:solidFill>
+                <a:miter lim="800000"/>
+                <a:headEnd/>
+                <a:tailEnd/>
+              </a14:hiddenLine>
+            </a:ext>
+          </a:extLst>
+        </p:spPr>
+      </p:pic>
+      <p:pic>
+        <p:nvPicPr>
+          <p:cNvPr id="3" name="Imagem 2">
+            <a:extLst>
+              <a:ext uri="{FF2B5EF4-FFF2-40B4-BE49-F238E27FC236}">
+                <a16:creationId xmlns:a16="http://schemas.microsoft.com/office/drawing/2014/main" id="{8B7FB042-C33D-1E42-95B6-8692B9E7BCE9}"/>
+              </a:ext>
+            </a:extLst>
+          </p:cNvPr>
+          <p:cNvPicPr>
+            <a:picLocks noChangeAspect="1"/>
+          </p:cNvPicPr>
+          <p:nvPr userDrawn="1"/>
+        </p:nvPicPr>
+        <p:blipFill>
+          <a:blip r:embed="rId3">
+            <a:duotone>
+              <a:prstClr val="black"/>
+              <a:srgbClr val="D9C3A5">
+                <a:tint val="50000"/>
+                <a:satMod val="180000"/>
+              </a:srgbClr>
+            </a:duotone>
+          </a:blip>
+          <a:stretch>
+            <a:fillRect/>
+          </a:stretch>
+        </p:blipFill>
+        <p:spPr>
+          <a:xfrm>
+            <a:off x="6797" y="213465"/>
+            <a:ext cx="9144000" cy="1904256"/>
+          </a:xfrm>
+          <a:prstGeom prst="rect">
+            <a:avLst/>
+          </a:prstGeom>
+          <a:ln>
+            <a:noFill/>
+          </a:ln>
+        </p:spPr>
+      </p:pic>
+      <p:sp>
+        <p:nvSpPr>
+          <p:cNvPr id="6" name="Espaço Reservado para Título 1">
+            <a:extLst>
+              <a:ext uri="{FF2B5EF4-FFF2-40B4-BE49-F238E27FC236}">
+                <a16:creationId xmlns:a16="http://schemas.microsoft.com/office/drawing/2014/main" id="{94CC6BCC-3428-214C-B1FF-E4DC4C47F8EB}"/>
+              </a:ext>
+            </a:extLst>
+          </p:cNvPr>
+          <p:cNvSpPr>
+            <a:spLocks noGrp="1"/>
+          </p:cNvSpPr>
+          <p:nvPr>
+            <p:ph type="ctrTitle" hasCustomPrompt="1"/>
+          </p:nvPr>
+        </p:nvSpPr>
+        <p:spPr>
+          <a:xfrm>
+            <a:off x="402158" y="1791915"/>
+            <a:ext cx="8339685" cy="452438"/>
+          </a:xfrm>
+        </p:spPr>
+        <p:txBody>
+          <a:bodyPr/>
+          <a:lstStyle>
+            <a:lvl1pPr algn="ctr">
+              <a:defRPr b="1" i="0">
+                <a:solidFill>
+                  <a:schemeClr val="bg1"/>
+                </a:solidFill>
+                <a:latin typeface="Roboto Black" panose="02000000000000000000" pitchFamily="2" charset="0"/>
+                <a:ea typeface="Roboto Black" panose="02000000000000000000" pitchFamily="2" charset="0"/>
+              </a:defRPr>
+            </a:lvl1pPr>
+          </a:lstStyle>
+          <a:p>
+            <a:pPr lvl="0"/>
+            <a:r>
+              <a:rPr lang="pt-BR" noProof="0" dirty="0"/>
+              <a:t>TRILHA – Nome da Trilha</a:t>
+            </a:r>
+          </a:p>
+        </p:txBody>
+      </p:sp>
+      <p:sp>
+        <p:nvSpPr>
+          <p:cNvPr id="21" name="Rectangle 3">
+            <a:extLst>
+              <a:ext uri="{FF2B5EF4-FFF2-40B4-BE49-F238E27FC236}">
+                <a16:creationId xmlns:a16="http://schemas.microsoft.com/office/drawing/2014/main" id="{C793AFEB-F85E-714F-9641-F8AED2016600}"/>
+              </a:ext>
+            </a:extLst>
+          </p:cNvPr>
+          <p:cNvSpPr txBox="1">
+            <a:spLocks/>
+          </p:cNvSpPr>
+          <p:nvPr userDrawn="1"/>
+        </p:nvSpPr>
+        <p:spPr>
+          <a:xfrm>
+            <a:off x="763089" y="2737021"/>
+            <a:ext cx="7415220" cy="323850"/>
+          </a:xfrm>
+          <a:prstGeom prst="rect">
+            <a:avLst/>
+          </a:prstGeom>
+        </p:spPr>
+        <p:txBody>
+          <a:bodyPr vert="horz" lIns="51435" tIns="25718" rIns="51435" bIns="25718" rtlCol="0">
+            <a:noAutofit/>
+          </a:bodyPr>
+          <a:lstStyle>
+            <a:lvl1pPr marL="406396" indent="-406396" algn="l" defTabSz="1625582" rtl="0" eaLnBrk="1" latinLnBrk="0" hangingPunct="1">
+              <a:lnSpc>
+                <a:spcPct val="90000"/>
+              </a:lnSpc>
+              <a:spcBef>
+                <a:spcPts val="1778"/>
+              </a:spcBef>
+              <a:buFont typeface="Arial" panose="020B0604020202020204" pitchFamily="34" charset="0"/>
+              <a:buChar char="•"/>
+              <a:defRPr sz="4800" kern="1200">
+                <a:solidFill>
+                  <a:schemeClr val="tx1"/>
+                </a:solidFill>
+                <a:latin typeface="Roboto" panose="02000000000000000000" pitchFamily="2" charset="0"/>
+                <a:ea typeface="Roboto" panose="02000000000000000000" pitchFamily="2" charset="0"/>
+                <a:cs typeface="+mn-cs"/>
+              </a:defRPr>
+            </a:lvl1pPr>
+            <a:lvl2pPr marL="1219187" indent="-406396" algn="l" defTabSz="1625582" rtl="0" eaLnBrk="1" latinLnBrk="0" hangingPunct="1">
+              <a:lnSpc>
+                <a:spcPct val="90000"/>
+              </a:lnSpc>
+              <a:spcBef>
+                <a:spcPts val="888"/>
+              </a:spcBef>
+              <a:buFont typeface="Arial" panose="020B0604020202020204" pitchFamily="34" charset="0"/>
+              <a:buChar char="•"/>
+              <a:defRPr sz="4000" kern="1200">
+                <a:solidFill>
+                  <a:schemeClr val="tx1"/>
+                </a:solidFill>
+                <a:latin typeface="Roboto" panose="02000000000000000000" pitchFamily="2" charset="0"/>
+                <a:ea typeface="Roboto" panose="02000000000000000000" pitchFamily="2" charset="0"/>
+                <a:cs typeface="+mn-cs"/>
+              </a:defRPr>
+            </a:lvl2pPr>
+            <a:lvl3pPr marL="2031978" indent="-406396" algn="l" defTabSz="1625582" rtl="0" eaLnBrk="1" latinLnBrk="0" hangingPunct="1">
+              <a:lnSpc>
+                <a:spcPct val="90000"/>
+              </a:lnSpc>
+              <a:spcBef>
+                <a:spcPts val="888"/>
+              </a:spcBef>
+              <a:buFont typeface="Arial" panose="020B0604020202020204" pitchFamily="34" charset="0"/>
+              <a:buChar char="•"/>
+              <a:defRPr sz="3200" kern="1200">
+                <a:solidFill>
+                  <a:schemeClr val="tx1"/>
+                </a:solidFill>
+                <a:latin typeface="Roboto" panose="02000000000000000000" pitchFamily="2" charset="0"/>
+                <a:ea typeface="Roboto" panose="02000000000000000000" pitchFamily="2" charset="0"/>
+                <a:cs typeface="+mn-cs"/>
+              </a:defRPr>
+            </a:lvl3pPr>
+            <a:lvl4pPr marL="2844769" indent="-406396" algn="l" defTabSz="1625582" rtl="0" eaLnBrk="1" latinLnBrk="0" hangingPunct="1">
+              <a:lnSpc>
+                <a:spcPct val="90000"/>
+              </a:lnSpc>
+              <a:spcBef>
+                <a:spcPts val="888"/>
+              </a:spcBef>
+              <a:buFont typeface="Arial" panose="020B0604020202020204" pitchFamily="34" charset="0"/>
+              <a:buChar char="•"/>
+              <a:defRPr sz="2800" kern="1200">
+                <a:solidFill>
+                  <a:schemeClr val="tx1"/>
+                </a:solidFill>
+                <a:latin typeface="Roboto" panose="02000000000000000000" pitchFamily="2" charset="0"/>
+                <a:ea typeface="Roboto" panose="02000000000000000000" pitchFamily="2" charset="0"/>
+                <a:cs typeface="+mn-cs"/>
+              </a:defRPr>
+            </a:lvl4pPr>
+            <a:lvl5pPr marL="3657559" indent="-406396" algn="l" defTabSz="1625582" rtl="0" eaLnBrk="1" latinLnBrk="0" hangingPunct="1">
+              <a:lnSpc>
+                <a:spcPct val="90000"/>
+              </a:lnSpc>
+              <a:spcBef>
+                <a:spcPts val="888"/>
+              </a:spcBef>
+              <a:buFont typeface="Arial" panose="020B0604020202020204" pitchFamily="34" charset="0"/>
+              <a:buChar char="•"/>
+              <a:defRPr sz="2800" kern="1200">
+                <a:solidFill>
+                  <a:schemeClr val="tx1"/>
+                </a:solidFill>
+                <a:latin typeface="Roboto" panose="02000000000000000000" pitchFamily="2" charset="0"/>
+                <a:ea typeface="Roboto" panose="02000000000000000000" pitchFamily="2" charset="0"/>
+                <a:cs typeface="+mn-cs"/>
+              </a:defRPr>
+            </a:lvl5pPr>
+            <a:lvl6pPr marL="4470350" indent="-406396" algn="l" defTabSz="1625582" rtl="0" eaLnBrk="1" latinLnBrk="0" hangingPunct="1">
+              <a:lnSpc>
+                <a:spcPct val="90000"/>
+              </a:lnSpc>
+              <a:spcBef>
+                <a:spcPts val="888"/>
+              </a:spcBef>
+              <a:buFont typeface="Arial" panose="020B0604020202020204" pitchFamily="34" charset="0"/>
+              <a:buChar char="•"/>
+              <a:defRPr sz="3200" kern="1200">
+                <a:solidFill>
+                  <a:schemeClr val="tx1"/>
+                </a:solidFill>
+                <a:latin typeface="+mn-lt"/>
+                <a:ea typeface="+mn-ea"/>
+                <a:cs typeface="+mn-cs"/>
+              </a:defRPr>
+            </a:lvl6pPr>
+            <a:lvl7pPr marL="5283141" indent="-406396" algn="l" defTabSz="1625582" rtl="0" eaLnBrk="1" latinLnBrk="0" hangingPunct="1">
+              <a:lnSpc>
+                <a:spcPct val="90000"/>
+              </a:lnSpc>
+              <a:spcBef>
+                <a:spcPts val="888"/>
+              </a:spcBef>
+              <a:buFont typeface="Arial" panose="020B0604020202020204" pitchFamily="34" charset="0"/>
+              <a:buChar char="•"/>
+              <a:defRPr sz="3200" kern="1200">
+                <a:solidFill>
+                  <a:schemeClr val="tx1"/>
+                </a:solidFill>
+                <a:latin typeface="+mn-lt"/>
+                <a:ea typeface="+mn-ea"/>
+                <a:cs typeface="+mn-cs"/>
+              </a:defRPr>
+            </a:lvl7pPr>
+            <a:lvl8pPr marL="6095932" indent="-406396" algn="l" defTabSz="1625582" rtl="0" eaLnBrk="1" latinLnBrk="0" hangingPunct="1">
+              <a:lnSpc>
+                <a:spcPct val="90000"/>
+              </a:lnSpc>
+              <a:spcBef>
+                <a:spcPts val="888"/>
+              </a:spcBef>
+              <a:buFont typeface="Arial" panose="020B0604020202020204" pitchFamily="34" charset="0"/>
+              <a:buChar char="•"/>
+              <a:defRPr sz="3200" kern="1200">
+                <a:solidFill>
+                  <a:schemeClr val="tx1"/>
+                </a:solidFill>
+                <a:latin typeface="+mn-lt"/>
+                <a:ea typeface="+mn-ea"/>
+                <a:cs typeface="+mn-cs"/>
+              </a:defRPr>
+            </a:lvl8pPr>
+            <a:lvl9pPr marL="6908723" indent="-406396" algn="l" defTabSz="1625582" rtl="0" eaLnBrk="1" latinLnBrk="0" hangingPunct="1">
+              <a:lnSpc>
+                <a:spcPct val="90000"/>
+              </a:lnSpc>
+              <a:spcBef>
+                <a:spcPts val="888"/>
+              </a:spcBef>
+              <a:buFont typeface="Arial" panose="020B0604020202020204" pitchFamily="34" charset="0"/>
+              <a:buChar char="•"/>
+              <a:defRPr sz="3200" kern="1200">
+                <a:solidFill>
+                  <a:schemeClr val="tx1"/>
+                </a:solidFill>
+                <a:latin typeface="+mn-lt"/>
+                <a:ea typeface="+mn-ea"/>
+                <a:cs typeface="+mn-cs"/>
+              </a:defRPr>
+            </a:lvl9pPr>
+          </a:lstStyle>
+          <a:p>
+            <a:pPr algn="ctr" fontAlgn="auto">
+              <a:spcAft>
+                <a:spcPts val="0"/>
+              </a:spcAft>
+              <a:buFont typeface="Arial" panose="020B0604020202020204" pitchFamily="34" charset="0"/>
+              <a:buNone/>
+            </a:pPr>
+            <a:endParaRPr lang="pt-BR" altLang="pt-BR" sz="2250" b="0" i="1" dirty="0">
+              <a:latin typeface="Roboto Light" panose="02000000000000000000" pitchFamily="2" charset="0"/>
+              <a:ea typeface="Roboto Light" panose="02000000000000000000" pitchFamily="2" charset="0"/>
+            </a:endParaRPr>
+          </a:p>
+        </p:txBody>
+      </p:sp>
+      <p:sp>
+        <p:nvSpPr>
+          <p:cNvPr id="32" name="Text Placeholder 8">
+            <a:extLst>
+              <a:ext uri="{FF2B5EF4-FFF2-40B4-BE49-F238E27FC236}">
+                <a16:creationId xmlns:a16="http://schemas.microsoft.com/office/drawing/2014/main" id="{8612EAC1-8EDF-484B-994C-4A586FB3B430}"/>
+              </a:ext>
+            </a:extLst>
+          </p:cNvPr>
+          <p:cNvSpPr>
+            <a:spLocks noGrp="1"/>
+          </p:cNvSpPr>
+          <p:nvPr>
+            <p:ph type="body" sz="quarter" idx="16" hasCustomPrompt="1"/>
+          </p:nvPr>
+        </p:nvSpPr>
+        <p:spPr>
+          <a:xfrm>
+            <a:off x="2213115" y="2744373"/>
+            <a:ext cx="5065676" cy="613518"/>
+          </a:xfrm>
+          <a:prstGeom prst="rect">
+            <a:avLst/>
+          </a:prstGeom>
+        </p:spPr>
+        <p:txBody>
+          <a:bodyPr anchor="t">
+            <a:noAutofit/>
+          </a:bodyPr>
+          <a:lstStyle>
+            <a:lvl1pPr marL="0" indent="0" algn="l">
+              <a:lnSpc>
+                <a:spcPct val="100000"/>
+              </a:lnSpc>
+              <a:spcBef>
+                <a:spcPts val="0"/>
+              </a:spcBef>
+              <a:buNone/>
+              <a:defRPr sz="2025" b="0" i="0" baseline="0">
+                <a:solidFill>
+                  <a:schemeClr val="tx1"/>
+                </a:solidFill>
+                <a:latin typeface="Roboto Condensed" panose="02000000000000000000" pitchFamily="2" charset="0"/>
+                <a:ea typeface="Roboto Condensed" panose="02000000000000000000" pitchFamily="2" charset="0"/>
+                <a:cs typeface="Arial Narrow" charset="0"/>
+              </a:defRPr>
+            </a:lvl1pPr>
+          </a:lstStyle>
+          <a:p>
+            <a:pPr lvl="0"/>
+            <a:r>
+              <a:rPr lang="en-US" dirty="0"/>
+              <a:t>Nome Palestra</a:t>
+            </a:r>
+          </a:p>
+        </p:txBody>
+      </p:sp>
+      <p:sp>
+        <p:nvSpPr>
+          <p:cNvPr id="33" name="Text Placeholder 8">
+            <a:extLst>
+              <a:ext uri="{FF2B5EF4-FFF2-40B4-BE49-F238E27FC236}">
+                <a16:creationId xmlns:a16="http://schemas.microsoft.com/office/drawing/2014/main" id="{E746AFB2-9E68-E841-8477-AD3AB9C28D0F}"/>
+              </a:ext>
+            </a:extLst>
+          </p:cNvPr>
+          <p:cNvSpPr>
+            <a:spLocks noGrp="1"/>
+          </p:cNvSpPr>
+          <p:nvPr>
+            <p:ph type="body" sz="quarter" idx="17" hasCustomPrompt="1"/>
+          </p:nvPr>
+        </p:nvSpPr>
+        <p:spPr>
+          <a:xfrm>
+            <a:off x="2213115" y="3463603"/>
+            <a:ext cx="5065851" cy="261644"/>
+          </a:xfrm>
+          <a:prstGeom prst="rect">
+            <a:avLst/>
+          </a:prstGeom>
+        </p:spPr>
+        <p:txBody>
+          <a:bodyPr anchor="t">
+            <a:noAutofit/>
+          </a:bodyPr>
+          <a:lstStyle>
+            <a:lvl1pPr marL="0" marR="0" indent="0" algn="l" defTabSz="514350" rtl="0" eaLnBrk="1" fontAlgn="auto" latinLnBrk="0" hangingPunct="1">
+              <a:lnSpc>
+                <a:spcPct val="100000"/>
+              </a:lnSpc>
+              <a:spcBef>
+                <a:spcPct val="0"/>
+              </a:spcBef>
+              <a:spcAft>
+                <a:spcPts val="0"/>
+              </a:spcAft>
+              <a:buClrTx/>
+              <a:buSzTx/>
+              <a:buFont typeface="Arial" panose="020B0604020202020204" pitchFamily="34" charset="0"/>
+              <a:buNone/>
+              <a:tabLst/>
+              <a:defRPr sz="1800" b="0" i="0" baseline="0">
+                <a:solidFill>
+                  <a:schemeClr val="tx1"/>
+                </a:solidFill>
+                <a:latin typeface="Roboto Thin" pitchFamily="2" charset="0"/>
+                <a:ea typeface="Roboto Thin" pitchFamily="2" charset="0"/>
+                <a:cs typeface="Arial Narrow" charset="0"/>
+              </a:defRPr>
+            </a:lvl1pPr>
+          </a:lstStyle>
+          <a:p>
+            <a:pPr marL="0" marR="0" lvl="0" indent="0" algn="ctr" defTabSz="514350" rtl="0" eaLnBrk="1" fontAlgn="auto" latinLnBrk="0" hangingPunct="1">
+              <a:lnSpc>
+                <a:spcPct val="100000"/>
+              </a:lnSpc>
+              <a:spcBef>
+                <a:spcPct val="0"/>
+              </a:spcBef>
+              <a:spcAft>
+                <a:spcPts val="0"/>
+              </a:spcAft>
+              <a:buClrTx/>
+              <a:buSzTx/>
+              <a:buFont typeface="Arial" panose="020B0604020202020204" pitchFamily="34" charset="0"/>
+              <a:buNone/>
+              <a:tabLst/>
+              <a:defRPr/>
+            </a:pPr>
+            <a:r>
+              <a:rPr kumimoji="0" lang="pt-BR" altLang="pt-BR" sz="2000" b="0" i="0" u="none" strike="noStrike" kern="1200" cap="none" spc="0" normalizeH="0" baseline="0" noProof="0" dirty="0">
+                <a:ln>
+                  <a:noFill/>
+                </a:ln>
+                <a:solidFill>
+                  <a:prstClr val="black"/>
+                </a:solidFill>
+                <a:effectLst/>
+                <a:uLnTx/>
+                <a:uFillTx/>
+                <a:latin typeface="Roboto Medium" panose="02000000000000000000" pitchFamily="2" charset="0"/>
+                <a:ea typeface="Roboto Medium" panose="02000000000000000000" pitchFamily="2" charset="0"/>
+                <a:cs typeface="+mn-cs"/>
+              </a:rPr>
+              <a:t>Nome do Palestrante</a:t>
+            </a:r>
+          </a:p>
+        </p:txBody>
+      </p:sp>
+      <p:sp>
+        <p:nvSpPr>
+          <p:cNvPr id="34" name="Text Placeholder 8">
+            <a:extLst>
+              <a:ext uri="{FF2B5EF4-FFF2-40B4-BE49-F238E27FC236}">
+                <a16:creationId xmlns:a16="http://schemas.microsoft.com/office/drawing/2014/main" id="{2706142B-0F04-5242-A2A9-7BE8AB767D6C}"/>
+              </a:ext>
+            </a:extLst>
+          </p:cNvPr>
+          <p:cNvSpPr>
+            <a:spLocks noGrp="1"/>
+          </p:cNvSpPr>
+          <p:nvPr>
+            <p:ph type="body" sz="quarter" idx="18" hasCustomPrompt="1"/>
+          </p:nvPr>
+        </p:nvSpPr>
+        <p:spPr>
+          <a:xfrm>
+            <a:off x="2213202" y="3930281"/>
+            <a:ext cx="5065676" cy="261644"/>
+          </a:xfrm>
+          <a:prstGeom prst="rect">
+            <a:avLst/>
+          </a:prstGeom>
+        </p:spPr>
+        <p:txBody>
+          <a:bodyPr anchor="t">
+            <a:noAutofit/>
+          </a:bodyPr>
+          <a:lstStyle>
+            <a:lvl1pPr marL="0" marR="0" indent="0" algn="l" defTabSz="514350" rtl="0" eaLnBrk="1" fontAlgn="base" latinLnBrk="0" hangingPunct="1">
+              <a:lnSpc>
+                <a:spcPct val="100000"/>
+              </a:lnSpc>
+              <a:spcBef>
+                <a:spcPct val="0"/>
+              </a:spcBef>
+              <a:spcAft>
+                <a:spcPct val="0"/>
+              </a:spcAft>
+              <a:buClrTx/>
+              <a:buSzTx/>
+              <a:buFontTx/>
+              <a:buNone/>
+              <a:tabLst/>
+              <a:defRPr sz="1350" b="0" i="0" baseline="0">
+                <a:solidFill>
+                  <a:schemeClr val="tx1"/>
+                </a:solidFill>
+                <a:latin typeface="Roboto Light" panose="02000000000000000000" pitchFamily="2" charset="0"/>
+                <a:ea typeface="Roboto Light" panose="02000000000000000000" pitchFamily="2" charset="0"/>
+                <a:cs typeface="Arial Narrow" charset="0"/>
+              </a:defRPr>
+            </a:lvl1pPr>
+          </a:lstStyle>
+          <a:p>
+            <a:pPr marL="0" marR="0" lvl="0" indent="0" algn="ctr" defTabSz="514350" rtl="0" eaLnBrk="1" fontAlgn="base" latinLnBrk="0" hangingPunct="1">
+              <a:lnSpc>
+                <a:spcPct val="100000"/>
+              </a:lnSpc>
+              <a:spcBef>
+                <a:spcPct val="0"/>
+              </a:spcBef>
+              <a:spcAft>
+                <a:spcPct val="0"/>
+              </a:spcAft>
+              <a:buClrTx/>
+              <a:buSzTx/>
+              <a:buFontTx/>
+              <a:buNone/>
+              <a:tabLst/>
+              <a:defRPr/>
+            </a:pPr>
+            <a:r>
+              <a:rPr kumimoji="0" lang="pt-BR" altLang="pt-BR" sz="1800" b="0" i="0" u="none" strike="noStrike" kern="1200" cap="none" spc="0" normalizeH="0" baseline="0" noProof="0" dirty="0">
+                <a:ln>
+                  <a:noFill/>
+                </a:ln>
+                <a:solidFill>
+                  <a:prstClr val="black"/>
+                </a:solidFill>
+                <a:effectLst/>
+                <a:uLnTx/>
+                <a:uFillTx/>
+                <a:latin typeface="Roboto Light" panose="02000000000000000000" pitchFamily="2" charset="0"/>
+                <a:ea typeface="Roboto Light" panose="02000000000000000000" pitchFamily="2" charset="0"/>
+                <a:cs typeface="+mn-cs"/>
+              </a:rPr>
+              <a:t>Qualificação do palestrante</a:t>
+            </a:r>
+          </a:p>
+          <a:p>
+            <a:pPr marL="0" marR="0" lvl="0" indent="0" algn="ctr" defTabSz="514350" rtl="0" eaLnBrk="1" fontAlgn="base" latinLnBrk="0" hangingPunct="1">
+              <a:lnSpc>
+                <a:spcPct val="100000"/>
+              </a:lnSpc>
+              <a:spcBef>
+                <a:spcPct val="0"/>
+              </a:spcBef>
+              <a:spcAft>
+                <a:spcPct val="0"/>
+              </a:spcAft>
+              <a:buClrTx/>
+              <a:buSzTx/>
+              <a:buFontTx/>
+              <a:buNone/>
+              <a:tabLst/>
+              <a:defRPr/>
+            </a:pPr>
+            <a:endParaRPr kumimoji="0" lang="pt-BR" altLang="pt-BR" sz="1800" b="0" i="0" u="none" strike="noStrike" kern="1200" cap="none" spc="0" normalizeH="0" baseline="0" noProof="0" dirty="0">
+              <a:ln>
+                <a:noFill/>
+              </a:ln>
+              <a:solidFill>
+                <a:prstClr val="black"/>
+              </a:solidFill>
+              <a:effectLst/>
+              <a:uLnTx/>
+              <a:uFillTx/>
+              <a:latin typeface="Roboto Light" panose="02000000000000000000" pitchFamily="2" charset="0"/>
+              <a:ea typeface="Roboto Light" panose="02000000000000000000" pitchFamily="2" charset="0"/>
+              <a:cs typeface="+mn-cs"/>
+            </a:endParaRPr>
+          </a:p>
+        </p:txBody>
+      </p:sp>
+      <p:sp>
+        <p:nvSpPr>
+          <p:cNvPr id="2" name="Oval 1">
+            <a:extLst>
+              <a:ext uri="{FF2B5EF4-FFF2-40B4-BE49-F238E27FC236}">
+                <a16:creationId xmlns:a16="http://schemas.microsoft.com/office/drawing/2014/main" id="{2646E442-09F9-614A-B9FA-CA9BCAFB948E}"/>
+              </a:ext>
+            </a:extLst>
+          </p:cNvPr>
+          <p:cNvSpPr/>
+          <p:nvPr userDrawn="1"/>
+        </p:nvSpPr>
+        <p:spPr>
+          <a:xfrm>
+            <a:off x="244310" y="2737021"/>
+            <a:ext cx="1442761" cy="1442197"/>
+          </a:xfrm>
+          <a:prstGeom prst="ellipse">
+            <a:avLst/>
+          </a:prstGeom>
+          <a:solidFill>
+            <a:schemeClr val="bg1"/>
+          </a:solidFill>
+          <a:ln>
+            <a:noFill/>
+          </a:ln>
+          <a:effectLst>
+            <a:outerShdw blurRad="50800" dist="38100" dir="2700000" algn="tl" rotWithShape="0">
+              <a:prstClr val="black">
+                <a:alpha val="40000"/>
+              </a:prstClr>
+            </a:outerShdw>
+          </a:effectLst>
+        </p:spPr>
+        <p:style>
+          <a:lnRef idx="2">
+            <a:schemeClr val="accent1">
+              <a:shade val="50000"/>
+            </a:schemeClr>
+          </a:lnRef>
+          <a:fillRef idx="1">
+            <a:schemeClr val="accent1"/>
+          </a:fillRef>
+          <a:effectRef idx="0">
+            <a:schemeClr val="accent1"/>
+          </a:effectRef>
+          <a:fontRef idx="minor">
+            <a:schemeClr val="lt1"/>
+          </a:fontRef>
+        </p:style>
+        <p:txBody>
+          <a:bodyPr rtlCol="0" anchor="ctr"/>
+          <a:lstStyle/>
+          <a:p>
+            <a:pPr algn="ctr"/>
+            <a:endParaRPr lang="pt-BR"/>
+          </a:p>
+        </p:txBody>
+      </p:sp>
+      <p:sp>
+        <p:nvSpPr>
+          <p:cNvPr id="5" name="Espaço Reservado para Imagem 4">
+            <a:extLst>
+              <a:ext uri="{FF2B5EF4-FFF2-40B4-BE49-F238E27FC236}">
+                <a16:creationId xmlns:a16="http://schemas.microsoft.com/office/drawing/2014/main" id="{FEA86413-37EF-8343-A854-DF363854B479}"/>
+              </a:ext>
+            </a:extLst>
+          </p:cNvPr>
+          <p:cNvSpPr>
+            <a:spLocks noGrp="1"/>
+          </p:cNvSpPr>
+          <p:nvPr>
+            <p:ph type="pic" sz="quarter" idx="19"/>
+          </p:nvPr>
+        </p:nvSpPr>
+        <p:spPr>
+          <a:xfrm>
+            <a:off x="244135" y="2749728"/>
+            <a:ext cx="1442761" cy="1442197"/>
+          </a:xfrm>
+          <a:prstGeom prst="ellipse">
+            <a:avLst/>
+          </a:prstGeom>
+        </p:spPr>
+        <p:txBody>
+          <a:bodyPr/>
+          <a:lstStyle>
+            <a:lvl1pPr marL="0" indent="0">
+              <a:buNone/>
+              <a:defRPr sz="1575"/>
+            </a:lvl1pPr>
+          </a:lstStyle>
+          <a:p>
+            <a:endParaRPr lang="pt-BR" dirty="0"/>
+          </a:p>
+        </p:txBody>
+      </p:sp>
+    </p:spTree>
+    <p:extLst>
+      <p:ext uri="{BB962C8B-B14F-4D97-AF65-F5344CB8AC3E}">
+        <p14:creationId xmlns:p14="http://schemas.microsoft.com/office/powerpoint/2010/main" val="2227179896"/>
+      </p:ext>
+    </p:extLst>
+  </p:cSld>
+  <p:clrMapOvr>
+    <a:masterClrMapping/>
+  </p:clrMapOvr>
+  <p:extLst>
+    <p:ext uri="{DCECCB84-F9BA-43D5-87BE-67443E8EF086}">
+      <p15:sldGuideLst xmlns:p15="http://schemas.microsoft.com/office/powerpoint/2012/main">
+        <p15:guide id="1" orient="horz" pos="3061">
+          <p15:clr>
+            <a:srgbClr val="FBAE40"/>
+          </p15:clr>
+        </p15:guide>
+        <p15:guide id="2" orient="horz" pos="4717">
+          <p15:clr>
+            <a:srgbClr val="FBAE40"/>
+          </p15:clr>
+        </p15:guide>
+      </p15:sldGuideLst>
+    </p:ext>
+  </p:extLst>
+</p:sldLayout>
+</file>
+
+<file path=ppt/slideLayouts/slideLayout13.xml><?xml version="1.0" encoding="utf-8"?>
+<p:sldLayout xmlns:a="http://schemas.openxmlformats.org/drawingml/2006/main" xmlns:r="http://schemas.openxmlformats.org/officeDocument/2006/relationships" xmlns:p="http://schemas.openxmlformats.org/presentationml/2006/main" userDrawn="1">
+  <p:cSld name="3_Foto e texto">
+    <p:spTree>
+      <p:nvGrpSpPr>
+        <p:cNvPr id="1" name=""/>
+        <p:cNvGrpSpPr/>
+        <p:nvPr/>
+      </p:nvGrpSpPr>
+      <p:grpSpPr>
+        <a:xfrm>
+          <a:off x="0" y="0"/>
+          <a:ext cx="0" cy="0"/>
+          <a:chOff x="0" y="0"/>
+          <a:chExt cx="0" cy="0"/>
+        </a:xfrm>
+      </p:grpSpPr>
+      <p:sp>
+        <p:nvSpPr>
+          <p:cNvPr id="4" name="Rectangle 1">
+            <a:extLst>
+              <a:ext uri="{FF2B5EF4-FFF2-40B4-BE49-F238E27FC236}">
+                <a16:creationId xmlns:a16="http://schemas.microsoft.com/office/drawing/2014/main" id="{A3B0FC56-5647-274A-9BF9-4B3158B9F598}"/>
+              </a:ext>
+            </a:extLst>
+          </p:cNvPr>
+          <p:cNvSpPr/>
+          <p:nvPr userDrawn="1"/>
+        </p:nvSpPr>
+        <p:spPr>
+          <a:xfrm>
+            <a:off x="0" y="212817"/>
+            <a:ext cx="3041606" cy="4861904"/>
+          </a:xfrm>
+          <a:prstGeom prst="rect">
+            <a:avLst/>
+          </a:prstGeom>
+          <a:solidFill>
+            <a:srgbClr val="EF822F"/>
+          </a:solidFill>
+          <a:ln>
+            <a:noFill/>
+          </a:ln>
+        </p:spPr>
+        <p:style>
+          <a:lnRef idx="2">
+            <a:schemeClr val="accent1">
+              <a:shade val="50000"/>
+            </a:schemeClr>
+          </a:lnRef>
+          <a:fillRef idx="1">
+            <a:schemeClr val="accent1"/>
+          </a:fillRef>
+          <a:effectRef idx="0">
+            <a:schemeClr val="accent1"/>
+          </a:effectRef>
+          <a:fontRef idx="minor">
+            <a:schemeClr val="lt1"/>
+          </a:fontRef>
+        </p:style>
+        <p:txBody>
+          <a:bodyPr rtlCol="0" anchor="ctr"/>
+          <a:lstStyle/>
+          <a:p>
+            <a:pPr algn="ctr"/>
+            <a:endParaRPr lang="pt-BR">
+              <a:latin typeface="Roboto" panose="02000000000000000000" pitchFamily="2" charset="0"/>
+              <a:ea typeface="Roboto" panose="02000000000000000000" pitchFamily="2" charset="0"/>
+            </a:endParaRPr>
+          </a:p>
+        </p:txBody>
+      </p:sp>
+      <p:sp>
+        <p:nvSpPr>
+          <p:cNvPr id="7" name="Espaço Reservado para Imagem 6">
+            <a:extLst>
+              <a:ext uri="{FF2B5EF4-FFF2-40B4-BE49-F238E27FC236}">
+                <a16:creationId xmlns:a16="http://schemas.microsoft.com/office/drawing/2014/main" id="{ED63332E-E3EC-464D-8805-9A635C60BEC2}"/>
+              </a:ext>
+            </a:extLst>
+          </p:cNvPr>
+          <p:cNvSpPr>
+            <a:spLocks noGrp="1"/>
+          </p:cNvSpPr>
+          <p:nvPr>
+            <p:ph type="pic" sz="quarter" idx="10"/>
+          </p:nvPr>
+        </p:nvSpPr>
+        <p:spPr>
+          <a:xfrm>
+            <a:off x="672668" y="1293019"/>
+            <a:ext cx="3691189" cy="3207544"/>
+          </a:xfrm>
+          <a:prstGeom prst="rect">
+            <a:avLst/>
+          </a:prstGeom>
+        </p:spPr>
+        <p:txBody>
+          <a:bodyPr/>
+          <a:lstStyle/>
+          <a:p>
+            <a:endParaRPr lang="pt-BR"/>
+          </a:p>
+        </p:txBody>
+      </p:sp>
+      <p:sp>
+        <p:nvSpPr>
+          <p:cNvPr id="9" name="Retângulo 8">
+            <a:extLst>
+              <a:ext uri="{FF2B5EF4-FFF2-40B4-BE49-F238E27FC236}">
+                <a16:creationId xmlns:a16="http://schemas.microsoft.com/office/drawing/2014/main" id="{284AD018-72F3-9D44-A1AC-7B34ABD713F5}"/>
+              </a:ext>
+            </a:extLst>
+          </p:cNvPr>
+          <p:cNvSpPr/>
+          <p:nvPr userDrawn="1"/>
+        </p:nvSpPr>
+        <p:spPr>
+          <a:xfrm>
+            <a:off x="6299031" y="215900"/>
+            <a:ext cx="2755261" cy="939131"/>
+          </a:xfrm>
+          <a:prstGeom prst="rect">
+            <a:avLst/>
+          </a:prstGeom>
+          <a:ln>
+            <a:noFill/>
+          </a:ln>
+        </p:spPr>
+        <p:style>
+          <a:lnRef idx="2">
+            <a:schemeClr val="accent6"/>
+          </a:lnRef>
+          <a:fillRef idx="1">
+            <a:schemeClr val="lt1"/>
+          </a:fillRef>
+          <a:effectRef idx="0">
+            <a:schemeClr val="accent6"/>
+          </a:effectRef>
+          <a:fontRef idx="minor">
+            <a:schemeClr val="dk1"/>
+          </a:fontRef>
+        </p:style>
+        <p:txBody>
+          <a:bodyPr rtlCol="0" anchor="ctr"/>
+          <a:lstStyle/>
+          <a:p>
+            <a:pPr algn="ctr"/>
+            <a:endParaRPr lang="pt-BR"/>
+          </a:p>
+        </p:txBody>
+      </p:sp>
+      <p:pic>
+        <p:nvPicPr>
+          <p:cNvPr id="13" name="Imagem 12">
+            <a:extLst>
+              <a:ext uri="{FF2B5EF4-FFF2-40B4-BE49-F238E27FC236}">
+                <a16:creationId xmlns:a16="http://schemas.microsoft.com/office/drawing/2014/main" id="{5FB66142-D0A6-6148-8B5B-45631CE9C399}"/>
+              </a:ext>
+            </a:extLst>
+          </p:cNvPr>
+          <p:cNvPicPr>
+            <a:picLocks noChangeAspect="1"/>
+          </p:cNvPicPr>
+          <p:nvPr userDrawn="1"/>
+        </p:nvPicPr>
+        <p:blipFill>
+          <a:blip r:embed="rId2">
+            <a:extLst>
+              <a:ext uri="{28A0092B-C50C-407E-A947-70E740481C1C}">
+                <a14:useLocalDpi xmlns:a14="http://schemas.microsoft.com/office/drawing/2010/main" val="0"/>
+              </a:ext>
+            </a:extLst>
+          </a:blip>
+          <a:stretch>
+            <a:fillRect/>
+          </a:stretch>
+        </p:blipFill>
+        <p:spPr>
+          <a:xfrm>
+            <a:off x="89708" y="220320"/>
+            <a:ext cx="2615678" cy="1159329"/>
+          </a:xfrm>
+          <a:prstGeom prst="rect">
+            <a:avLst/>
+          </a:prstGeom>
+        </p:spPr>
+      </p:pic>
+      <p:sp>
+        <p:nvSpPr>
+          <p:cNvPr id="14" name="Text Placeholder 8">
+            <a:extLst>
+              <a:ext uri="{FF2B5EF4-FFF2-40B4-BE49-F238E27FC236}">
+                <a16:creationId xmlns:a16="http://schemas.microsoft.com/office/drawing/2014/main" id="{6B960C8E-3C9B-8845-873C-5270333024B8}"/>
+              </a:ext>
+            </a:extLst>
+          </p:cNvPr>
+          <p:cNvSpPr>
+            <a:spLocks noGrp="1"/>
+          </p:cNvSpPr>
+          <p:nvPr>
+            <p:ph type="body" sz="quarter" idx="12" hasCustomPrompt="1"/>
+          </p:nvPr>
+        </p:nvSpPr>
+        <p:spPr>
+          <a:xfrm>
+            <a:off x="4386293" y="433522"/>
+            <a:ext cx="4206719" cy="712102"/>
+          </a:xfrm>
+          <a:prstGeom prst="rect">
+            <a:avLst/>
+          </a:prstGeom>
+        </p:spPr>
+        <p:txBody>
+          <a:bodyPr anchor="t">
+            <a:noAutofit/>
+          </a:bodyPr>
+          <a:lstStyle>
+            <a:lvl1pPr marL="0" indent="0" algn="l">
+              <a:lnSpc>
+                <a:spcPts val="2666"/>
+              </a:lnSpc>
+              <a:spcBef>
+                <a:spcPts val="0"/>
+              </a:spcBef>
+              <a:buNone/>
+              <a:defRPr sz="2363" b="0" i="0" baseline="0">
+                <a:solidFill>
+                  <a:schemeClr val="tx1">
+                    <a:lumMod val="50000"/>
+                    <a:lumOff val="50000"/>
+                  </a:schemeClr>
+                </a:solidFill>
+                <a:latin typeface="Roboto" panose="02000000000000000000" pitchFamily="2" charset="0"/>
+                <a:ea typeface="Roboto" panose="02000000000000000000" pitchFamily="2" charset="0"/>
+                <a:cs typeface="Arial Narrow" charset="0"/>
+              </a:defRPr>
+            </a:lvl1pPr>
+          </a:lstStyle>
+          <a:p>
+            <a:pPr lvl="0"/>
+            <a:r>
+              <a:rPr lang="en-US" dirty="0"/>
+              <a:t>TÍTULO MÉDIO OU LONGO EM CAMPO PARA 2 LINHAS</a:t>
+            </a:r>
+          </a:p>
+        </p:txBody>
+      </p:sp>
+      <p:sp>
+        <p:nvSpPr>
+          <p:cNvPr id="15" name="Text Placeholder 11">
+            <a:extLst>
+              <a:ext uri="{FF2B5EF4-FFF2-40B4-BE49-F238E27FC236}">
+                <a16:creationId xmlns:a16="http://schemas.microsoft.com/office/drawing/2014/main" id="{89FB95CA-094A-4D41-A369-0F2E5B1B198A}"/>
+              </a:ext>
+            </a:extLst>
+          </p:cNvPr>
+          <p:cNvSpPr>
+            <a:spLocks noGrp="1"/>
+          </p:cNvSpPr>
+          <p:nvPr>
+            <p:ph type="body" sz="quarter" idx="13" hasCustomPrompt="1"/>
+          </p:nvPr>
+        </p:nvSpPr>
+        <p:spPr>
+          <a:xfrm>
+            <a:off x="5323624" y="1619756"/>
+            <a:ext cx="3263483" cy="2880806"/>
+          </a:xfrm>
+          <a:prstGeom prst="rect">
+            <a:avLst/>
+          </a:prstGeom>
+        </p:spPr>
+        <p:txBody>
+          <a:bodyPr anchor="ctr"/>
+          <a:lstStyle>
+            <a:lvl1pPr marL="0" indent="0">
+              <a:lnSpc>
+                <a:spcPts val="1800"/>
+              </a:lnSpc>
+              <a:spcBef>
+                <a:spcPts val="0"/>
+              </a:spcBef>
+              <a:buNone/>
+              <a:defRPr sz="1350" b="1" i="0">
+                <a:solidFill>
+                  <a:schemeClr val="tx1">
+                    <a:lumMod val="50000"/>
+                    <a:lumOff val="50000"/>
+                  </a:schemeClr>
+                </a:solidFill>
+                <a:latin typeface="Roboto" panose="02000000000000000000" pitchFamily="2" charset="0"/>
+                <a:ea typeface="Roboto" panose="02000000000000000000" pitchFamily="2" charset="0"/>
+              </a:defRPr>
+            </a:lvl1pPr>
+            <a:lvl2pPr marL="257175" indent="0">
+              <a:buNone/>
+              <a:defRPr b="0" i="0">
+                <a:solidFill>
+                  <a:schemeClr val="bg2">
+                    <a:lumMod val="50000"/>
+                  </a:schemeClr>
+                </a:solidFill>
+                <a:latin typeface="Lato" panose="020F0502020204030203" pitchFamily="34" charset="77"/>
+              </a:defRPr>
+            </a:lvl2pPr>
+            <a:lvl3pPr marL="514350" indent="0">
+              <a:buNone/>
+              <a:defRPr b="0" i="0">
+                <a:solidFill>
+                  <a:schemeClr val="bg2">
+                    <a:lumMod val="50000"/>
+                  </a:schemeClr>
+                </a:solidFill>
+                <a:latin typeface="Lato" panose="020F0502020204030203" pitchFamily="34" charset="77"/>
+              </a:defRPr>
+            </a:lvl3pPr>
+            <a:lvl4pPr marL="771525" indent="0">
+              <a:buNone/>
+              <a:defRPr b="0" i="0">
+                <a:solidFill>
+                  <a:schemeClr val="bg2">
+                    <a:lumMod val="50000"/>
+                  </a:schemeClr>
+                </a:solidFill>
+                <a:latin typeface="Lato" panose="020F0502020204030203" pitchFamily="34" charset="77"/>
+              </a:defRPr>
+            </a:lvl4pPr>
+            <a:lvl5pPr marL="1028700" indent="0">
+              <a:buNone/>
+              <a:defRPr b="0" i="0">
+                <a:solidFill>
+                  <a:schemeClr val="bg2">
+                    <a:lumMod val="50000"/>
+                  </a:schemeClr>
+                </a:solidFill>
+                <a:latin typeface="Lato" panose="020F0502020204030203" pitchFamily="34" charset="77"/>
+              </a:defRPr>
+            </a:lvl5pPr>
+          </a:lstStyle>
+          <a:p>
+            <a:pPr lvl="0"/>
+            <a:r>
+              <a:rPr lang="en-US" dirty="0"/>
+              <a:t>Lorem ipsum dolor sit </a:t>
+            </a:r>
+            <a:r>
+              <a:rPr lang="en-US" dirty="0" err="1"/>
+              <a:t>amet</a:t>
+            </a:r>
+            <a:r>
+              <a:rPr lang="en-US" dirty="0"/>
+              <a:t>, </a:t>
+            </a:r>
+            <a:r>
+              <a:rPr lang="en-US" dirty="0" err="1"/>
+              <a:t>consect</a:t>
+            </a:r>
+            <a:r>
+              <a:rPr lang="en-US" dirty="0"/>
+              <a:t> </a:t>
+            </a:r>
+            <a:r>
+              <a:rPr lang="en-US" dirty="0" err="1"/>
+              <a:t>adipiscing</a:t>
+            </a:r>
+            <a:r>
+              <a:rPr lang="en-US" dirty="0"/>
+              <a:t> </a:t>
+            </a:r>
+            <a:r>
+              <a:rPr lang="en-US" dirty="0" err="1"/>
+              <a:t>elit</a:t>
+            </a:r>
+            <a:r>
+              <a:rPr lang="en-US" dirty="0"/>
+              <a:t>, </a:t>
+            </a:r>
+            <a:r>
+              <a:rPr lang="en-US" dirty="0" err="1"/>
+              <a:t>si</a:t>
+            </a:r>
+            <a:r>
+              <a:rPr lang="en-US" dirty="0"/>
+              <a:t> </a:t>
+            </a:r>
+            <a:r>
+              <a:rPr lang="en-US" dirty="0" err="1"/>
+              <a:t>diam</a:t>
+            </a:r>
+            <a:r>
+              <a:rPr lang="en-US" dirty="0"/>
+              <a:t> </a:t>
+            </a:r>
+            <a:r>
+              <a:rPr lang="en-US" dirty="0" err="1"/>
+              <a:t>nonummy</a:t>
+            </a:r>
+            <a:r>
+              <a:rPr lang="en-US" dirty="0"/>
+              <a:t> del </a:t>
+            </a:r>
+            <a:r>
+              <a:rPr lang="en-US" dirty="0" err="1"/>
+              <a:t>nibh</a:t>
+            </a:r>
+            <a:r>
+              <a:rPr lang="en-US" dirty="0"/>
+              <a:t> </a:t>
+            </a:r>
+            <a:r>
+              <a:rPr lang="en-US" dirty="0" err="1"/>
+              <a:t>euismod</a:t>
+            </a:r>
+            <a:r>
+              <a:rPr lang="en-US" dirty="0"/>
+              <a:t> </a:t>
+            </a:r>
+            <a:r>
+              <a:rPr lang="en-US" dirty="0" err="1"/>
+              <a:t>tincidunt</a:t>
+            </a:r>
+            <a:r>
+              <a:rPr lang="en-US" dirty="0"/>
+              <a:t> </a:t>
+            </a:r>
+            <a:r>
+              <a:rPr lang="en-US" dirty="0" err="1"/>
+              <a:t>ut</a:t>
+            </a:r>
+            <a:r>
+              <a:rPr lang="en-US" dirty="0"/>
+              <a:t> </a:t>
+            </a:r>
+            <a:r>
+              <a:rPr lang="en-US" dirty="0" err="1"/>
+              <a:t>laoreet</a:t>
+            </a:r>
+            <a:r>
+              <a:rPr lang="en-US" dirty="0"/>
+              <a:t> dolore magna </a:t>
+            </a:r>
+            <a:r>
+              <a:rPr lang="en-US" dirty="0" err="1"/>
+              <a:t>aliquam</a:t>
+            </a:r>
+            <a:r>
+              <a:rPr lang="en-US" dirty="0"/>
+              <a:t> </a:t>
+            </a:r>
+            <a:r>
+              <a:rPr lang="en-US" dirty="0" err="1"/>
+              <a:t>erat</a:t>
+            </a:r>
+            <a:r>
+              <a:rPr lang="en-US" dirty="0"/>
+              <a:t> </a:t>
+            </a:r>
+            <a:r>
+              <a:rPr lang="en-US" dirty="0" err="1"/>
+              <a:t>volutpat</a:t>
+            </a:r>
+            <a:r>
+              <a:rPr lang="en-US" dirty="0"/>
+              <a:t>. </a:t>
+            </a:r>
+          </a:p>
+        </p:txBody>
+      </p:sp>
+    </p:spTree>
+    <p:extLst>
+      <p:ext uri="{BB962C8B-B14F-4D97-AF65-F5344CB8AC3E}">
+        <p14:creationId xmlns:p14="http://schemas.microsoft.com/office/powerpoint/2010/main" val="2622226202"/>
+      </p:ext>
+    </p:extLst>
+  </p:cSld>
+  <p:clrMapOvr>
+    <a:masterClrMapping/>
+  </p:clrMapOvr>
+</p:sldLayout>
+</file>
+
+<file path=ppt/slideLayouts/slideLayout14.xml><?xml version="1.0" encoding="utf-8"?>
 <p:sldLayout xmlns:a="http://schemas.openxmlformats.org/drawingml/2006/main" xmlns:r="http://schemas.openxmlformats.org/officeDocument/2006/relationships" xmlns:p="http://schemas.openxmlformats.org/presentationml/2006/main" type="title" preserve="1">
   <p:cSld name="Slide de título">
     <p:spTree>
@@ -2909,7 +4161,7 @@
             <a:fld id="{D7ABD4DD-DFDB-4483-8211-CA977F8D03BA}" type="datetimeFigureOut">
               <a:rPr lang="pt-BR" altLang="pt-BR"/>
               <a:pPr/>
-              <a:t>08/06/2019</a:t>
+              <a:t>11/06/2019</a:t>
             </a:fld>
             <a:endParaRPr lang="pt-BR" altLang="pt-BR"/>
           </a:p>
@@ -3018,7 +4270,7 @@
 </p:sldLayout>
 </file>
 
-<file path=ppt/slideLayouts/slideLayout13.xml><?xml version="1.0" encoding="utf-8"?>
+<file path=ppt/slideLayouts/slideLayout15.xml><?xml version="1.0" encoding="utf-8"?>
 <p:sldLayout xmlns:a="http://schemas.openxmlformats.org/drawingml/2006/main" xmlns:r="http://schemas.openxmlformats.org/officeDocument/2006/relationships" xmlns:p="http://schemas.openxmlformats.org/presentationml/2006/main" type="obj" preserve="1">
   <p:cSld name="Título e conteúdo">
     <p:spTree>
@@ -3164,7 +4416,7 @@
             <a:fld id="{E2C3E941-AD6E-4958-8ACA-7E6831BC1948}" type="datetimeFigureOut">
               <a:rPr lang="pt-BR" altLang="pt-BR"/>
               <a:pPr/>
-              <a:t>08/06/2019</a:t>
+              <a:t>11/06/2019</a:t>
             </a:fld>
             <a:endParaRPr lang="pt-BR" altLang="pt-BR"/>
           </a:p>
@@ -3273,7 +4525,7 @@
 </p:sldLayout>
 </file>
 
-<file path=ppt/slideLayouts/slideLayout14.xml><?xml version="1.0" encoding="utf-8"?>
+<file path=ppt/slideLayouts/slideLayout16.xml><?xml version="1.0" encoding="utf-8"?>
 <p:sldLayout xmlns:a="http://schemas.openxmlformats.org/drawingml/2006/main" xmlns:r="http://schemas.openxmlformats.org/officeDocument/2006/relationships" xmlns:p="http://schemas.openxmlformats.org/presentationml/2006/main" type="secHead" preserve="1">
   <p:cSld name="Cabeçalho da Seção">
     <p:spTree>
@@ -3486,7 +4738,7 @@
             <a:fld id="{78B2225E-205B-40DB-A05C-2B5B100C3F5D}" type="datetimeFigureOut">
               <a:rPr lang="pt-BR" altLang="pt-BR"/>
               <a:pPr/>
-              <a:t>08/06/2019</a:t>
+              <a:t>11/06/2019</a:t>
             </a:fld>
             <a:endParaRPr lang="pt-BR" altLang="pt-BR"/>
           </a:p>
@@ -3595,7 +4847,7 @@
 </p:sldLayout>
 </file>
 
-<file path=ppt/slideLayouts/slideLayout15.xml><?xml version="1.0" encoding="utf-8"?>
+<file path=ppt/slideLayouts/slideLayout17.xml><?xml version="1.0" encoding="utf-8"?>
 <p:sldLayout xmlns:a="http://schemas.openxmlformats.org/drawingml/2006/main" xmlns:r="http://schemas.openxmlformats.org/officeDocument/2006/relationships" xmlns:p="http://schemas.openxmlformats.org/presentationml/2006/main" type="twoObj" preserve="1">
   <p:cSld name="Duas Partes de Conteúdo">
     <p:spTree>
@@ -3856,7 +5108,7 @@
             <a:fld id="{A34D8261-59FB-49AF-A71D-BD544BA3D09B}" type="datetimeFigureOut">
               <a:rPr lang="pt-BR" altLang="pt-BR"/>
               <a:pPr/>
-              <a:t>08/06/2019</a:t>
+              <a:t>11/06/2019</a:t>
             </a:fld>
             <a:endParaRPr lang="pt-BR" altLang="pt-BR"/>
           </a:p>
@@ -3965,7 +5217,7 @@
 </p:sldLayout>
 </file>
 
-<file path=ppt/slideLayouts/slideLayout16.xml><?xml version="1.0" encoding="utf-8"?>
+<file path=ppt/slideLayouts/slideLayout18.xml><?xml version="1.0" encoding="utf-8"?>
 <p:sldLayout xmlns:a="http://schemas.openxmlformats.org/drawingml/2006/main" xmlns:r="http://schemas.openxmlformats.org/officeDocument/2006/relationships" xmlns:p="http://schemas.openxmlformats.org/presentationml/2006/main" type="twoTxTwoObj" preserve="1">
   <p:cSld name="Comparação">
     <p:spTree>
@@ -4366,7 +5618,7 @@
             <a:fld id="{6762FF00-5654-48DC-9250-4ABFF24E194E}" type="datetimeFigureOut">
               <a:rPr lang="pt-BR" altLang="pt-BR"/>
               <a:pPr/>
-              <a:t>08/06/2019</a:t>
+              <a:t>11/06/2019</a:t>
             </a:fld>
             <a:endParaRPr lang="pt-BR" altLang="pt-BR"/>
           </a:p>
@@ -4475,7 +5727,7 @@
 </p:sldLayout>
 </file>
 
-<file path=ppt/slideLayouts/slideLayout17.xml><?xml version="1.0" encoding="utf-8"?>
+<file path=ppt/slideLayouts/slideLayout19.xml><?xml version="1.0" encoding="utf-8"?>
 <p:sldLayout xmlns:a="http://schemas.openxmlformats.org/drawingml/2006/main" xmlns:r="http://schemas.openxmlformats.org/officeDocument/2006/relationships" xmlns:p="http://schemas.openxmlformats.org/presentationml/2006/main" type="titleOnly" preserve="1">
   <p:cSld name="Somente título">
     <p:spTree>
@@ -4562,7 +5814,7 @@
             <a:fld id="{887D8F90-5DC3-4B01-AA85-8D1B4FF3BDFC}" type="datetimeFigureOut">
               <a:rPr lang="pt-BR" altLang="pt-BR"/>
               <a:pPr/>
-              <a:t>08/06/2019</a:t>
+              <a:t>11/06/2019</a:t>
             </a:fld>
             <a:endParaRPr lang="pt-BR" altLang="pt-BR"/>
           </a:p>
@@ -4671,7 +5923,110 @@
 </p:sldLayout>
 </file>
 
-<file path=ppt/slideLayouts/slideLayout18.xml><?xml version="1.0" encoding="utf-8"?>
+<file path=ppt/slideLayouts/slideLayout2.xml><?xml version="1.0" encoding="utf-8"?>
+<p:sldLayout xmlns:a="http://schemas.openxmlformats.org/drawingml/2006/main" xmlns:r="http://schemas.openxmlformats.org/officeDocument/2006/relationships" xmlns:p="http://schemas.openxmlformats.org/presentationml/2006/main" type="obj" preserve="1">
+  <p:cSld name="Título e conteúdo">
+    <p:spTree>
+      <p:nvGrpSpPr>
+        <p:cNvPr id="1" name=""/>
+        <p:cNvGrpSpPr/>
+        <p:nvPr/>
+      </p:nvGrpSpPr>
+      <p:grpSpPr>
+        <a:xfrm>
+          <a:off x="0" y="0"/>
+          <a:ext cx="0" cy="0"/>
+          <a:chOff x="0" y="0"/>
+          <a:chExt cx="0" cy="0"/>
+        </a:xfrm>
+      </p:grpSpPr>
+      <p:sp>
+        <p:nvSpPr>
+          <p:cNvPr id="2" name="Título 1"/>
+          <p:cNvSpPr>
+            <a:spLocks noGrp="1"/>
+          </p:cNvSpPr>
+          <p:nvPr>
+            <p:ph type="title"/>
+          </p:nvPr>
+        </p:nvSpPr>
+        <p:spPr/>
+        <p:txBody>
+          <a:bodyPr/>
+          <a:lstStyle/>
+          <a:p>
+            <a:r>
+              <a:rPr lang="pt-BR" dirty="0"/>
+              <a:t>Clique para editar o título mestre</a:t>
+            </a:r>
+          </a:p>
+        </p:txBody>
+      </p:sp>
+      <p:sp>
+        <p:nvSpPr>
+          <p:cNvPr id="3" name="Espaço Reservado para Conteúdo 2"/>
+          <p:cNvSpPr>
+            <a:spLocks noGrp="1"/>
+          </p:cNvSpPr>
+          <p:nvPr>
+            <p:ph idx="1"/>
+          </p:nvPr>
+        </p:nvSpPr>
+        <p:spPr/>
+        <p:txBody>
+          <a:bodyPr/>
+          <a:lstStyle/>
+          <a:p>
+            <a:pPr lvl="0"/>
+            <a:r>
+              <a:rPr lang="pt-BR"/>
+              <a:t>Clique para editar o texto mestre</a:t>
+            </a:r>
+          </a:p>
+          <a:p>
+            <a:pPr lvl="1"/>
+            <a:r>
+              <a:rPr lang="pt-BR"/>
+              <a:t>Segundo nível</a:t>
+            </a:r>
+          </a:p>
+          <a:p>
+            <a:pPr lvl="2"/>
+            <a:r>
+              <a:rPr lang="pt-BR"/>
+              <a:t>Terceiro nível</a:t>
+            </a:r>
+          </a:p>
+          <a:p>
+            <a:pPr lvl="3"/>
+            <a:r>
+              <a:rPr lang="pt-BR"/>
+              <a:t>Quarto nível</a:t>
+            </a:r>
+          </a:p>
+          <a:p>
+            <a:pPr lvl="4"/>
+            <a:r>
+              <a:rPr lang="pt-BR"/>
+              <a:t>Quinto nível</a:t>
+            </a:r>
+          </a:p>
+        </p:txBody>
+      </p:sp>
+    </p:spTree>
+    <p:extLst>
+      <p:ext uri="{BB962C8B-B14F-4D97-AF65-F5344CB8AC3E}">
+        <p14:creationId xmlns:p14="http://schemas.microsoft.com/office/powerpoint/2010/main" val="849314868"/>
+      </p:ext>
+    </p:extLst>
+  </p:cSld>
+  <p:clrMapOvr>
+    <a:masterClrMapping/>
+  </p:clrMapOvr>
+</p:sldLayout>
+</file>
+
+<file path=ppt/slideLayouts/slideLayout20.xml><?xml version="1.0" encoding="utf-8"?>
 <p:sldLayout xmlns:a="http://schemas.openxmlformats.org/drawingml/2006/main" xmlns:r="http://schemas.openxmlformats.org/officeDocument/2006/relationships" xmlns:p="http://schemas.openxmlformats.org/presentationml/2006/main" type="blank" preserve="1">
   <p:cSld name="Em branco">
     <p:spTree>
@@ -4728,7 +6083,7 @@
             <a:fld id="{7D7B6672-5BCC-4D02-8CC8-AB7AB402E6C8}" type="datetimeFigureOut">
               <a:rPr lang="pt-BR" altLang="pt-BR"/>
               <a:pPr/>
-              <a:t>08/06/2019</a:t>
+              <a:t>11/06/2019</a:t>
             </a:fld>
             <a:endParaRPr lang="pt-BR" altLang="pt-BR"/>
           </a:p>
@@ -4837,7 +6192,7 @@
 </p:sldLayout>
 </file>
 
-<file path=ppt/slideLayouts/slideLayout19.xml><?xml version="1.0" encoding="utf-8"?>
+<file path=ppt/slideLayouts/slideLayout21.xml><?xml version="1.0" encoding="utf-8"?>
 <p:sldLayout xmlns:a="http://schemas.openxmlformats.org/drawingml/2006/main" xmlns:r="http://schemas.openxmlformats.org/officeDocument/2006/relationships" xmlns:p="http://schemas.openxmlformats.org/presentationml/2006/main" type="objTx" preserve="1">
   <p:cSld name="Conteúdo com Legenda">
     <p:spTree>
@@ -5083,7 +6438,7 @@
             <a:fld id="{E0B1FEA2-66F9-4CC5-B36B-7E1C073D44CF}" type="datetimeFigureOut">
               <a:rPr lang="pt-BR" altLang="pt-BR"/>
               <a:pPr/>
-              <a:t>08/06/2019</a:t>
+              <a:t>11/06/2019</a:t>
             </a:fld>
             <a:endParaRPr lang="pt-BR" altLang="pt-BR"/>
           </a:p>
@@ -5192,110 +6547,7 @@
 </p:sldLayout>
 </file>
 
-<file path=ppt/slideLayouts/slideLayout2.xml><?xml version="1.0" encoding="utf-8"?>
-<p:sldLayout xmlns:a="http://schemas.openxmlformats.org/drawingml/2006/main" xmlns:r="http://schemas.openxmlformats.org/officeDocument/2006/relationships" xmlns:p="http://schemas.openxmlformats.org/presentationml/2006/main" type="obj" preserve="1">
-  <p:cSld name="Título e conteúdo">
-    <p:spTree>
-      <p:nvGrpSpPr>
-        <p:cNvPr id="1" name=""/>
-        <p:cNvGrpSpPr/>
-        <p:nvPr/>
-      </p:nvGrpSpPr>
-      <p:grpSpPr>
-        <a:xfrm>
-          <a:off x="0" y="0"/>
-          <a:ext cx="0" cy="0"/>
-          <a:chOff x="0" y="0"/>
-          <a:chExt cx="0" cy="0"/>
-        </a:xfrm>
-      </p:grpSpPr>
-      <p:sp>
-        <p:nvSpPr>
-          <p:cNvPr id="2" name="Título 1"/>
-          <p:cNvSpPr>
-            <a:spLocks noGrp="1"/>
-          </p:cNvSpPr>
-          <p:nvPr>
-            <p:ph type="title"/>
-          </p:nvPr>
-        </p:nvSpPr>
-        <p:spPr/>
-        <p:txBody>
-          <a:bodyPr/>
-          <a:lstStyle/>
-          <a:p>
-            <a:r>
-              <a:rPr lang="pt-BR" dirty="0"/>
-              <a:t>Clique para editar o título mestre</a:t>
-            </a:r>
-          </a:p>
-        </p:txBody>
-      </p:sp>
-      <p:sp>
-        <p:nvSpPr>
-          <p:cNvPr id="3" name="Espaço Reservado para Conteúdo 2"/>
-          <p:cNvSpPr>
-            <a:spLocks noGrp="1"/>
-          </p:cNvSpPr>
-          <p:nvPr>
-            <p:ph idx="1"/>
-          </p:nvPr>
-        </p:nvSpPr>
-        <p:spPr/>
-        <p:txBody>
-          <a:bodyPr/>
-          <a:lstStyle/>
-          <a:p>
-            <a:pPr lvl="0"/>
-            <a:r>
-              <a:rPr lang="pt-BR"/>
-              <a:t>Clique para editar o texto mestre</a:t>
-            </a:r>
-          </a:p>
-          <a:p>
-            <a:pPr lvl="1"/>
-            <a:r>
-              <a:rPr lang="pt-BR"/>
-              <a:t>Segundo nível</a:t>
-            </a:r>
-          </a:p>
-          <a:p>
-            <a:pPr lvl="2"/>
-            <a:r>
-              <a:rPr lang="pt-BR"/>
-              <a:t>Terceiro nível</a:t>
-            </a:r>
-          </a:p>
-          <a:p>
-            <a:pPr lvl="3"/>
-            <a:r>
-              <a:rPr lang="pt-BR"/>
-              <a:t>Quarto nível</a:t>
-            </a:r>
-          </a:p>
-          <a:p>
-            <a:pPr lvl="4"/>
-            <a:r>
-              <a:rPr lang="pt-BR"/>
-              <a:t>Quinto nível</a:t>
-            </a:r>
-          </a:p>
-        </p:txBody>
-      </p:sp>
-    </p:spTree>
-    <p:extLst>
-      <p:ext uri="{BB962C8B-B14F-4D97-AF65-F5344CB8AC3E}">
-        <p14:creationId xmlns:p14="http://schemas.microsoft.com/office/powerpoint/2010/main" val="849314868"/>
-      </p:ext>
-    </p:extLst>
-  </p:cSld>
-  <p:clrMapOvr>
-    <a:masterClrMapping/>
-  </p:clrMapOvr>
-</p:sldLayout>
-</file>
-
-<file path=ppt/slideLayouts/slideLayout20.xml><?xml version="1.0" encoding="utf-8"?>
+<file path=ppt/slideLayouts/slideLayout22.xml><?xml version="1.0" encoding="utf-8"?>
 <p:sldLayout xmlns:a="http://schemas.openxmlformats.org/drawingml/2006/main" xmlns:r="http://schemas.openxmlformats.org/officeDocument/2006/relationships" xmlns:p="http://schemas.openxmlformats.org/presentationml/2006/main" type="picTx" preserve="1">
   <p:cSld name="Imagem com Legenda">
     <p:spTree>
@@ -5519,7 +6771,7 @@
             <a:fld id="{916FB887-7228-4ADB-BF32-4D902DB0F622}" type="datetimeFigureOut">
               <a:rPr lang="pt-BR" altLang="pt-BR"/>
               <a:pPr/>
-              <a:t>08/06/2019</a:t>
+              <a:t>11/06/2019</a:t>
             </a:fld>
             <a:endParaRPr lang="pt-BR" altLang="pt-BR"/>
           </a:p>
@@ -5628,7 +6880,7 @@
 </p:sldLayout>
 </file>
 
-<file path=ppt/slideLayouts/slideLayout21.xml><?xml version="1.0" encoding="utf-8"?>
+<file path=ppt/slideLayouts/slideLayout23.xml><?xml version="1.0" encoding="utf-8"?>
 <p:sldLayout xmlns:a="http://schemas.openxmlformats.org/drawingml/2006/main" xmlns:r="http://schemas.openxmlformats.org/officeDocument/2006/relationships" xmlns:p="http://schemas.openxmlformats.org/presentationml/2006/main" type="vertTx" preserve="1">
   <p:cSld name="Título e texto vertical">
     <p:spTree>
@@ -5774,7 +7026,7 @@
             <a:fld id="{44F7C4CC-7E14-4F17-9156-99A4178BE038}" type="datetimeFigureOut">
               <a:rPr lang="pt-BR" altLang="pt-BR"/>
               <a:pPr/>
-              <a:t>08/06/2019</a:t>
+              <a:t>11/06/2019</a:t>
             </a:fld>
             <a:endParaRPr lang="pt-BR" altLang="pt-BR"/>
           </a:p>
@@ -5883,7 +7135,7 @@
 </p:sldLayout>
 </file>
 
-<file path=ppt/slideLayouts/slideLayout22.xml><?xml version="1.0" encoding="utf-8"?>
+<file path=ppt/slideLayouts/slideLayout24.xml><?xml version="1.0" encoding="utf-8"?>
 <p:sldLayout xmlns:a="http://schemas.openxmlformats.org/drawingml/2006/main" xmlns:r="http://schemas.openxmlformats.org/officeDocument/2006/relationships" xmlns:p="http://schemas.openxmlformats.org/presentationml/2006/main" type="vertTitleAndTx" preserve="1">
   <p:cSld name="Título e texto verticais">
     <p:spTree>
@@ -6029,7 +7281,7 @@
             <a:fld id="{BA4DD656-082C-40B7-B404-CF4439E2EA05}" type="datetimeFigureOut">
               <a:rPr lang="pt-BR" altLang="pt-BR"/>
               <a:pPr/>
-              <a:t>08/06/2019</a:t>
+              <a:t>11/06/2019</a:t>
             </a:fld>
             <a:endParaRPr lang="pt-BR" altLang="pt-BR"/>
           </a:p>
@@ -7852,7 +9104,7 @@
             <a:effectLst/>
             <a:extLst>
               <a:ext uri="{91240B29-F687-4f45-9708-019B960494DF}">
-                <a14:hiddenLine xmlns="" xmlns:a14="http://schemas.microsoft.com/office/drawing/2010/main" w="9525">
+                <a14:hiddenLine xmlns:a14="http://schemas.microsoft.com/office/drawing/2010/main" xmlns="" w="9525">
                   <a:solidFill>
                     <a:schemeClr val="tx1"/>
                   </a:solidFill>
@@ -7862,7 +9114,7 @@
                 </a14:hiddenLine>
               </a:ext>
               <a:ext uri="{AF507438-7753-43e0-B8FC-AC1667EBCBE1}">
-                <a14:hiddenEffects xmlns="" xmlns:a14="http://schemas.microsoft.com/office/drawing/2010/main">
+                <a14:hiddenEffects xmlns:a14="http://schemas.microsoft.com/office/drawing/2010/main" xmlns="">
                   <a:effectLst>
                     <a:outerShdw blurRad="63500" dist="38099" dir="2700000" algn="ctr" rotWithShape="0">
                       <a:schemeClr val="bg2">
@@ -7919,7 +9171,7 @@
             <a:effectLst/>
             <a:extLst>
               <a:ext uri="{91240B29-F687-4f45-9708-019B960494DF}">
-                <a14:hiddenLine xmlns="" xmlns:a14="http://schemas.microsoft.com/office/drawing/2010/main" w="9525">
+                <a14:hiddenLine xmlns:a14="http://schemas.microsoft.com/office/drawing/2010/main" xmlns="" w="9525">
                   <a:solidFill>
                     <a:schemeClr val="tx1"/>
                   </a:solidFill>
@@ -7929,7 +9181,7 @@
                 </a14:hiddenLine>
               </a:ext>
               <a:ext uri="{AF507438-7753-43e0-B8FC-AC1667EBCBE1}">
-                <a14:hiddenEffects xmlns="" xmlns:a14="http://schemas.microsoft.com/office/drawing/2010/main">
+                <a14:hiddenEffects xmlns:a14="http://schemas.microsoft.com/office/drawing/2010/main" xmlns="">
                   <a:effectLst>
                     <a:outerShdw blurRad="63500" dist="38099" dir="2700000" algn="ctr" rotWithShape="0">
                       <a:schemeClr val="bg2">
@@ -7989,7 +9241,7 @@
             <a:effectLst/>
             <a:extLst>
               <a:ext uri="{91240B29-F687-4f45-9708-019B960494DF}">
-                <a14:hiddenLine xmlns="" xmlns:a14="http://schemas.microsoft.com/office/drawing/2010/main" w="9525">
+                <a14:hiddenLine xmlns:a14="http://schemas.microsoft.com/office/drawing/2010/main" xmlns="" w="9525">
                   <a:solidFill>
                     <a:schemeClr val="tx1"/>
                   </a:solidFill>
@@ -7999,7 +9251,7 @@
                 </a14:hiddenLine>
               </a:ext>
               <a:ext uri="{AF507438-7753-43e0-B8FC-AC1667EBCBE1}">
-                <a14:hiddenEffects xmlns="" xmlns:a14="http://schemas.microsoft.com/office/drawing/2010/main">
+                <a14:hiddenEffects xmlns:a14="http://schemas.microsoft.com/office/drawing/2010/main" xmlns="">
                   <a:effectLst>
                     <a:outerShdw blurRad="63500" dist="38099" dir="2700000" algn="ctr" rotWithShape="0">
                       <a:schemeClr val="bg2">
@@ -8056,7 +9308,7 @@
             <a:effectLst/>
             <a:extLst>
               <a:ext uri="{91240B29-F687-4f45-9708-019B960494DF}">
-                <a14:hiddenLine xmlns="" xmlns:a14="http://schemas.microsoft.com/office/drawing/2010/main" w="9525">
+                <a14:hiddenLine xmlns:a14="http://schemas.microsoft.com/office/drawing/2010/main" xmlns="" w="9525">
                   <a:solidFill>
                     <a:schemeClr val="tx1"/>
                   </a:solidFill>
@@ -8066,7 +9318,7 @@
                 </a14:hiddenLine>
               </a:ext>
               <a:ext uri="{AF507438-7753-43e0-B8FC-AC1667EBCBE1}">
-                <a14:hiddenEffects xmlns="" xmlns:a14="http://schemas.microsoft.com/office/drawing/2010/main">
+                <a14:hiddenEffects xmlns:a14="http://schemas.microsoft.com/office/drawing/2010/main" xmlns="">
                   <a:effectLst>
                     <a:outerShdw blurRad="63500" dist="38099" dir="2700000" algn="ctr" rotWithShape="0">
                       <a:schemeClr val="bg2">
@@ -8123,7 +9375,7 @@
             <a:effectLst/>
             <a:extLst>
               <a:ext uri="{91240B29-F687-4f45-9708-019B960494DF}">
-                <a14:hiddenLine xmlns="" xmlns:a14="http://schemas.microsoft.com/office/drawing/2010/main" w="9525">
+                <a14:hiddenLine xmlns:a14="http://schemas.microsoft.com/office/drawing/2010/main" xmlns="" w="9525">
                   <a:solidFill>
                     <a:schemeClr val="tx1"/>
                   </a:solidFill>
@@ -8133,7 +9385,7 @@
                 </a14:hiddenLine>
               </a:ext>
               <a:ext uri="{AF507438-7753-43e0-B8FC-AC1667EBCBE1}">
-                <a14:hiddenEffects xmlns="" xmlns:a14="http://schemas.microsoft.com/office/drawing/2010/main">
+                <a14:hiddenEffects xmlns:a14="http://schemas.microsoft.com/office/drawing/2010/main" xmlns="">
                   <a:effectLst>
                     <a:outerShdw blurRad="63500" dist="38099" dir="2700000" algn="ctr" rotWithShape="0">
                       <a:schemeClr val="bg2">
@@ -8190,7 +9442,7 @@
             <a:effectLst/>
             <a:extLst>
               <a:ext uri="{91240B29-F687-4f45-9708-019B960494DF}">
-                <a14:hiddenLine xmlns="" xmlns:a14="http://schemas.microsoft.com/office/drawing/2010/main" w="9525">
+                <a14:hiddenLine xmlns:a14="http://schemas.microsoft.com/office/drawing/2010/main" xmlns="" w="9525">
                   <a:solidFill>
                     <a:schemeClr val="tx1"/>
                   </a:solidFill>
@@ -8200,7 +9452,7 @@
                 </a14:hiddenLine>
               </a:ext>
               <a:ext uri="{AF507438-7753-43e0-B8FC-AC1667EBCBE1}">
-                <a14:hiddenEffects xmlns="" xmlns:a14="http://schemas.microsoft.com/office/drawing/2010/main">
+                <a14:hiddenEffects xmlns:a14="http://schemas.microsoft.com/office/drawing/2010/main" xmlns="">
                   <a:effectLst>
                     <a:outerShdw blurRad="63500" dist="38099" dir="2700000" algn="ctr" rotWithShape="0">
                       <a:schemeClr val="bg2">
@@ -8280,7 +9532,7 @@
             <a:effectLst/>
             <a:extLst>
               <a:ext uri="{91240B29-F687-4f45-9708-019B960494DF}">
-                <a14:hiddenLine xmlns="" xmlns:a14="http://schemas.microsoft.com/office/drawing/2010/main" w="9525">
+                <a14:hiddenLine xmlns:a14="http://schemas.microsoft.com/office/drawing/2010/main" xmlns="" w="9525">
                   <a:solidFill>
                     <a:schemeClr val="tx1"/>
                   </a:solidFill>
@@ -8290,7 +9542,7 @@
                 </a14:hiddenLine>
               </a:ext>
               <a:ext uri="{AF507438-7753-43e0-B8FC-AC1667EBCBE1}">
-                <a14:hiddenEffects xmlns="" xmlns:a14="http://schemas.microsoft.com/office/drawing/2010/main">
+                <a14:hiddenEffects xmlns:a14="http://schemas.microsoft.com/office/drawing/2010/main" xmlns="">
                   <a:effectLst>
                     <a:outerShdw blurRad="63500" dist="38099" dir="2700000" algn="ctr" rotWithShape="0">
                       <a:schemeClr val="bg2">
@@ -8347,7 +9599,7 @@
             <a:effectLst/>
             <a:extLst>
               <a:ext uri="{91240B29-F687-4f45-9708-019B960494DF}">
-                <a14:hiddenLine xmlns="" xmlns:a14="http://schemas.microsoft.com/office/drawing/2010/main" w="9525">
+                <a14:hiddenLine xmlns:a14="http://schemas.microsoft.com/office/drawing/2010/main" xmlns="" w="9525">
                   <a:solidFill>
                     <a:schemeClr val="tx1"/>
                   </a:solidFill>
@@ -8357,7 +9609,7 @@
                 </a14:hiddenLine>
               </a:ext>
               <a:ext uri="{AF507438-7753-43e0-B8FC-AC1667EBCBE1}">
-                <a14:hiddenEffects xmlns="" xmlns:a14="http://schemas.microsoft.com/office/drawing/2010/main">
+                <a14:hiddenEffects xmlns:a14="http://schemas.microsoft.com/office/drawing/2010/main" xmlns="">
                   <a:effectLst>
                     <a:outerShdw blurRad="63500" dist="38099" dir="2700000" algn="ctr" rotWithShape="0">
                       <a:schemeClr val="bg2">
@@ -8417,7 +9669,7 @@
             <a:effectLst/>
             <a:extLst>
               <a:ext uri="{91240B29-F687-4f45-9708-019B960494DF}">
-                <a14:hiddenLine xmlns="" xmlns:a14="http://schemas.microsoft.com/office/drawing/2010/main" w="9525">
+                <a14:hiddenLine xmlns:a14="http://schemas.microsoft.com/office/drawing/2010/main" xmlns="" w="9525">
                   <a:solidFill>
                     <a:schemeClr val="tx1"/>
                   </a:solidFill>
@@ -8427,7 +9679,7 @@
                 </a14:hiddenLine>
               </a:ext>
               <a:ext uri="{AF507438-7753-43e0-B8FC-AC1667EBCBE1}">
-                <a14:hiddenEffects xmlns="" xmlns:a14="http://schemas.microsoft.com/office/drawing/2010/main">
+                <a14:hiddenEffects xmlns:a14="http://schemas.microsoft.com/office/drawing/2010/main" xmlns="">
                   <a:effectLst>
                     <a:outerShdw blurRad="63500" dist="38099" dir="2700000" algn="ctr" rotWithShape="0">
                       <a:schemeClr val="bg2">
@@ -8484,7 +9736,7 @@
             <a:effectLst/>
             <a:extLst>
               <a:ext uri="{91240B29-F687-4f45-9708-019B960494DF}">
-                <a14:hiddenLine xmlns="" xmlns:a14="http://schemas.microsoft.com/office/drawing/2010/main" w="9525">
+                <a14:hiddenLine xmlns:a14="http://schemas.microsoft.com/office/drawing/2010/main" xmlns="" w="9525">
                   <a:solidFill>
                     <a:schemeClr val="tx1"/>
                   </a:solidFill>
@@ -8494,7 +9746,7 @@
                 </a14:hiddenLine>
               </a:ext>
               <a:ext uri="{AF507438-7753-43e0-B8FC-AC1667EBCBE1}">
-                <a14:hiddenEffects xmlns="" xmlns:a14="http://schemas.microsoft.com/office/drawing/2010/main">
+                <a14:hiddenEffects xmlns:a14="http://schemas.microsoft.com/office/drawing/2010/main" xmlns="">
                   <a:effectLst>
                     <a:outerShdw blurRad="63500" dist="38099" dir="2700000" algn="ctr" rotWithShape="0">
                       <a:schemeClr val="bg2">
@@ -8551,7 +9803,7 @@
             <a:effectLst/>
             <a:extLst>
               <a:ext uri="{91240B29-F687-4f45-9708-019B960494DF}">
-                <a14:hiddenLine xmlns="" xmlns:a14="http://schemas.microsoft.com/office/drawing/2010/main" w="9525">
+                <a14:hiddenLine xmlns:a14="http://schemas.microsoft.com/office/drawing/2010/main" xmlns="" w="9525">
                   <a:solidFill>
                     <a:schemeClr val="tx1"/>
                   </a:solidFill>
@@ -8561,7 +9813,7 @@
                 </a14:hiddenLine>
               </a:ext>
               <a:ext uri="{AF507438-7753-43e0-B8FC-AC1667EBCBE1}">
-                <a14:hiddenEffects xmlns="" xmlns:a14="http://schemas.microsoft.com/office/drawing/2010/main">
+                <a14:hiddenEffects xmlns:a14="http://schemas.microsoft.com/office/drawing/2010/main" xmlns="">
                   <a:effectLst>
                     <a:outerShdw blurRad="63500" dist="38099" dir="2700000" algn="ctr" rotWithShape="0">
                       <a:schemeClr val="bg2">
@@ -8618,7 +9870,7 @@
             <a:effectLst/>
             <a:extLst>
               <a:ext uri="{91240B29-F687-4f45-9708-019B960494DF}">
-                <a14:hiddenLine xmlns="" xmlns:a14="http://schemas.microsoft.com/office/drawing/2010/main" w="9525">
+                <a14:hiddenLine xmlns:a14="http://schemas.microsoft.com/office/drawing/2010/main" xmlns="" w="9525">
                   <a:solidFill>
                     <a:schemeClr val="tx1"/>
                   </a:solidFill>
@@ -8628,7 +9880,7 @@
                 </a14:hiddenLine>
               </a:ext>
               <a:ext uri="{AF507438-7753-43e0-B8FC-AC1667EBCBE1}">
-                <a14:hiddenEffects xmlns="" xmlns:a14="http://schemas.microsoft.com/office/drawing/2010/main">
+                <a14:hiddenEffects xmlns:a14="http://schemas.microsoft.com/office/drawing/2010/main" xmlns="">
                   <a:effectLst>
                     <a:outerShdw blurRad="63500" dist="38099" dir="2700000" algn="ctr" rotWithShape="0">
                       <a:schemeClr val="bg2">
@@ -8670,7 +9922,7 @@
           <p:nvPr userDrawn="1"/>
         </p:nvPicPr>
         <p:blipFill>
-          <a:blip r:embed="rId13">
+          <a:blip r:embed="rId15">
             <a:extLst>
               <a:ext uri="{28A0092B-C50C-407E-A947-70E740481C1C}">
                 <a14:useLocalDpi xmlns:a14="http://schemas.microsoft.com/office/drawing/2010/main" val="0"/>
@@ -8730,6 +9982,8 @@
     <p:sldLayoutId id="2147484000" r:id="rId9"/>
     <p:sldLayoutId id="2147484001" r:id="rId10"/>
     <p:sldLayoutId id="2147484002" r:id="rId11"/>
+    <p:sldLayoutId id="2147484015" r:id="rId12"/>
+    <p:sldLayoutId id="2147484016" r:id="rId13"/>
   </p:sldLayoutIdLst>
   <p:txStyles>
     <p:titleStyle>
@@ -8884,7 +10138,7 @@
         </a:spcAft>
         <a:buFont typeface="Arial" panose="020B0604020202020204" pitchFamily="34" charset="0"/>
         <a:buBlip>
-          <a:blip r:embed="rId14"/>
+          <a:blip r:embed="rId16"/>
         </a:buBlip>
         <a:defRPr sz="2800">
           <a:solidFill>
@@ -8904,7 +10158,7 @@
         </a:spcAft>
         <a:buFont typeface="Wingdings" panose="05000000000000000000" pitchFamily="2" charset="2"/>
         <a:buBlip>
-          <a:blip r:embed="rId14"/>
+          <a:blip r:embed="rId16"/>
         </a:buBlip>
         <a:defRPr sz="2400">
           <a:solidFill>
@@ -8924,7 +10178,7 @@
         </a:spcAft>
         <a:buFont typeface="Arial" panose="020B0604020202020204" pitchFamily="34" charset="0"/>
         <a:buBlip>
-          <a:blip r:embed="rId14"/>
+          <a:blip r:embed="rId16"/>
         </a:buBlip>
         <a:defRPr sz="2000">
           <a:solidFill>
@@ -8944,7 +10198,7 @@
         </a:spcAft>
         <a:buFont typeface="Wingdings" panose="05000000000000000000" pitchFamily="2" charset="2"/>
         <a:buBlip>
-          <a:blip r:embed="rId14"/>
+          <a:blip r:embed="rId16"/>
         </a:buBlip>
         <a:defRPr>
           <a:solidFill>
@@ -8964,7 +10218,7 @@
         </a:spcAft>
         <a:buFont typeface="Arial" panose="020B0604020202020204" pitchFamily="34" charset="0"/>
         <a:buBlip>
-          <a:blip r:embed="rId14"/>
+          <a:blip r:embed="rId16"/>
         </a:buBlip>
         <a:defRPr i="1">
           <a:solidFill>
@@ -8984,7 +10238,7 @@
         </a:spcAft>
         <a:buFont typeface="Arial" charset="0"/>
         <a:buBlip>
-          <a:blip r:embed="rId14"/>
+          <a:blip r:embed="rId16"/>
         </a:buBlip>
         <a:defRPr i="1">
           <a:solidFill>
@@ -9003,7 +10257,7 @@
         </a:spcAft>
         <a:buFont typeface="Arial" charset="0"/>
         <a:buBlip>
-          <a:blip r:embed="rId14"/>
+          <a:blip r:embed="rId16"/>
         </a:buBlip>
         <a:defRPr i="1">
           <a:solidFill>
@@ -9022,7 +10276,7 @@
         </a:spcAft>
         <a:buFont typeface="Arial" charset="0"/>
         <a:buBlip>
-          <a:blip r:embed="rId14"/>
+          <a:blip r:embed="rId16"/>
         </a:buBlip>
         <a:defRPr i="1">
           <a:solidFill>
@@ -9041,7 +10295,7 @@
         </a:spcAft>
         <a:buFont typeface="Arial" charset="0"/>
         <a:buBlip>
-          <a:blip r:embed="rId14"/>
+          <a:blip r:embed="rId16"/>
         </a:buBlip>
         <a:defRPr i="1">
           <a:solidFill>
@@ -9579,7 +10833,7 @@
 </file>
 
 <file path=ppt/slides/slide1.xml><?xml version="1.0" encoding="utf-8"?>
-<p:sld xmlns:a="http://schemas.openxmlformats.org/drawingml/2006/main" xmlns:r="http://schemas.openxmlformats.org/officeDocument/2006/relationships" xmlns:p="http://schemas.openxmlformats.org/presentationml/2006/main" showMasterPhAnim="0">
+<p:sld xmlns:a="http://schemas.openxmlformats.org/drawingml/2006/main" xmlns:r="http://schemas.openxmlformats.org/officeDocument/2006/relationships" xmlns:p="http://schemas.openxmlformats.org/presentationml/2006/main">
   <p:cSld>
     <p:spTree>
       <p:nvGrpSpPr>
@@ -9597,10 +10851,10 @@
       </p:grpSpPr>
       <p:sp>
         <p:nvSpPr>
-          <p:cNvPr id="17409" name="Rectangle 2">
+          <p:cNvPr id="2" name="Título 1">
             <a:extLst>
               <a:ext uri="{FF2B5EF4-FFF2-40B4-BE49-F238E27FC236}">
-                <a16:creationId xmlns:a16="http://schemas.microsoft.com/office/drawing/2014/main" id="{F45F163F-16D3-4A01-9032-66E47B57401B}"/>
+                <a16:creationId xmlns:a16="http://schemas.microsoft.com/office/drawing/2014/main" id="{C2990400-D1E5-4A4A-8963-B4C09FFC83DA}"/>
               </a:ext>
             </a:extLst>
           </p:cNvPr>
@@ -9611,30 +10865,26 @@
             <p:ph type="ctrTitle"/>
           </p:nvPr>
         </p:nvSpPr>
-        <p:spPr>
-          <a:xfrm>
-            <a:off x="611188" y="3003550"/>
-            <a:ext cx="7847012" cy="595313"/>
-          </a:xfrm>
-        </p:spPr>
+        <p:spPr/>
         <p:txBody>
-          <a:bodyPr/>
+          <a:bodyPr>
+            <a:normAutofit fontScale="90000"/>
+          </a:bodyPr>
           <a:lstStyle/>
           <a:p>
-            <a:pPr algn="ctr"/>
-            <a:r>
-              <a:rPr lang="pt-BR" altLang="pt-BR" b="1" dirty="0"/>
-              <a:t>Trilha – .NET</a:t>
+            <a:r>
+              <a:rPr lang="pt-BR" dirty="0"/>
+              <a:t>TRILHA .NET</a:t>
             </a:r>
           </a:p>
         </p:txBody>
       </p:sp>
       <p:sp>
         <p:nvSpPr>
-          <p:cNvPr id="17410" name="Rectangle 3">
+          <p:cNvPr id="3" name="Espaço Reservado para Texto 2">
             <a:extLst>
               <a:ext uri="{FF2B5EF4-FFF2-40B4-BE49-F238E27FC236}">
-                <a16:creationId xmlns:a16="http://schemas.microsoft.com/office/drawing/2014/main" id="{2E83EBB5-0F24-48E0-9363-D73204C1075A}"/>
+                <a16:creationId xmlns:a16="http://schemas.microsoft.com/office/drawing/2014/main" id="{3F7760BA-DA87-224F-A996-6CE0239A01D9}"/>
               </a:ext>
             </a:extLst>
           </p:cNvPr>
@@ -9642,37 +10892,75 @@
             <a:spLocks noGrp="1"/>
           </p:cNvSpPr>
           <p:nvPr>
-            <p:ph type="subTitle" idx="1"/>
+            <p:ph type="body" sz="quarter" idx="16"/>
           </p:nvPr>
         </p:nvSpPr>
         <p:spPr>
           <a:xfrm>
-            <a:off x="611188" y="3651250"/>
-            <a:ext cx="7848600" cy="323850"/>
+            <a:off x="2051720" y="2571750"/>
+            <a:ext cx="6246396" cy="858149"/>
           </a:xfrm>
         </p:spPr>
         <p:txBody>
           <a:bodyPr/>
           <a:lstStyle/>
           <a:p>
-            <a:r>
-              <a:rPr lang="pt-BR" altLang="pt-BR" sz="2000" b="1" dirty="0"/>
+            <a:pPr algn="ctr"/>
+            <a:r>
+              <a:rPr lang="pt-BR" sz="2475" dirty="0"/>
               <a:t>Implementando Métricas e </a:t>
             </a:r>
             <a:r>
-              <a:rPr lang="pt-BR" altLang="pt-BR" sz="2000" b="1" dirty="0" err="1"/>
+              <a:rPr lang="pt-BR" sz="2475" dirty="0" err="1"/>
               <a:t>Healthcheck</a:t>
             </a:r>
-            <a:endParaRPr lang="pt-BR" altLang="pt-BR" sz="2000" b="1" dirty="0"/>
+            <a:r>
+              <a:rPr lang="pt-BR" sz="2475" dirty="0"/>
+              <a:t> em aplicações .NET</a:t>
+            </a:r>
           </a:p>
         </p:txBody>
       </p:sp>
       <p:pic>
         <p:nvPicPr>
-          <p:cNvPr id="5" name="Imagem 4">
+          <p:cNvPr id="8" name="Espaço Reservado para Imagem 7">
             <a:extLst>
               <a:ext uri="{FF2B5EF4-FFF2-40B4-BE49-F238E27FC236}">
-                <a16:creationId xmlns:a16="http://schemas.microsoft.com/office/drawing/2014/main" id="{6C8C9ADA-85C8-426B-AD78-F01F50D6C4F8}"/>
+                <a16:creationId xmlns:a16="http://schemas.microsoft.com/office/drawing/2014/main" id="{84078DB5-2B55-A44C-A5E7-E941B4784E60}"/>
+              </a:ext>
+            </a:extLst>
+          </p:cNvPr>
+          <p:cNvPicPr>
+            <a:picLocks noGrp="1" noChangeAspect="1"/>
+          </p:cNvPicPr>
+          <p:nvPr>
+            <p:ph type="pic" sz="quarter" idx="19"/>
+          </p:nvPr>
+        </p:nvPicPr>
+        <p:blipFill>
+          <a:blip r:embed="rId2">
+            <a:extLst>
+              <a:ext uri="{28A0092B-C50C-407E-A947-70E740481C1C}">
+                <a14:useLocalDpi xmlns:a14="http://schemas.microsoft.com/office/drawing/2010/main" val="0"/>
+              </a:ext>
+            </a:extLst>
+          </a:blip>
+          <a:srcRect/>
+          <a:stretch/>
+        </p:blipFill>
+        <p:spPr>
+          <a:xfrm>
+            <a:off x="245826" y="2749728"/>
+            <a:ext cx="1442197" cy="1442197"/>
+          </a:xfrm>
+        </p:spPr>
+      </p:pic>
+      <p:pic>
+        <p:nvPicPr>
+          <p:cNvPr id="12" name="Imagem 11">
+            <a:extLst>
+              <a:ext uri="{FF2B5EF4-FFF2-40B4-BE49-F238E27FC236}">
+                <a16:creationId xmlns:a16="http://schemas.microsoft.com/office/drawing/2014/main" id="{53D50F6D-4295-4DB0-92BD-EF9F5BA26E19}"/>
               </a:ext>
             </a:extLst>
           </p:cNvPr>
@@ -9682,15 +10970,15 @@
           <p:nvPr/>
         </p:nvPicPr>
         <p:blipFill>
-          <a:blip r:embed="rId2"/>
+          <a:blip r:embed="rId3"/>
           <a:stretch>
             <a:fillRect/>
           </a:stretch>
         </p:blipFill>
         <p:spPr>
           <a:xfrm>
-            <a:off x="3059832" y="3435846"/>
-            <a:ext cx="3482360" cy="1957871"/>
+            <a:off x="3419872" y="3075806"/>
+            <a:ext cx="3073661" cy="1728091"/>
           </a:xfrm>
           <a:prstGeom prst="rect">
             <a:avLst/>
@@ -9698,11 +10986,15 @@
         </p:spPr>
       </p:pic>
     </p:spTree>
+    <p:extLst>
+      <p:ext uri="{BB962C8B-B14F-4D97-AF65-F5344CB8AC3E}">
+        <p14:creationId xmlns:p14="http://schemas.microsoft.com/office/powerpoint/2010/main" val="3974247039"/>
+      </p:ext>
+    </p:extLst>
   </p:cSld>
   <p:clrMapOvr>
     <a:masterClrMapping/>
   </p:clrMapOvr>
-  <p:transition/>
 </p:sld>
 </file>
 
@@ -9739,371 +11031,203 @@
         </p:nvSpPr>
         <p:spPr>
           <a:xfrm>
-            <a:off x="1619672" y="1707654"/>
-            <a:ext cx="6104039" cy="2486919"/>
+            <a:off x="3059832" y="1707654"/>
+            <a:ext cx="4032448" cy="2486919"/>
           </a:xfrm>
           <a:prstGeom prst="rect">
             <a:avLst/>
           </a:prstGeom>
+          <a:noFill/>
+          <a:ln>
+            <a:noFill/>
+          </a:ln>
+          <a:extLst>
+            <a:ext uri="{909E8E84-426E-40DD-AFC4-6F175D3DCCD1}">
+              <a14:hiddenFill xmlns:a14="http://schemas.microsoft.com/office/drawing/2010/main">
+                <a:solidFill>
+                  <a:srgbClr val="FFFFFF"/>
+                </a:solidFill>
+              </a14:hiddenFill>
+            </a:ext>
+            <a:ext uri="{91240B29-F687-4F45-9708-019B960494DF}">
+              <a14:hiddenLine xmlns:a14="http://schemas.microsoft.com/office/drawing/2010/main" w="9525">
+                <a:solidFill>
+                  <a:srgbClr val="000000"/>
+                </a:solidFill>
+                <a:miter lim="800000"/>
+                <a:headEnd/>
+                <a:tailEnd/>
+              </a14:hiddenLine>
+            </a:ext>
+          </a:extLst>
         </p:spPr>
         <p:txBody>
-          <a:bodyPr spcFirstLastPara="1" wrap="square" lIns="91425" tIns="91425" rIns="91425" bIns="91425" anchor="t" anchorCtr="0">
+          <a:bodyPr spcFirstLastPara="1" vert="horz" wrap="square" lIns="91425" tIns="91425" rIns="91425" bIns="91425" numCol="1" anchor="t" anchorCtr="0" compatLnSpc="1">
+            <a:prstTxWarp prst="textNoShape">
+              <a:avLst/>
+            </a:prstTxWarp>
             <a:noAutofit/>
           </a:bodyPr>
           <a:lstStyle>
-            <a:lvl1pPr marL="68580" indent="-68580" algn="l" defTabSz="685800" rtl="0" eaLnBrk="1" latinLnBrk="0" hangingPunct="1">
-              <a:lnSpc>
-                <a:spcPct val="90000"/>
-              </a:lnSpc>
+            <a:defPPr>
+              <a:defRPr lang="pt-BR"/>
+            </a:defPPr>
+            <a:lvl1pPr marL="482600" indent="-342900" eaLnBrk="0" hangingPunct="0">
               <a:spcBef>
-                <a:spcPts val="900"/>
+                <a:spcPct val="20000"/>
+              </a:spcBef>
+              <a:buFont typeface="+mj-lt"/>
+              <a:buAutoNum type="arabicPeriod"/>
+              <a:defRPr sz="2000" kern="0">
+                <a:latin typeface="Roboto" panose="02000000000000000000" pitchFamily="2" charset="0"/>
+                <a:ea typeface="Roboto" panose="02000000000000000000" pitchFamily="2" charset="0"/>
+              </a:defRPr>
+            </a:lvl1pPr>
+            <a:lvl2pPr marL="742950" indent="-285750" eaLnBrk="0" hangingPunct="0">
+              <a:spcBef>
+                <a:spcPct val="20000"/>
+              </a:spcBef>
+              <a:buFont typeface="Wingdings" panose="05000000000000000000" pitchFamily="2" charset="2"/>
+              <a:buBlip>
+                <a:blip r:embed="rId2"/>
+              </a:buBlip>
+              <a:defRPr sz="2400">
+                <a:latin typeface="+mn-lt"/>
+                <a:ea typeface="Arial" charset="0"/>
+              </a:defRPr>
+            </a:lvl2pPr>
+            <a:lvl3pPr marL="1143000" indent="-228600" eaLnBrk="0" hangingPunct="0">
+              <a:spcBef>
+                <a:spcPct val="20000"/>
+              </a:spcBef>
+              <a:buFont typeface="Arial" panose="020B0604020202020204" pitchFamily="34" charset="0"/>
+              <a:buBlip>
+                <a:blip r:embed="rId2"/>
+              </a:buBlip>
+              <a:defRPr sz="2000">
+                <a:latin typeface="+mn-lt"/>
+                <a:ea typeface="Arial" charset="0"/>
+              </a:defRPr>
+            </a:lvl3pPr>
+            <a:lvl4pPr marL="1600200" indent="-228600" eaLnBrk="0" hangingPunct="0">
+              <a:spcBef>
+                <a:spcPct val="20000"/>
+              </a:spcBef>
+              <a:buFont typeface="Wingdings" panose="05000000000000000000" pitchFamily="2" charset="2"/>
+              <a:buBlip>
+                <a:blip r:embed="rId2"/>
+              </a:buBlip>
+              <a:defRPr>
+                <a:latin typeface="+mn-lt"/>
+                <a:ea typeface="Arial" charset="0"/>
+              </a:defRPr>
+            </a:lvl4pPr>
+            <a:lvl5pPr marL="2057400" indent="-228600" eaLnBrk="0" hangingPunct="0">
+              <a:spcBef>
+                <a:spcPct val="20000"/>
+              </a:spcBef>
+              <a:buFont typeface="Arial" panose="020B0604020202020204" pitchFamily="34" charset="0"/>
+              <a:buBlip>
+                <a:blip r:embed="rId2"/>
+              </a:buBlip>
+              <a:defRPr i="1">
+                <a:latin typeface="+mn-lt"/>
+                <a:ea typeface="Arial" charset="0"/>
+              </a:defRPr>
+            </a:lvl5pPr>
+            <a:lvl6pPr marL="2514600" indent="-228600" eaLnBrk="0" fontAlgn="base" hangingPunct="0">
+              <a:spcBef>
+                <a:spcPct val="20000"/>
               </a:spcBef>
               <a:spcAft>
-                <a:spcPts val="150"/>
+                <a:spcPct val="0"/>
               </a:spcAft>
-              <a:buClr>
-                <a:schemeClr val="accent1"/>
-              </a:buClr>
-              <a:buSzPct val="100000"/>
-              <a:buFont typeface="Calibri" panose="020F0502020204030204" pitchFamily="34" charset="0"/>
-              <a:buChar char=" "/>
-              <a:defRPr sz="1500" kern="1200">
-                <a:solidFill>
-                  <a:schemeClr val="tx1">
-                    <a:lumMod val="75000"/>
-                    <a:lumOff val="25000"/>
-                  </a:schemeClr>
-                </a:solidFill>
+              <a:buFont typeface="Arial" charset="0"/>
+              <a:buBlip>
+                <a:blip r:embed="rId2"/>
+              </a:buBlip>
+              <a:defRPr i="1">
                 <a:latin typeface="+mn-lt"/>
-                <a:ea typeface="+mn-ea"/>
-                <a:cs typeface="+mn-cs"/>
               </a:defRPr>
-            </a:lvl1pPr>
-            <a:lvl2pPr marL="288036" indent="-137160" algn="l" defTabSz="685800" rtl="0" eaLnBrk="1" latinLnBrk="0" hangingPunct="1">
-              <a:lnSpc>
-                <a:spcPct val="90000"/>
-              </a:lnSpc>
+            </a:lvl6pPr>
+            <a:lvl7pPr marL="2971800" indent="-228600" eaLnBrk="0" fontAlgn="base" hangingPunct="0">
               <a:spcBef>
-                <a:spcPts val="150"/>
+                <a:spcPct val="20000"/>
               </a:spcBef>
               <a:spcAft>
-                <a:spcPts val="300"/>
+                <a:spcPct val="0"/>
               </a:spcAft>
-              <a:buClr>
-                <a:schemeClr val="accent1"/>
-              </a:buClr>
-              <a:buFont typeface="Calibri" pitchFamily="34" charset="0"/>
-              <a:buChar char="◦"/>
-              <a:defRPr sz="1350" kern="1200">
-                <a:solidFill>
-                  <a:schemeClr val="tx1">
-                    <a:lumMod val="75000"/>
-                    <a:lumOff val="25000"/>
-                  </a:schemeClr>
-                </a:solidFill>
+              <a:buFont typeface="Arial" charset="0"/>
+              <a:buBlip>
+                <a:blip r:embed="rId2"/>
+              </a:buBlip>
+              <a:defRPr i="1">
                 <a:latin typeface="+mn-lt"/>
-                <a:ea typeface="+mn-ea"/>
-                <a:cs typeface="+mn-cs"/>
               </a:defRPr>
-            </a:lvl2pPr>
-            <a:lvl3pPr marL="425196" indent="-137160" algn="l" defTabSz="685800" rtl="0" eaLnBrk="1" latinLnBrk="0" hangingPunct="1">
-              <a:lnSpc>
-                <a:spcPct val="90000"/>
-              </a:lnSpc>
+            </a:lvl7pPr>
+            <a:lvl8pPr marL="3429000" indent="-228600" eaLnBrk="0" fontAlgn="base" hangingPunct="0">
               <a:spcBef>
-                <a:spcPts val="150"/>
+                <a:spcPct val="20000"/>
               </a:spcBef>
               <a:spcAft>
-                <a:spcPts val="300"/>
+                <a:spcPct val="0"/>
               </a:spcAft>
-              <a:buClr>
-                <a:schemeClr val="accent1"/>
-              </a:buClr>
-              <a:buFont typeface="Calibri" pitchFamily="34" charset="0"/>
-              <a:buChar char="◦"/>
-              <a:defRPr sz="1050" kern="1200">
-                <a:solidFill>
-                  <a:schemeClr val="tx1">
-                    <a:lumMod val="75000"/>
-                    <a:lumOff val="25000"/>
-                  </a:schemeClr>
-                </a:solidFill>
+              <a:buFont typeface="Arial" charset="0"/>
+              <a:buBlip>
+                <a:blip r:embed="rId2"/>
+              </a:buBlip>
+              <a:defRPr i="1">
                 <a:latin typeface="+mn-lt"/>
-                <a:ea typeface="+mn-ea"/>
-                <a:cs typeface="+mn-cs"/>
               </a:defRPr>
-            </a:lvl3pPr>
-            <a:lvl4pPr marL="562356" indent="-137160" algn="l" defTabSz="685800" rtl="0" eaLnBrk="1" latinLnBrk="0" hangingPunct="1">
-              <a:lnSpc>
-                <a:spcPct val="90000"/>
-              </a:lnSpc>
+            </a:lvl8pPr>
+            <a:lvl9pPr marL="3886200" indent="-228600" eaLnBrk="0" fontAlgn="base" hangingPunct="0">
               <a:spcBef>
-                <a:spcPts val="150"/>
+                <a:spcPct val="20000"/>
               </a:spcBef>
               <a:spcAft>
-                <a:spcPts val="300"/>
+                <a:spcPct val="0"/>
               </a:spcAft>
-              <a:buClr>
-                <a:schemeClr val="accent1"/>
-              </a:buClr>
-              <a:buFont typeface="Calibri" pitchFamily="34" charset="0"/>
-              <a:buChar char="◦"/>
-              <a:defRPr sz="1050" kern="1200">
-                <a:solidFill>
-                  <a:schemeClr val="tx1">
-                    <a:lumMod val="75000"/>
-                    <a:lumOff val="25000"/>
-                  </a:schemeClr>
-                </a:solidFill>
+              <a:buFont typeface="Arial" charset="0"/>
+              <a:buBlip>
+                <a:blip r:embed="rId2"/>
+              </a:buBlip>
+              <a:defRPr i="1">
                 <a:latin typeface="+mn-lt"/>
-                <a:ea typeface="+mn-ea"/>
-                <a:cs typeface="+mn-cs"/>
-              </a:defRPr>
-            </a:lvl4pPr>
-            <a:lvl5pPr marL="699516" indent="-137160" algn="l" defTabSz="685800" rtl="0" eaLnBrk="1" latinLnBrk="0" hangingPunct="1">
-              <a:lnSpc>
-                <a:spcPct val="90000"/>
-              </a:lnSpc>
-              <a:spcBef>
-                <a:spcPts val="150"/>
-              </a:spcBef>
-              <a:spcAft>
-                <a:spcPts val="300"/>
-              </a:spcAft>
-              <a:buClr>
-                <a:schemeClr val="accent1"/>
-              </a:buClr>
-              <a:buFont typeface="Calibri" pitchFamily="34" charset="0"/>
-              <a:buChar char="◦"/>
-              <a:defRPr sz="1050" kern="1200">
-                <a:solidFill>
-                  <a:schemeClr val="tx1">
-                    <a:lumMod val="75000"/>
-                    <a:lumOff val="25000"/>
-                  </a:schemeClr>
-                </a:solidFill>
-                <a:latin typeface="+mn-lt"/>
-                <a:ea typeface="+mn-ea"/>
-                <a:cs typeface="+mn-cs"/>
-              </a:defRPr>
-            </a:lvl5pPr>
-            <a:lvl6pPr marL="825000" indent="-171450" algn="l" defTabSz="685800" rtl="0" eaLnBrk="1" latinLnBrk="0" hangingPunct="1">
-              <a:lnSpc>
-                <a:spcPct val="90000"/>
-              </a:lnSpc>
-              <a:spcBef>
-                <a:spcPts val="150"/>
-              </a:spcBef>
-              <a:spcAft>
-                <a:spcPts val="300"/>
-              </a:spcAft>
-              <a:buClr>
-                <a:schemeClr val="accent1"/>
-              </a:buClr>
-              <a:buFont typeface="Calibri" pitchFamily="34" charset="0"/>
-              <a:buChar char="◦"/>
-              <a:defRPr sz="1050" kern="1200">
-                <a:solidFill>
-                  <a:schemeClr val="tx1">
-                    <a:lumMod val="75000"/>
-                    <a:lumOff val="25000"/>
-                  </a:schemeClr>
-                </a:solidFill>
-                <a:latin typeface="+mn-lt"/>
-                <a:ea typeface="+mn-ea"/>
-                <a:cs typeface="+mn-cs"/>
-              </a:defRPr>
-            </a:lvl6pPr>
-            <a:lvl7pPr marL="975000" indent="-171450" algn="l" defTabSz="685800" rtl="0" eaLnBrk="1" latinLnBrk="0" hangingPunct="1">
-              <a:lnSpc>
-                <a:spcPct val="90000"/>
-              </a:lnSpc>
-              <a:spcBef>
-                <a:spcPts val="150"/>
-              </a:spcBef>
-              <a:spcAft>
-                <a:spcPts val="300"/>
-              </a:spcAft>
-              <a:buClr>
-                <a:schemeClr val="accent1"/>
-              </a:buClr>
-              <a:buFont typeface="Calibri" pitchFamily="34" charset="0"/>
-              <a:buChar char="◦"/>
-              <a:defRPr sz="1050" kern="1200">
-                <a:solidFill>
-                  <a:schemeClr val="tx1">
-                    <a:lumMod val="75000"/>
-                    <a:lumOff val="25000"/>
-                  </a:schemeClr>
-                </a:solidFill>
-                <a:latin typeface="+mn-lt"/>
-                <a:ea typeface="+mn-ea"/>
-                <a:cs typeface="+mn-cs"/>
-              </a:defRPr>
-            </a:lvl7pPr>
-            <a:lvl8pPr marL="1125000" indent="-171450" algn="l" defTabSz="685800" rtl="0" eaLnBrk="1" latinLnBrk="0" hangingPunct="1">
-              <a:lnSpc>
-                <a:spcPct val="90000"/>
-              </a:lnSpc>
-              <a:spcBef>
-                <a:spcPts val="150"/>
-              </a:spcBef>
-              <a:spcAft>
-                <a:spcPts val="300"/>
-              </a:spcAft>
-              <a:buClr>
-                <a:schemeClr val="accent1"/>
-              </a:buClr>
-              <a:buFont typeface="Calibri" pitchFamily="34" charset="0"/>
-              <a:buChar char="◦"/>
-              <a:defRPr sz="1050" kern="1200">
-                <a:solidFill>
-                  <a:schemeClr val="tx1">
-                    <a:lumMod val="75000"/>
-                    <a:lumOff val="25000"/>
-                  </a:schemeClr>
-                </a:solidFill>
-                <a:latin typeface="+mn-lt"/>
-                <a:ea typeface="+mn-ea"/>
-                <a:cs typeface="+mn-cs"/>
-              </a:defRPr>
-            </a:lvl8pPr>
-            <a:lvl9pPr marL="1275000" indent="-171450" algn="l" defTabSz="685800" rtl="0" eaLnBrk="1" latinLnBrk="0" hangingPunct="1">
-              <a:lnSpc>
-                <a:spcPct val="90000"/>
-              </a:lnSpc>
-              <a:spcBef>
-                <a:spcPts val="150"/>
-              </a:spcBef>
-              <a:spcAft>
-                <a:spcPts val="300"/>
-              </a:spcAft>
-              <a:buClr>
-                <a:schemeClr val="accent1"/>
-              </a:buClr>
-              <a:buFont typeface="Calibri" pitchFamily="34" charset="0"/>
-              <a:buChar char="◦"/>
-              <a:defRPr sz="1050" kern="1200">
-                <a:solidFill>
-                  <a:schemeClr val="tx1">
-                    <a:lumMod val="75000"/>
-                    <a:lumOff val="25000"/>
-                  </a:schemeClr>
-                </a:solidFill>
-                <a:latin typeface="+mn-lt"/>
-                <a:ea typeface="+mn-ea"/>
-                <a:cs typeface="+mn-cs"/>
               </a:defRPr>
             </a:lvl9pPr>
           </a:lstStyle>
           <a:p>
-            <a:pPr marL="482600" indent="-342900">
-              <a:spcBef>
-                <a:spcPts val="600"/>
-              </a:spcBef>
-              <a:spcAft>
-                <a:spcPts val="0"/>
-              </a:spcAft>
-              <a:buSzPts val="1400"/>
-              <a:buFont typeface="+mj-lt"/>
-              <a:buAutoNum type="arabicPeriod"/>
-            </a:pPr>
-            <a:r>
-              <a:rPr lang="pt-BR" sz="2000" dirty="0">
-                <a:latin typeface="Roboto" panose="02000000000000000000" pitchFamily="2" charset="0"/>
-                <a:ea typeface="Roboto" panose="02000000000000000000" pitchFamily="2" charset="0"/>
-              </a:rPr>
+            <a:r>
+              <a:rPr lang="pt-BR" dirty="0"/>
               <a:t>Open </a:t>
             </a:r>
             <a:r>
-              <a:rPr lang="pt-BR" sz="2000" dirty="0" err="1">
-                <a:latin typeface="Roboto" panose="02000000000000000000" pitchFamily="2" charset="0"/>
-                <a:ea typeface="Roboto" panose="02000000000000000000" pitchFamily="2" charset="0"/>
-              </a:rPr>
+              <a:rPr lang="pt-BR" dirty="0" err="1"/>
               <a:t>Source</a:t>
             </a:r>
-            <a:endParaRPr lang="pt-BR" sz="2000" dirty="0">
-              <a:latin typeface="Roboto" panose="02000000000000000000" pitchFamily="2" charset="0"/>
-              <a:ea typeface="Roboto" panose="02000000000000000000" pitchFamily="2" charset="0"/>
-            </a:endParaRPr>
-          </a:p>
-          <a:p>
-            <a:pPr marL="482600" indent="-342900">
-              <a:spcBef>
-                <a:spcPts val="600"/>
-              </a:spcBef>
-              <a:spcAft>
-                <a:spcPts val="0"/>
-              </a:spcAft>
-              <a:buSzPts val="1400"/>
-              <a:buFont typeface="+mj-lt"/>
-              <a:buAutoNum type="arabicPeriod"/>
-            </a:pPr>
-            <a:r>
-              <a:rPr lang="pt-BR" sz="2000" dirty="0">
-                <a:latin typeface="Roboto" panose="02000000000000000000" pitchFamily="2" charset="0"/>
-                <a:ea typeface="Roboto" panose="02000000000000000000" pitchFamily="2" charset="0"/>
-              </a:rPr>
+            <a:endParaRPr lang="pt-BR" dirty="0"/>
+          </a:p>
+          <a:p>
+            <a:r>
+              <a:rPr lang="pt-BR" dirty="0"/>
               <a:t>Multiplataforma</a:t>
             </a:r>
           </a:p>
           <a:p>
-            <a:pPr marL="482600" indent="-342900">
-              <a:spcBef>
-                <a:spcPts val="600"/>
-              </a:spcBef>
-              <a:spcAft>
-                <a:spcPts val="0"/>
-              </a:spcAft>
-              <a:buSzPts val="1400"/>
-              <a:buFont typeface="+mj-lt"/>
-              <a:buAutoNum type="arabicPeriod"/>
-            </a:pPr>
-            <a:r>
-              <a:rPr lang="pt-BR" sz="2000" dirty="0">
-                <a:latin typeface="Roboto" panose="02000000000000000000" pitchFamily="2" charset="0"/>
-                <a:ea typeface="Roboto" panose="02000000000000000000" pitchFamily="2" charset="0"/>
-              </a:rPr>
+            <a:r>
+              <a:rPr lang="pt-BR" dirty="0"/>
               <a:t>Múltiplas bases de dados</a:t>
             </a:r>
           </a:p>
           <a:p>
-            <a:pPr marL="482600" indent="-342900">
-              <a:spcBef>
-                <a:spcPts val="600"/>
-              </a:spcBef>
-              <a:spcAft>
-                <a:spcPts val="0"/>
-              </a:spcAft>
-              <a:buSzPts val="1400"/>
-              <a:buFont typeface="+mj-lt"/>
-              <a:buAutoNum type="arabicPeriod"/>
-            </a:pPr>
-            <a:r>
-              <a:rPr lang="pt-BR" sz="2000" dirty="0">
-                <a:latin typeface="Roboto" panose="02000000000000000000" pitchFamily="2" charset="0"/>
-                <a:ea typeface="Roboto" panose="02000000000000000000" pitchFamily="2" charset="0"/>
-              </a:rPr>
+            <a:r>
+              <a:rPr lang="pt-BR" dirty="0"/>
               <a:t>Alertas</a:t>
             </a:r>
           </a:p>
           <a:p>
-            <a:pPr marL="482600" indent="-342900">
-              <a:spcBef>
-                <a:spcPts val="600"/>
-              </a:spcBef>
-              <a:spcAft>
-                <a:spcPts val="0"/>
-              </a:spcAft>
-              <a:buSzPts val="1400"/>
-              <a:buFont typeface="+mj-lt"/>
-              <a:buAutoNum type="arabicPeriod"/>
-            </a:pPr>
-            <a:r>
-              <a:rPr lang="pt-BR" sz="2000" dirty="0">
-                <a:latin typeface="Roboto" panose="02000000000000000000" pitchFamily="2" charset="0"/>
-                <a:ea typeface="Roboto" panose="02000000000000000000" pitchFamily="2" charset="0"/>
-              </a:rPr>
+            <a:r>
+              <a:rPr lang="pt-BR" dirty="0"/>
               <a:t>Extensível através de plugins</a:t>
             </a:r>
           </a:p>
@@ -10111,10 +11235,10 @@
       </p:sp>
       <p:pic>
         <p:nvPicPr>
-          <p:cNvPr id="3" name="Imagem 2">
+          <p:cNvPr id="5" name="Imagem 4">
             <a:extLst>
               <a:ext uri="{FF2B5EF4-FFF2-40B4-BE49-F238E27FC236}">
-                <a16:creationId xmlns:a16="http://schemas.microsoft.com/office/drawing/2014/main" id="{B5F527EA-09EC-4813-A250-F90BE0ACC5F8}"/>
+                <a16:creationId xmlns:a16="http://schemas.microsoft.com/office/drawing/2014/main" id="{8E186071-B381-45B6-8914-A5F22704F385}"/>
               </a:ext>
             </a:extLst>
           </p:cNvPr>
@@ -10124,15 +11248,21 @@
           <p:nvPr/>
         </p:nvPicPr>
         <p:blipFill>
-          <a:blip r:embed="rId2"/>
+          <a:blip r:embed="rId3">
+            <a:extLst>
+              <a:ext uri="{28A0092B-C50C-407E-A947-70E740481C1C}">
+                <a14:useLocalDpi xmlns:a14="http://schemas.microsoft.com/office/drawing/2010/main" val="0"/>
+              </a:ext>
+            </a:extLst>
+          </a:blip>
           <a:stretch>
             <a:fillRect/>
           </a:stretch>
         </p:blipFill>
         <p:spPr>
           <a:xfrm>
-            <a:off x="1475656" y="339502"/>
-            <a:ext cx="4104456" cy="995404"/>
+            <a:off x="251520" y="1347614"/>
+            <a:ext cx="2700300" cy="2700300"/>
           </a:xfrm>
           <a:prstGeom prst="rect">
             <a:avLst/>
@@ -11125,8 +12255,8 @@
         </p:nvSpPr>
         <p:spPr>
           <a:xfrm>
-            <a:off x="3050589" y="1910030"/>
-            <a:ext cx="3042821" cy="1323439"/>
+            <a:off x="1835696" y="1635646"/>
+            <a:ext cx="4785284" cy="2123658"/>
           </a:xfrm>
           <a:prstGeom prst="rect">
             <a:avLst/>
@@ -11140,13 +12270,26 @@
           <a:lstStyle/>
           <a:p>
             <a:r>
-              <a:rPr lang="en-US" sz="8000" dirty="0">
+              <a:rPr lang="en-US" sz="6600" dirty="0">
                 <a:latin typeface="Roboto" panose="02000000000000000000" pitchFamily="2" charset="0"/>
                 <a:ea typeface="Roboto" panose="02000000000000000000" pitchFamily="2" charset="0"/>
               </a:rPr>
-              <a:t>DEMO</a:t>
-            </a:r>
-            <a:endParaRPr lang="pt-BR" sz="8000" dirty="0">
+              <a:t>100% </a:t>
+            </a:r>
+            <a:br>
+              <a:rPr lang="en-US" sz="6600" dirty="0">
+                <a:latin typeface="Roboto" panose="02000000000000000000" pitchFamily="2" charset="0"/>
+                <a:ea typeface="Roboto" panose="02000000000000000000" pitchFamily="2" charset="0"/>
+              </a:rPr>
+            </a:br>
+            <a:r>
+              <a:rPr lang="en-US" sz="6600" dirty="0" err="1">
+                <a:latin typeface="Roboto" panose="02000000000000000000" pitchFamily="2" charset="0"/>
+                <a:ea typeface="Roboto" panose="02000000000000000000" pitchFamily="2" charset="0"/>
+              </a:rPr>
+              <a:t>OpenSource</a:t>
+            </a:r>
+            <a:endParaRPr lang="pt-BR" sz="6600" dirty="0">
               <a:latin typeface="Roboto" panose="02000000000000000000" pitchFamily="2" charset="0"/>
               <a:ea typeface="Roboto" panose="02000000000000000000" pitchFamily="2" charset="0"/>
             </a:endParaRPr>
@@ -11183,67 +12326,54 @@
           <a:chExt cx="0" cy="0"/>
         </a:xfrm>
       </p:grpSpPr>
-      <p:pic>
-        <p:nvPicPr>
-          <p:cNvPr id="19457" name="Picture 3" descr="I:\TDC2017\Logos\TDC2017\logo-tdc-vertical-A4.emf">
+      <p:sp>
+        <p:nvSpPr>
+          <p:cNvPr id="2" name="CaixaDeTexto 1">
             <a:extLst>
               <a:ext uri="{FF2B5EF4-FFF2-40B4-BE49-F238E27FC236}">
-                <a16:creationId xmlns:a16="http://schemas.microsoft.com/office/drawing/2014/main" id="{009A349A-82D7-4091-AFC1-AE2EE1B7C726}"/>
+                <a16:creationId xmlns:a16="http://schemas.microsoft.com/office/drawing/2014/main" id="{5ADE0B06-1963-4A62-B45D-33EC75687E7B}"/>
               </a:ext>
             </a:extLst>
           </p:cNvPr>
-          <p:cNvPicPr>
-            <a:picLocks noChangeAspect="1" noChangeArrowheads="1"/>
-          </p:cNvPicPr>
+          <p:cNvSpPr txBox="1"/>
           <p:nvPr/>
-        </p:nvPicPr>
-        <p:blipFill>
-          <a:blip r:embed="rId2">
-            <a:extLst>
-              <a:ext uri="{28A0092B-C50C-407E-A947-70E740481C1C}">
-                <a14:useLocalDpi xmlns:a14="http://schemas.microsoft.com/office/drawing/2010/main" val="0"/>
-              </a:ext>
-            </a:extLst>
-          </a:blip>
-          <a:srcRect/>
-          <a:stretch>
-            <a:fillRect/>
-          </a:stretch>
-        </p:blipFill>
-        <p:spPr bwMode="auto">
+        </p:nvSpPr>
+        <p:spPr>
           <a:xfrm>
-            <a:off x="2016125" y="915988"/>
-            <a:ext cx="4427538" cy="2808287"/>
+            <a:off x="3050589" y="1910030"/>
+            <a:ext cx="3042821" cy="1323439"/>
           </a:xfrm>
           <a:prstGeom prst="rect">
             <a:avLst/>
           </a:prstGeom>
           <a:noFill/>
-          <a:ln>
-            <a:noFill/>
-          </a:ln>
-          <a:extLst>
-            <a:ext uri="{909E8E84-426E-40DD-AFC4-6F175D3DCCD1}">
-              <a14:hiddenFill xmlns:a14="http://schemas.microsoft.com/office/drawing/2010/main">
-                <a:solidFill>
-                  <a:srgbClr val="FFFFFF"/>
-                </a:solidFill>
-              </a14:hiddenFill>
-            </a:ext>
-            <a:ext uri="{91240B29-F687-4F45-9708-019B960494DF}">
-              <a14:hiddenLine xmlns:a14="http://schemas.microsoft.com/office/drawing/2010/main" w="9525">
-                <a:solidFill>
-                  <a:srgbClr val="000000"/>
-                </a:solidFill>
-                <a:miter lim="800000"/>
-                <a:headEnd/>
-                <a:tailEnd/>
-              </a14:hiddenLine>
-            </a:ext>
-          </a:extLst>
         </p:spPr>
-      </p:pic>
+        <p:txBody>
+          <a:bodyPr wrap="none" rtlCol="0">
+            <a:spAutoFit/>
+          </a:bodyPr>
+          <a:lstStyle/>
+          <a:p>
+            <a:r>
+              <a:rPr lang="en-US" sz="8000" dirty="0">
+                <a:latin typeface="Roboto" panose="02000000000000000000" pitchFamily="2" charset="0"/>
+                <a:ea typeface="Roboto" panose="02000000000000000000" pitchFamily="2" charset="0"/>
+              </a:rPr>
+              <a:t>DEMO</a:t>
+            </a:r>
+            <a:endParaRPr lang="pt-BR" sz="8000" dirty="0">
+              <a:latin typeface="Roboto" panose="02000000000000000000" pitchFamily="2" charset="0"/>
+              <a:ea typeface="Roboto" panose="02000000000000000000" pitchFamily="2" charset="0"/>
+            </a:endParaRPr>
+          </a:p>
+        </p:txBody>
+      </p:sp>
     </p:spTree>
+    <p:extLst>
+      <p:ext uri="{BB962C8B-B14F-4D97-AF65-F5344CB8AC3E}">
+        <p14:creationId xmlns:p14="http://schemas.microsoft.com/office/powerpoint/2010/main" val="3475286336"/>
+      </p:ext>
+    </p:extLst>
   </p:cSld>
   <p:clrMapOvr>
     <a:masterClrMapping/>
@@ -11270,10 +12400,10 @@
       </p:grpSpPr>
       <p:sp>
         <p:nvSpPr>
-          <p:cNvPr id="6" name="Google Shape;352;p13">
+          <p:cNvPr id="9" name="Google Shape;352;p13">
             <a:extLst>
               <a:ext uri="{FF2B5EF4-FFF2-40B4-BE49-F238E27FC236}">
-                <a16:creationId xmlns:a16="http://schemas.microsoft.com/office/drawing/2014/main" id="{57E9C3BF-CAE7-4841-B9F4-EAB78C59ED85}"/>
+                <a16:creationId xmlns:a16="http://schemas.microsoft.com/office/drawing/2014/main" id="{6F7AF68C-AC8E-4525-A511-28432AEC69EE}"/>
               </a:ext>
             </a:extLst>
           </p:cNvPr>
@@ -11284,7 +12414,7 @@
         </p:nvSpPr>
         <p:spPr>
           <a:xfrm>
-            <a:off x="2585292" y="298661"/>
+            <a:off x="3344443" y="404317"/>
             <a:ext cx="5496362" cy="1502430"/>
           </a:xfrm>
           <a:prstGeom prst="rect">
@@ -11533,10 +12663,10 @@
       </p:sp>
       <p:pic>
         <p:nvPicPr>
-          <p:cNvPr id="7" name="Imagem 6">
+          <p:cNvPr id="10" name="Imagem 9">
             <a:extLst>
               <a:ext uri="{FF2B5EF4-FFF2-40B4-BE49-F238E27FC236}">
-                <a16:creationId xmlns:a16="http://schemas.microsoft.com/office/drawing/2014/main" id="{46DD8EFF-A5A4-40C0-8E27-CA3303D8E135}"/>
+                <a16:creationId xmlns:a16="http://schemas.microsoft.com/office/drawing/2014/main" id="{701EBD36-96B2-4788-8072-3B05F9B6E0E9}"/>
               </a:ext>
             </a:extLst>
           </p:cNvPr>
@@ -11553,7 +12683,7 @@
         </p:blipFill>
         <p:spPr>
           <a:xfrm>
-            <a:off x="489365" y="3943446"/>
+            <a:off x="342695" y="3916975"/>
             <a:ext cx="2494319" cy="854875"/>
           </a:xfrm>
           <a:prstGeom prst="rect">
@@ -11563,10 +12693,10 @@
       </p:pic>
       <p:sp>
         <p:nvSpPr>
-          <p:cNvPr id="8" name="CaixaDeTexto 7">
+          <p:cNvPr id="11" name="CaixaDeTexto 10">
             <a:extLst>
               <a:ext uri="{FF2B5EF4-FFF2-40B4-BE49-F238E27FC236}">
-                <a16:creationId xmlns:a16="http://schemas.microsoft.com/office/drawing/2014/main" id="{2BEF06A2-9577-4E24-92C5-492E50CF89FD}"/>
+                <a16:creationId xmlns:a16="http://schemas.microsoft.com/office/drawing/2014/main" id="{5B6B1B54-45F2-458F-A4E3-1677B9854708}"/>
               </a:ext>
             </a:extLst>
           </p:cNvPr>
@@ -11575,7 +12705,7 @@
         </p:nvSpPr>
         <p:spPr>
           <a:xfrm>
-            <a:off x="2649589" y="1347748"/>
+            <a:off x="3284002" y="3636527"/>
             <a:ext cx="5617243" cy="1415772"/>
           </a:xfrm>
           <a:prstGeom prst="rect">
@@ -11738,10 +12868,10 @@
       </p:sp>
       <p:pic>
         <p:nvPicPr>
-          <p:cNvPr id="9" name="Imagem 8">
+          <p:cNvPr id="12" name="Imagem 11">
             <a:extLst>
               <a:ext uri="{FF2B5EF4-FFF2-40B4-BE49-F238E27FC236}">
-                <a16:creationId xmlns:a16="http://schemas.microsoft.com/office/drawing/2014/main" id="{D1F064EB-1E2A-4A22-AE19-D6DB8A82F846}"/>
+                <a16:creationId xmlns:a16="http://schemas.microsoft.com/office/drawing/2014/main" id="{6F28A1DA-F466-4FD8-ADE8-41F8189473B2}"/>
               </a:ext>
             </a:extLst>
           </p:cNvPr>
@@ -11758,7 +12888,7 @@
         </p:blipFill>
         <p:spPr>
           <a:xfrm>
-            <a:off x="457831" y="284018"/>
+            <a:off x="323528" y="1347748"/>
             <a:ext cx="2127461" cy="2127461"/>
           </a:xfrm>
           <a:prstGeom prst="rect">
@@ -11768,10 +12898,10 @@
       </p:pic>
       <p:pic>
         <p:nvPicPr>
-          <p:cNvPr id="10" name="Imagem 9">
+          <p:cNvPr id="13" name="Imagem 12">
             <a:extLst>
               <a:ext uri="{FF2B5EF4-FFF2-40B4-BE49-F238E27FC236}">
-                <a16:creationId xmlns:a16="http://schemas.microsoft.com/office/drawing/2014/main" id="{C187729C-91B1-45AA-8243-38D427566810}"/>
+                <a16:creationId xmlns:a16="http://schemas.microsoft.com/office/drawing/2014/main" id="{C4F7B728-3444-4792-BCE0-7808BB71FCBC}"/>
               </a:ext>
             </a:extLst>
           </p:cNvPr>
@@ -11788,7 +12918,7 @@
         </p:blipFill>
         <p:spPr>
           <a:xfrm>
-            <a:off x="395536" y="1994239"/>
+            <a:off x="3419872" y="813767"/>
             <a:ext cx="3482360" cy="1957871"/>
           </a:xfrm>
           <a:prstGeom prst="rect">
@@ -11798,10 +12928,10 @@
       </p:pic>
       <p:pic>
         <p:nvPicPr>
-          <p:cNvPr id="11" name="Imagem 10">
+          <p:cNvPr id="14" name="Imagem 13">
             <a:extLst>
               <a:ext uri="{FF2B5EF4-FFF2-40B4-BE49-F238E27FC236}">
-                <a16:creationId xmlns:a16="http://schemas.microsoft.com/office/drawing/2014/main" id="{A1F440E2-8B6F-4A62-929F-76B04A73F627}"/>
+                <a16:creationId xmlns:a16="http://schemas.microsoft.com/office/drawing/2014/main" id="{5D202FDF-25B8-46B8-9C5C-FA8F5B0134DB}"/>
               </a:ext>
             </a:extLst>
           </p:cNvPr>
@@ -11818,7 +12948,7 @@
         </p:blipFill>
         <p:spPr>
           <a:xfrm>
-            <a:off x="6372200" y="2657592"/>
+            <a:off x="3419872" y="2411478"/>
             <a:ext cx="2533358" cy="631163"/>
           </a:xfrm>
           <a:prstGeom prst="rect">
@@ -11827,6 +12957,11 @@
         </p:spPr>
       </p:pic>
     </p:spTree>
+    <p:extLst>
+      <p:ext uri="{BB962C8B-B14F-4D97-AF65-F5344CB8AC3E}">
+        <p14:creationId xmlns:p14="http://schemas.microsoft.com/office/powerpoint/2010/main" val="2899183158"/>
+      </p:ext>
+    </p:extLst>
   </p:cSld>
   <p:clrMapOvr>
     <a:masterClrMapping/>
@@ -12906,339 +14041,213 @@
         </p:nvSpPr>
         <p:spPr>
           <a:xfrm>
-            <a:off x="1519980" y="1328290"/>
+            <a:off x="1519980" y="1923678"/>
             <a:ext cx="6104039" cy="2486919"/>
           </a:xfrm>
           <a:prstGeom prst="rect">
             <a:avLst/>
           </a:prstGeom>
+          <a:noFill/>
+          <a:ln>
+            <a:noFill/>
+          </a:ln>
+          <a:extLst>
+            <a:ext uri="{909E8E84-426E-40DD-AFC4-6F175D3DCCD1}">
+              <a14:hiddenFill xmlns:a14="http://schemas.microsoft.com/office/drawing/2010/main">
+                <a:solidFill>
+                  <a:srgbClr val="FFFFFF"/>
+                </a:solidFill>
+              </a14:hiddenFill>
+            </a:ext>
+            <a:ext uri="{91240B29-F687-4F45-9708-019B960494DF}">
+              <a14:hiddenLine xmlns:a14="http://schemas.microsoft.com/office/drawing/2010/main" w="9525">
+                <a:solidFill>
+                  <a:srgbClr val="000000"/>
+                </a:solidFill>
+                <a:miter lim="800000"/>
+                <a:headEnd/>
+                <a:tailEnd/>
+              </a14:hiddenLine>
+            </a:ext>
+          </a:extLst>
         </p:spPr>
         <p:txBody>
-          <a:bodyPr spcFirstLastPara="1" wrap="square" lIns="91425" tIns="91425" rIns="91425" bIns="91425" anchor="t" anchorCtr="0">
+          <a:bodyPr spcFirstLastPara="1" vert="horz" wrap="square" lIns="91425" tIns="91425" rIns="91425" bIns="91425" numCol="1" anchor="t" anchorCtr="0" compatLnSpc="1">
+            <a:prstTxWarp prst="textNoShape">
+              <a:avLst/>
+            </a:prstTxWarp>
             <a:noAutofit/>
           </a:bodyPr>
           <a:lstStyle>
-            <a:lvl1pPr marL="68580" indent="-68580" algn="l" defTabSz="685800" rtl="0" eaLnBrk="1" latinLnBrk="0" hangingPunct="1">
-              <a:lnSpc>
-                <a:spcPct val="90000"/>
-              </a:lnSpc>
+            <a:defPPr>
+              <a:defRPr lang="pt-BR"/>
+            </a:defPPr>
+            <a:lvl1pPr marL="139700" indent="0" eaLnBrk="0" hangingPunct="0">
               <a:spcBef>
-                <a:spcPts val="900"/>
+                <a:spcPct val="20000"/>
+              </a:spcBef>
+              <a:buFont typeface="Arial" panose="020B0604020202020204" pitchFamily="34" charset="0"/>
+              <a:buNone/>
+              <a:defRPr sz="2000" b="1" kern="0">
+                <a:latin typeface="Roboto" panose="02000000000000000000" pitchFamily="2" charset="0"/>
+                <a:ea typeface="Roboto" panose="02000000000000000000" pitchFamily="2" charset="0"/>
+              </a:defRPr>
+            </a:lvl1pPr>
+            <a:lvl2pPr marL="742950" indent="-285750" eaLnBrk="0" hangingPunct="0">
+              <a:spcBef>
+                <a:spcPct val="20000"/>
+              </a:spcBef>
+              <a:buFont typeface="Wingdings" panose="05000000000000000000" pitchFamily="2" charset="2"/>
+              <a:buBlip>
+                <a:blip r:embed="rId2"/>
+              </a:buBlip>
+              <a:defRPr sz="2400">
+                <a:latin typeface="+mn-lt"/>
+                <a:ea typeface="Arial" charset="0"/>
+              </a:defRPr>
+            </a:lvl2pPr>
+            <a:lvl3pPr marL="1143000" indent="-228600" eaLnBrk="0" hangingPunct="0">
+              <a:spcBef>
+                <a:spcPct val="20000"/>
+              </a:spcBef>
+              <a:buFont typeface="Arial" panose="020B0604020202020204" pitchFamily="34" charset="0"/>
+              <a:buBlip>
+                <a:blip r:embed="rId2"/>
+              </a:buBlip>
+              <a:defRPr sz="2000">
+                <a:latin typeface="+mn-lt"/>
+                <a:ea typeface="Arial" charset="0"/>
+              </a:defRPr>
+            </a:lvl3pPr>
+            <a:lvl4pPr marL="1600200" indent="-228600" eaLnBrk="0" hangingPunct="0">
+              <a:spcBef>
+                <a:spcPct val="20000"/>
+              </a:spcBef>
+              <a:buFont typeface="Wingdings" panose="05000000000000000000" pitchFamily="2" charset="2"/>
+              <a:buBlip>
+                <a:blip r:embed="rId2"/>
+              </a:buBlip>
+              <a:defRPr>
+                <a:latin typeface="+mn-lt"/>
+                <a:ea typeface="Arial" charset="0"/>
+              </a:defRPr>
+            </a:lvl4pPr>
+            <a:lvl5pPr marL="2057400" indent="-228600" eaLnBrk="0" hangingPunct="0">
+              <a:spcBef>
+                <a:spcPct val="20000"/>
+              </a:spcBef>
+              <a:buFont typeface="Arial" panose="020B0604020202020204" pitchFamily="34" charset="0"/>
+              <a:buBlip>
+                <a:blip r:embed="rId2"/>
+              </a:buBlip>
+              <a:defRPr i="1">
+                <a:latin typeface="+mn-lt"/>
+                <a:ea typeface="Arial" charset="0"/>
+              </a:defRPr>
+            </a:lvl5pPr>
+            <a:lvl6pPr marL="2514600" indent="-228600" eaLnBrk="0" fontAlgn="base" hangingPunct="0">
+              <a:spcBef>
+                <a:spcPct val="20000"/>
               </a:spcBef>
               <a:spcAft>
-                <a:spcPts val="150"/>
+                <a:spcPct val="0"/>
               </a:spcAft>
-              <a:buClr>
-                <a:schemeClr val="accent1"/>
-              </a:buClr>
-              <a:buSzPct val="100000"/>
-              <a:buFont typeface="Calibri" panose="020F0502020204030204" pitchFamily="34" charset="0"/>
-              <a:buChar char=" "/>
-              <a:defRPr sz="1500" kern="1200">
-                <a:solidFill>
-                  <a:schemeClr val="tx1">
-                    <a:lumMod val="75000"/>
-                    <a:lumOff val="25000"/>
-                  </a:schemeClr>
-                </a:solidFill>
+              <a:buFont typeface="Arial" charset="0"/>
+              <a:buBlip>
+                <a:blip r:embed="rId2"/>
+              </a:buBlip>
+              <a:defRPr i="1">
                 <a:latin typeface="+mn-lt"/>
-                <a:ea typeface="+mn-ea"/>
-                <a:cs typeface="+mn-cs"/>
               </a:defRPr>
-            </a:lvl1pPr>
-            <a:lvl2pPr marL="288036" indent="-137160" algn="l" defTabSz="685800" rtl="0" eaLnBrk="1" latinLnBrk="0" hangingPunct="1">
-              <a:lnSpc>
-                <a:spcPct val="90000"/>
-              </a:lnSpc>
+            </a:lvl6pPr>
+            <a:lvl7pPr marL="2971800" indent="-228600" eaLnBrk="0" fontAlgn="base" hangingPunct="0">
               <a:spcBef>
-                <a:spcPts val="150"/>
+                <a:spcPct val="20000"/>
               </a:spcBef>
               <a:spcAft>
-                <a:spcPts val="300"/>
+                <a:spcPct val="0"/>
               </a:spcAft>
-              <a:buClr>
-                <a:schemeClr val="accent1"/>
-              </a:buClr>
-              <a:buFont typeface="Calibri" pitchFamily="34" charset="0"/>
-              <a:buChar char="◦"/>
-              <a:defRPr sz="1350" kern="1200">
-                <a:solidFill>
-                  <a:schemeClr val="tx1">
-                    <a:lumMod val="75000"/>
-                    <a:lumOff val="25000"/>
-                  </a:schemeClr>
-                </a:solidFill>
+              <a:buFont typeface="Arial" charset="0"/>
+              <a:buBlip>
+                <a:blip r:embed="rId2"/>
+              </a:buBlip>
+              <a:defRPr i="1">
                 <a:latin typeface="+mn-lt"/>
-                <a:ea typeface="+mn-ea"/>
-                <a:cs typeface="+mn-cs"/>
               </a:defRPr>
-            </a:lvl2pPr>
-            <a:lvl3pPr marL="425196" indent="-137160" algn="l" defTabSz="685800" rtl="0" eaLnBrk="1" latinLnBrk="0" hangingPunct="1">
-              <a:lnSpc>
-                <a:spcPct val="90000"/>
-              </a:lnSpc>
+            </a:lvl7pPr>
+            <a:lvl8pPr marL="3429000" indent="-228600" eaLnBrk="0" fontAlgn="base" hangingPunct="0">
               <a:spcBef>
-                <a:spcPts val="150"/>
+                <a:spcPct val="20000"/>
               </a:spcBef>
               <a:spcAft>
-                <a:spcPts val="300"/>
+                <a:spcPct val="0"/>
               </a:spcAft>
-              <a:buClr>
-                <a:schemeClr val="accent1"/>
-              </a:buClr>
-              <a:buFont typeface="Calibri" pitchFamily="34" charset="0"/>
-              <a:buChar char="◦"/>
-              <a:defRPr sz="1050" kern="1200">
-                <a:solidFill>
-                  <a:schemeClr val="tx1">
-                    <a:lumMod val="75000"/>
-                    <a:lumOff val="25000"/>
-                  </a:schemeClr>
-                </a:solidFill>
+              <a:buFont typeface="Arial" charset="0"/>
+              <a:buBlip>
+                <a:blip r:embed="rId2"/>
+              </a:buBlip>
+              <a:defRPr i="1">
                 <a:latin typeface="+mn-lt"/>
-                <a:ea typeface="+mn-ea"/>
-                <a:cs typeface="+mn-cs"/>
               </a:defRPr>
-            </a:lvl3pPr>
-            <a:lvl4pPr marL="562356" indent="-137160" algn="l" defTabSz="685800" rtl="0" eaLnBrk="1" latinLnBrk="0" hangingPunct="1">
-              <a:lnSpc>
-                <a:spcPct val="90000"/>
-              </a:lnSpc>
+            </a:lvl8pPr>
+            <a:lvl9pPr marL="3886200" indent="-228600" eaLnBrk="0" fontAlgn="base" hangingPunct="0">
               <a:spcBef>
-                <a:spcPts val="150"/>
+                <a:spcPct val="20000"/>
               </a:spcBef>
               <a:spcAft>
-                <a:spcPts val="300"/>
+                <a:spcPct val="0"/>
               </a:spcAft>
-              <a:buClr>
-                <a:schemeClr val="accent1"/>
-              </a:buClr>
-              <a:buFont typeface="Calibri" pitchFamily="34" charset="0"/>
-              <a:buChar char="◦"/>
-              <a:defRPr sz="1050" kern="1200">
-                <a:solidFill>
-                  <a:schemeClr val="tx1">
-                    <a:lumMod val="75000"/>
-                    <a:lumOff val="25000"/>
-                  </a:schemeClr>
-                </a:solidFill>
+              <a:buFont typeface="Arial" charset="0"/>
+              <a:buBlip>
+                <a:blip r:embed="rId2"/>
+              </a:buBlip>
+              <a:defRPr i="1">
                 <a:latin typeface="+mn-lt"/>
-                <a:ea typeface="+mn-ea"/>
-                <a:cs typeface="+mn-cs"/>
-              </a:defRPr>
-            </a:lvl4pPr>
-            <a:lvl5pPr marL="699516" indent="-137160" algn="l" defTabSz="685800" rtl="0" eaLnBrk="1" latinLnBrk="0" hangingPunct="1">
-              <a:lnSpc>
-                <a:spcPct val="90000"/>
-              </a:lnSpc>
-              <a:spcBef>
-                <a:spcPts val="150"/>
-              </a:spcBef>
-              <a:spcAft>
-                <a:spcPts val="300"/>
-              </a:spcAft>
-              <a:buClr>
-                <a:schemeClr val="accent1"/>
-              </a:buClr>
-              <a:buFont typeface="Calibri" pitchFamily="34" charset="0"/>
-              <a:buChar char="◦"/>
-              <a:defRPr sz="1050" kern="1200">
-                <a:solidFill>
-                  <a:schemeClr val="tx1">
-                    <a:lumMod val="75000"/>
-                    <a:lumOff val="25000"/>
-                  </a:schemeClr>
-                </a:solidFill>
-                <a:latin typeface="+mn-lt"/>
-                <a:ea typeface="+mn-ea"/>
-                <a:cs typeface="+mn-cs"/>
-              </a:defRPr>
-            </a:lvl5pPr>
-            <a:lvl6pPr marL="825000" indent="-171450" algn="l" defTabSz="685800" rtl="0" eaLnBrk="1" latinLnBrk="0" hangingPunct="1">
-              <a:lnSpc>
-                <a:spcPct val="90000"/>
-              </a:lnSpc>
-              <a:spcBef>
-                <a:spcPts val="150"/>
-              </a:spcBef>
-              <a:spcAft>
-                <a:spcPts val="300"/>
-              </a:spcAft>
-              <a:buClr>
-                <a:schemeClr val="accent1"/>
-              </a:buClr>
-              <a:buFont typeface="Calibri" pitchFamily="34" charset="0"/>
-              <a:buChar char="◦"/>
-              <a:defRPr sz="1050" kern="1200">
-                <a:solidFill>
-                  <a:schemeClr val="tx1">
-                    <a:lumMod val="75000"/>
-                    <a:lumOff val="25000"/>
-                  </a:schemeClr>
-                </a:solidFill>
-                <a:latin typeface="+mn-lt"/>
-                <a:ea typeface="+mn-ea"/>
-                <a:cs typeface="+mn-cs"/>
-              </a:defRPr>
-            </a:lvl6pPr>
-            <a:lvl7pPr marL="975000" indent="-171450" algn="l" defTabSz="685800" rtl="0" eaLnBrk="1" latinLnBrk="0" hangingPunct="1">
-              <a:lnSpc>
-                <a:spcPct val="90000"/>
-              </a:lnSpc>
-              <a:spcBef>
-                <a:spcPts val="150"/>
-              </a:spcBef>
-              <a:spcAft>
-                <a:spcPts val="300"/>
-              </a:spcAft>
-              <a:buClr>
-                <a:schemeClr val="accent1"/>
-              </a:buClr>
-              <a:buFont typeface="Calibri" pitchFamily="34" charset="0"/>
-              <a:buChar char="◦"/>
-              <a:defRPr sz="1050" kern="1200">
-                <a:solidFill>
-                  <a:schemeClr val="tx1">
-                    <a:lumMod val="75000"/>
-                    <a:lumOff val="25000"/>
-                  </a:schemeClr>
-                </a:solidFill>
-                <a:latin typeface="+mn-lt"/>
-                <a:ea typeface="+mn-ea"/>
-                <a:cs typeface="+mn-cs"/>
-              </a:defRPr>
-            </a:lvl7pPr>
-            <a:lvl8pPr marL="1125000" indent="-171450" algn="l" defTabSz="685800" rtl="0" eaLnBrk="1" latinLnBrk="0" hangingPunct="1">
-              <a:lnSpc>
-                <a:spcPct val="90000"/>
-              </a:lnSpc>
-              <a:spcBef>
-                <a:spcPts val="150"/>
-              </a:spcBef>
-              <a:spcAft>
-                <a:spcPts val="300"/>
-              </a:spcAft>
-              <a:buClr>
-                <a:schemeClr val="accent1"/>
-              </a:buClr>
-              <a:buFont typeface="Calibri" pitchFamily="34" charset="0"/>
-              <a:buChar char="◦"/>
-              <a:defRPr sz="1050" kern="1200">
-                <a:solidFill>
-                  <a:schemeClr val="tx1">
-                    <a:lumMod val="75000"/>
-                    <a:lumOff val="25000"/>
-                  </a:schemeClr>
-                </a:solidFill>
-                <a:latin typeface="+mn-lt"/>
-                <a:ea typeface="+mn-ea"/>
-                <a:cs typeface="+mn-cs"/>
-              </a:defRPr>
-            </a:lvl8pPr>
-            <a:lvl9pPr marL="1275000" indent="-171450" algn="l" defTabSz="685800" rtl="0" eaLnBrk="1" latinLnBrk="0" hangingPunct="1">
-              <a:lnSpc>
-                <a:spcPct val="90000"/>
-              </a:lnSpc>
-              <a:spcBef>
-                <a:spcPts val="150"/>
-              </a:spcBef>
-              <a:spcAft>
-                <a:spcPts val="300"/>
-              </a:spcAft>
-              <a:buClr>
-                <a:schemeClr val="accent1"/>
-              </a:buClr>
-              <a:buFont typeface="Calibri" pitchFamily="34" charset="0"/>
-              <a:buChar char="◦"/>
-              <a:defRPr sz="1050" kern="1200">
-                <a:solidFill>
-                  <a:schemeClr val="tx1">
-                    <a:lumMod val="75000"/>
-                    <a:lumOff val="25000"/>
-                  </a:schemeClr>
-                </a:solidFill>
-                <a:latin typeface="+mn-lt"/>
-                <a:ea typeface="+mn-ea"/>
-                <a:cs typeface="+mn-cs"/>
               </a:defRPr>
             </a:lvl9pPr>
           </a:lstStyle>
           <a:p>
-            <a:pPr marL="482600" indent="-342900">
-              <a:spcBef>
-                <a:spcPts val="600"/>
-              </a:spcBef>
-              <a:spcAft>
-                <a:spcPts val="0"/>
-              </a:spcAft>
-              <a:buSzPts val="1400"/>
+            <a:pPr marL="596900" indent="-457200">
               <a:buFont typeface="+mj-lt"/>
               <a:buAutoNum type="arabicPeriod"/>
             </a:pPr>
             <a:r>
-              <a:rPr lang="pt-BR" sz="2000" dirty="0">
-                <a:latin typeface="Roboto" panose="02000000000000000000" pitchFamily="2" charset="0"/>
-                <a:ea typeface="Roboto" panose="02000000000000000000" pitchFamily="2" charset="0"/>
-              </a:rPr>
+              <a:rPr lang="pt-BR" b="0" dirty="0"/>
               <a:t>Quantas requisições minha aplicação recebe ?</a:t>
             </a:r>
           </a:p>
           <a:p>
-            <a:pPr marL="482600" indent="-342900">
-              <a:spcBef>
-                <a:spcPts val="600"/>
-              </a:spcBef>
-              <a:spcAft>
-                <a:spcPts val="0"/>
-              </a:spcAft>
-              <a:buSzPts val="1400"/>
+            <a:pPr marL="596900" indent="-457200">
               <a:buFont typeface="+mj-lt"/>
               <a:buAutoNum type="arabicPeriod"/>
             </a:pPr>
             <a:r>
-              <a:rPr lang="pt-BR" sz="2000" dirty="0">
-                <a:latin typeface="Roboto" panose="02000000000000000000" pitchFamily="2" charset="0"/>
-                <a:ea typeface="Roboto" panose="02000000000000000000" pitchFamily="2" charset="0"/>
-              </a:rPr>
+              <a:rPr lang="pt-BR" b="0" dirty="0"/>
               <a:t>Quantas requisições geraram erro ?</a:t>
             </a:r>
           </a:p>
           <a:p>
-            <a:pPr marL="482600" indent="-342900">
-              <a:spcBef>
-                <a:spcPts val="600"/>
-              </a:spcBef>
-              <a:spcAft>
-                <a:spcPts val="0"/>
-              </a:spcAft>
-              <a:buSzPts val="1400"/>
+            <a:pPr marL="596900" indent="-457200">
               <a:buFont typeface="+mj-lt"/>
               <a:buAutoNum type="arabicPeriod"/>
             </a:pPr>
             <a:r>
-              <a:rPr lang="pt-BR" sz="2000" dirty="0">
-                <a:latin typeface="Roboto" panose="02000000000000000000" pitchFamily="2" charset="0"/>
-                <a:ea typeface="Roboto" panose="02000000000000000000" pitchFamily="2" charset="0"/>
-              </a:rPr>
+              <a:rPr lang="pt-BR" b="0" dirty="0"/>
               <a:t>Sua aplicação está no ar nesse momento ?</a:t>
             </a:r>
           </a:p>
           <a:p>
-            <a:pPr marL="482600" indent="-342900">
-              <a:spcBef>
-                <a:spcPts val="600"/>
-              </a:spcBef>
-              <a:spcAft>
-                <a:spcPts val="0"/>
-              </a:spcAft>
-              <a:buSzPts val="1400"/>
+            <a:pPr marL="596900" indent="-457200">
               <a:buFont typeface="+mj-lt"/>
               <a:buAutoNum type="arabicPeriod"/>
             </a:pPr>
-            <a:endParaRPr lang="en-US" sz="2000" dirty="0">
-              <a:latin typeface="Roboto" panose="02000000000000000000" pitchFamily="2" charset="0"/>
-              <a:ea typeface="Roboto" panose="02000000000000000000" pitchFamily="2" charset="0"/>
-            </a:endParaRPr>
+            <a:r>
+              <a:rPr lang="pt-BR" b="0" dirty="0"/>
+              <a:t>Todos os serviços que a sua aplicação depende estão no ar ?</a:t>
+            </a:r>
+          </a:p>
+          <a:p>
+            <a:endParaRPr lang="en-US" dirty="0"/>
           </a:p>
         </p:txBody>
       </p:sp>
@@ -13605,6 +14614,121 @@
                       </p:childTnLst>
                     </p:cTn>
                   </p:par>
+                  <p:par>
+                    <p:cTn id="24" fill="hold">
+                      <p:stCondLst>
+                        <p:cond delay="indefinite"/>
+                      </p:stCondLst>
+                      <p:childTnLst>
+                        <p:par>
+                          <p:cTn id="25" fill="hold">
+                            <p:stCondLst>
+                              <p:cond delay="0"/>
+                            </p:stCondLst>
+                            <p:childTnLst>
+                              <p:par>
+                                <p:cTn id="26" presetID="42" presetClass="entr" presetSubtype="0" fill="hold" grpId="0" nodeType="clickEffect">
+                                  <p:stCondLst>
+                                    <p:cond delay="0"/>
+                                  </p:stCondLst>
+                                  <p:childTnLst>
+                                    <p:set>
+                                      <p:cBhvr>
+                                        <p:cTn id="27" dur="1" fill="hold">
+                                          <p:stCondLst>
+                                            <p:cond delay="0"/>
+                                          </p:stCondLst>
+                                        </p:cTn>
+                                        <p:tgtEl>
+                                          <p:spTgt spid="4">
+                                            <p:txEl>
+                                              <p:pRg st="3" end="3"/>
+                                            </p:txEl>
+                                          </p:spTgt>
+                                        </p:tgtEl>
+                                        <p:attrNameLst>
+                                          <p:attrName>style.visibility</p:attrName>
+                                        </p:attrNameLst>
+                                      </p:cBhvr>
+                                      <p:to>
+                                        <p:strVal val="visible"/>
+                                      </p:to>
+                                    </p:set>
+                                    <p:animEffect transition="in" filter="fade">
+                                      <p:cBhvr>
+                                        <p:cTn id="28" dur="500"/>
+                                        <p:tgtEl>
+                                          <p:spTgt spid="4">
+                                            <p:txEl>
+                                              <p:pRg st="3" end="3"/>
+                                            </p:txEl>
+                                          </p:spTgt>
+                                        </p:tgtEl>
+                                      </p:cBhvr>
+                                    </p:animEffect>
+                                    <p:anim calcmode="lin" valueType="num">
+                                      <p:cBhvr>
+                                        <p:cTn id="29" dur="500" fill="hold"/>
+                                        <p:tgtEl>
+                                          <p:spTgt spid="4">
+                                            <p:txEl>
+                                              <p:pRg st="3" end="3"/>
+                                            </p:txEl>
+                                          </p:spTgt>
+                                        </p:tgtEl>
+                                        <p:attrNameLst>
+                                          <p:attrName>ppt_x</p:attrName>
+                                        </p:attrNameLst>
+                                      </p:cBhvr>
+                                      <p:tavLst>
+                                        <p:tav tm="0">
+                                          <p:val>
+                                            <p:strVal val="#ppt_x"/>
+                                          </p:val>
+                                        </p:tav>
+                                        <p:tav tm="100000">
+                                          <p:val>
+                                            <p:strVal val="#ppt_x"/>
+                                          </p:val>
+                                        </p:tav>
+                                      </p:tavLst>
+                                    </p:anim>
+                                    <p:anim calcmode="lin" valueType="num">
+                                      <p:cBhvr>
+                                        <p:cTn id="30" dur="500" fill="hold"/>
+                                        <p:tgtEl>
+                                          <p:spTgt spid="4">
+                                            <p:txEl>
+                                              <p:pRg st="3" end="3"/>
+                                            </p:txEl>
+                                          </p:spTgt>
+                                        </p:tgtEl>
+                                        <p:attrNameLst>
+                                          <p:attrName>ppt_y</p:attrName>
+                                        </p:attrNameLst>
+                                      </p:cBhvr>
+                                      <p:tavLst>
+                                        <p:tav tm="0">
+                                          <p:val>
+                                            <p:strVal val="#ppt_y+.1"/>
+                                          </p:val>
+                                        </p:tav>
+                                        <p:tav tm="100000">
+                                          <p:val>
+                                            <p:strVal val="#ppt_y"/>
+                                          </p:val>
+                                        </p:tav>
+                                      </p:tavLst>
+                                    </p:anim>
+                                  </p:childTnLst>
+                                </p:cTn>
+                              </p:par>
+                            </p:childTnLst>
+                          </p:cTn>
+                        </p:par>
+                      </p:childTnLst>
+                    </p:cTn>
+                  </p:par>
                 </p:childTnLst>
               </p:cTn>
               <p:prevCondLst>
@@ -13726,7 +14850,7 @@
         </p:nvSpPr>
         <p:spPr bwMode="auto">
           <a:xfrm>
-            <a:off x="562257" y="1551124"/>
+            <a:off x="683568" y="1563638"/>
             <a:ext cx="4009743" cy="2602662"/>
           </a:xfrm>
           <a:prstGeom prst="rect">
@@ -14038,366 +15162,208 @@
         </p:nvSpPr>
         <p:spPr>
           <a:xfrm>
-            <a:off x="4385060" y="1551123"/>
+            <a:off x="4506371" y="1563637"/>
             <a:ext cx="4009743" cy="2486919"/>
           </a:xfrm>
           <a:prstGeom prst="rect">
             <a:avLst/>
           </a:prstGeom>
+          <a:noFill/>
+          <a:ln>
+            <a:noFill/>
+          </a:ln>
+          <a:extLst>
+            <a:ext uri="{909E8E84-426E-40DD-AFC4-6F175D3DCCD1}">
+              <a14:hiddenFill xmlns:a14="http://schemas.microsoft.com/office/drawing/2010/main">
+                <a:solidFill>
+                  <a:srgbClr val="FFFFFF"/>
+                </a:solidFill>
+              </a14:hiddenFill>
+            </a:ext>
+            <a:ext uri="{91240B29-F687-4F45-9708-019B960494DF}">
+              <a14:hiddenLine xmlns:a14="http://schemas.microsoft.com/office/drawing/2010/main" w="9525">
+                <a:solidFill>
+                  <a:srgbClr val="000000"/>
+                </a:solidFill>
+                <a:miter lim="800000"/>
+                <a:headEnd/>
+                <a:tailEnd/>
+              </a14:hiddenLine>
+            </a:ext>
+          </a:extLst>
         </p:spPr>
         <p:txBody>
-          <a:bodyPr spcFirstLastPara="1" vert="horz" wrap="square" lIns="91425" tIns="91425" rIns="91425" bIns="91425" rtlCol="0" anchor="t" anchorCtr="0">
+          <a:bodyPr spcFirstLastPara="1" vert="horz" wrap="square" lIns="91425" tIns="91425" rIns="91425" bIns="91425" numCol="1" anchor="t" anchorCtr="0" compatLnSpc="1">
+            <a:prstTxWarp prst="textNoShape">
+              <a:avLst/>
+            </a:prstTxWarp>
             <a:noAutofit/>
           </a:bodyPr>
           <a:lstStyle>
-            <a:lvl1pPr marL="457200" lvl="0" indent="-317500" algn="l" defTabSz="685800" rtl="0" eaLnBrk="1" latinLnBrk="0" hangingPunct="1">
-              <a:lnSpc>
-                <a:spcPct val="90000"/>
-              </a:lnSpc>
+            <a:defPPr>
+              <a:defRPr lang="pt-BR"/>
+            </a:defPPr>
+            <a:lvl1pPr marL="139700" indent="0" eaLnBrk="0" hangingPunct="0">
               <a:spcBef>
-                <a:spcPts val="600"/>
+                <a:spcPct val="20000"/>
               </a:spcBef>
-              <a:spcAft>
-                <a:spcPts val="0"/>
-              </a:spcAft>
-              <a:buClr>
-                <a:schemeClr val="accent1"/>
-              </a:buClr>
-              <a:buSzPts val="1400"/>
-              <a:buFont typeface="Muli"/>
-              <a:buChar char="◇"/>
-              <a:defRPr sz="1500" kern="1200">
-                <a:solidFill>
-                  <a:schemeClr val="tx1">
-                    <a:lumMod val="75000"/>
-                    <a:lumOff val="25000"/>
-                  </a:schemeClr>
-                </a:solidFill>
-                <a:latin typeface="Muli"/>
-                <a:ea typeface="Muli"/>
-                <a:cs typeface="Muli"/>
-                <a:sym typeface="Muli"/>
+              <a:buFont typeface="Arial" panose="020B0604020202020204" pitchFamily="34" charset="0"/>
+              <a:buNone/>
+              <a:defRPr sz="2000" b="1" kern="0">
+                <a:latin typeface="Roboto" panose="02000000000000000000" pitchFamily="2" charset="0"/>
+                <a:ea typeface="Roboto" panose="02000000000000000000" pitchFamily="2" charset="0"/>
               </a:defRPr>
             </a:lvl1pPr>
-            <a:lvl2pPr marL="914400" lvl="1" indent="-317500" algn="l" defTabSz="685800" rtl="0" eaLnBrk="1" latinLnBrk="0" hangingPunct="1">
-              <a:lnSpc>
-                <a:spcPct val="90000"/>
-              </a:lnSpc>
+            <a:lvl2pPr marL="742950" indent="-285750" eaLnBrk="0" hangingPunct="0">
               <a:spcBef>
-                <a:spcPts val="0"/>
+                <a:spcPct val="20000"/>
               </a:spcBef>
-              <a:spcAft>
-                <a:spcPts val="0"/>
-              </a:spcAft>
-              <a:buClr>
-                <a:schemeClr val="accent1"/>
-              </a:buClr>
-              <a:buSzPts val="1400"/>
-              <a:buFont typeface="Muli"/>
-              <a:buChar char="￭"/>
-              <a:defRPr sz="1350" kern="1200">
-                <a:solidFill>
-                  <a:schemeClr val="tx1">
-                    <a:lumMod val="75000"/>
-                    <a:lumOff val="25000"/>
-                  </a:schemeClr>
-                </a:solidFill>
-                <a:latin typeface="Muli"/>
-                <a:ea typeface="Muli"/>
-                <a:cs typeface="Muli"/>
-                <a:sym typeface="Muli"/>
+              <a:buFont typeface="Wingdings" panose="05000000000000000000" pitchFamily="2" charset="2"/>
+              <a:buBlip>
+                <a:blip r:embed="rId2"/>
+              </a:buBlip>
+              <a:defRPr sz="2400">
+                <a:latin typeface="+mn-lt"/>
+                <a:ea typeface="Arial" charset="0"/>
               </a:defRPr>
             </a:lvl2pPr>
-            <a:lvl3pPr marL="1371600" lvl="2" indent="-317500" algn="l" defTabSz="685800" rtl="0" eaLnBrk="1" latinLnBrk="0" hangingPunct="1">
-              <a:lnSpc>
-                <a:spcPct val="90000"/>
-              </a:lnSpc>
+            <a:lvl3pPr marL="1143000" indent="-228600" eaLnBrk="0" hangingPunct="0">
               <a:spcBef>
-                <a:spcPts val="0"/>
+                <a:spcPct val="20000"/>
               </a:spcBef>
-              <a:spcAft>
-                <a:spcPts val="0"/>
-              </a:spcAft>
-              <a:buClr>
-                <a:schemeClr val="accent1"/>
-              </a:buClr>
-              <a:buSzPts val="1400"/>
-              <a:buFont typeface="Muli"/>
-              <a:buChar char="￮"/>
-              <a:defRPr sz="1050" kern="1200">
-                <a:solidFill>
-                  <a:schemeClr val="tx1">
-                    <a:lumMod val="75000"/>
-                    <a:lumOff val="25000"/>
-                  </a:schemeClr>
-                </a:solidFill>
-                <a:latin typeface="Muli"/>
-                <a:ea typeface="Muli"/>
-                <a:cs typeface="Muli"/>
-                <a:sym typeface="Muli"/>
+              <a:buFont typeface="Arial" panose="020B0604020202020204" pitchFamily="34" charset="0"/>
+              <a:buBlip>
+                <a:blip r:embed="rId2"/>
+              </a:buBlip>
+              <a:defRPr sz="2000">
+                <a:latin typeface="+mn-lt"/>
+                <a:ea typeface="Arial" charset="0"/>
               </a:defRPr>
             </a:lvl3pPr>
-            <a:lvl4pPr marL="1828800" lvl="3" indent="-317500" algn="l" defTabSz="685800" rtl="0" eaLnBrk="1" latinLnBrk="0" hangingPunct="1">
-              <a:lnSpc>
-                <a:spcPct val="90000"/>
-              </a:lnSpc>
+            <a:lvl4pPr marL="1600200" indent="-228600" eaLnBrk="0" hangingPunct="0">
               <a:spcBef>
-                <a:spcPts val="0"/>
+                <a:spcPct val="20000"/>
               </a:spcBef>
-              <a:spcAft>
-                <a:spcPts val="0"/>
-              </a:spcAft>
-              <a:buClr>
-                <a:schemeClr val="accent1"/>
-              </a:buClr>
-              <a:buSzPts val="1400"/>
-              <a:buFont typeface="Muli"/>
-              <a:buChar char="●"/>
-              <a:defRPr sz="1050" kern="1200">
-                <a:solidFill>
-                  <a:schemeClr val="tx1">
-                    <a:lumMod val="75000"/>
-                    <a:lumOff val="25000"/>
-                  </a:schemeClr>
-                </a:solidFill>
-                <a:latin typeface="Muli"/>
-                <a:ea typeface="Muli"/>
-                <a:cs typeface="Muli"/>
-                <a:sym typeface="Muli"/>
+              <a:buFont typeface="Wingdings" panose="05000000000000000000" pitchFamily="2" charset="2"/>
+              <a:buBlip>
+                <a:blip r:embed="rId2"/>
+              </a:buBlip>
+              <a:defRPr>
+                <a:latin typeface="+mn-lt"/>
+                <a:ea typeface="Arial" charset="0"/>
               </a:defRPr>
             </a:lvl4pPr>
-            <a:lvl5pPr marL="2286000" lvl="4" indent="-317500" algn="l" defTabSz="685800" rtl="0" eaLnBrk="1" latinLnBrk="0" hangingPunct="1">
-              <a:lnSpc>
-                <a:spcPct val="90000"/>
-              </a:lnSpc>
+            <a:lvl5pPr marL="2057400" indent="-228600" eaLnBrk="0" hangingPunct="0">
               <a:spcBef>
-                <a:spcPts val="0"/>
+                <a:spcPct val="20000"/>
               </a:spcBef>
-              <a:spcAft>
-                <a:spcPts val="0"/>
-              </a:spcAft>
-              <a:buClr>
-                <a:schemeClr val="accent1"/>
-              </a:buClr>
-              <a:buSzPts val="1400"/>
-              <a:buFont typeface="Muli"/>
-              <a:buChar char="○"/>
-              <a:defRPr sz="1050" kern="1200">
-                <a:solidFill>
-                  <a:schemeClr val="tx1">
-                    <a:lumMod val="75000"/>
-                    <a:lumOff val="25000"/>
-                  </a:schemeClr>
-                </a:solidFill>
-                <a:latin typeface="Muli"/>
-                <a:ea typeface="Muli"/>
-                <a:cs typeface="Muli"/>
-                <a:sym typeface="Muli"/>
+              <a:buFont typeface="Arial" panose="020B0604020202020204" pitchFamily="34" charset="0"/>
+              <a:buBlip>
+                <a:blip r:embed="rId2"/>
+              </a:buBlip>
+              <a:defRPr i="1">
+                <a:latin typeface="+mn-lt"/>
+                <a:ea typeface="Arial" charset="0"/>
               </a:defRPr>
             </a:lvl5pPr>
-            <a:lvl6pPr marL="2743200" lvl="5" indent="-317500" algn="l" defTabSz="685800" rtl="0" eaLnBrk="1" latinLnBrk="0" hangingPunct="1">
-              <a:lnSpc>
-                <a:spcPct val="90000"/>
-              </a:lnSpc>
-              <a:spcBef>
-                <a:spcPts val="0"/>
-              </a:spcBef>
-              <a:spcAft>
-                <a:spcPts val="0"/>
-              </a:spcAft>
-              <a:buClr>
-                <a:schemeClr val="accent1"/>
-              </a:buClr>
-              <a:buSzPts val="1400"/>
-              <a:buFont typeface="Muli"/>
-              <a:buChar char="■"/>
-              <a:defRPr sz="1050" kern="1200">
-                <a:solidFill>
-                  <a:schemeClr val="tx1">
-                    <a:lumMod val="75000"/>
-                    <a:lumOff val="25000"/>
-                  </a:schemeClr>
-                </a:solidFill>
-                <a:latin typeface="Muli"/>
-                <a:ea typeface="Muli"/>
-                <a:cs typeface="Muli"/>
-                <a:sym typeface="Muli"/>
-              </a:defRPr>
-            </a:lvl6pPr>
-            <a:lvl7pPr marL="3200400" lvl="6" indent="-317500" algn="l" defTabSz="685800" rtl="0" eaLnBrk="1" latinLnBrk="0" hangingPunct="1">
-              <a:lnSpc>
-                <a:spcPct val="90000"/>
-              </a:lnSpc>
-              <a:spcBef>
-                <a:spcPts val="0"/>
-              </a:spcBef>
-              <a:spcAft>
-                <a:spcPts val="0"/>
-              </a:spcAft>
-              <a:buClr>
-                <a:schemeClr val="accent1"/>
-              </a:buClr>
-              <a:buSzPts val="1400"/>
-              <a:buFont typeface="Muli"/>
-              <a:buChar char="●"/>
-              <a:defRPr sz="1050" kern="1200">
-                <a:solidFill>
-                  <a:schemeClr val="tx1">
-                    <a:lumMod val="75000"/>
-                    <a:lumOff val="25000"/>
-                  </a:schemeClr>
-                </a:solidFill>
-                <a:latin typeface="Muli"/>
-                <a:ea typeface="Muli"/>
-                <a:cs typeface="Muli"/>
-                <a:sym typeface="Muli"/>
-              </a:defRPr>
-            </a:lvl7pPr>
-            <a:lvl8pPr marL="3657600" lvl="7" indent="-317500" algn="l" defTabSz="685800" rtl="0" eaLnBrk="1" latinLnBrk="0" hangingPunct="1">
-              <a:lnSpc>
-                <a:spcPct val="90000"/>
-              </a:lnSpc>
-              <a:spcBef>
-                <a:spcPts val="0"/>
-              </a:spcBef>
-              <a:spcAft>
-                <a:spcPts val="0"/>
-              </a:spcAft>
-              <a:buClr>
-                <a:schemeClr val="accent1"/>
-              </a:buClr>
-              <a:buSzPts val="1400"/>
-              <a:buFont typeface="Muli"/>
-              <a:buChar char="○"/>
-              <a:defRPr sz="1050" kern="1200">
-                <a:solidFill>
-                  <a:schemeClr val="tx1">
-                    <a:lumMod val="75000"/>
-                    <a:lumOff val="25000"/>
-                  </a:schemeClr>
-                </a:solidFill>
-                <a:latin typeface="Muli"/>
-                <a:ea typeface="Muli"/>
-                <a:cs typeface="Muli"/>
-                <a:sym typeface="Muli"/>
-              </a:defRPr>
-            </a:lvl8pPr>
-            <a:lvl9pPr marL="4114800" lvl="8" indent="-317500" algn="l" defTabSz="685800" rtl="0" eaLnBrk="1" latinLnBrk="0" hangingPunct="1">
-              <a:lnSpc>
-                <a:spcPct val="90000"/>
-              </a:lnSpc>
-              <a:spcBef>
-                <a:spcPts val="0"/>
-              </a:spcBef>
-              <a:spcAft>
-                <a:spcPts val="0"/>
-              </a:spcAft>
-              <a:buClr>
-                <a:schemeClr val="accent1"/>
-              </a:buClr>
-              <a:buSzPts val="1400"/>
-              <a:buFont typeface="Muli"/>
-              <a:buChar char="■"/>
-              <a:defRPr sz="1050" kern="1200">
-                <a:solidFill>
-                  <a:schemeClr val="tx1">
-                    <a:lumMod val="75000"/>
-                    <a:lumOff val="25000"/>
-                  </a:schemeClr>
-                </a:solidFill>
-                <a:latin typeface="Muli"/>
-                <a:ea typeface="Muli"/>
-                <a:cs typeface="Muli"/>
-                <a:sym typeface="Muli"/>
-              </a:defRPr>
-            </a:lvl9pPr>
-          </a:lstStyle>
-          <a:p>
-            <a:pPr marL="139700" indent="0">
-              <a:buNone/>
-            </a:pPr>
-            <a:r>
-              <a:rPr lang="pt-BR" sz="2000" b="1" dirty="0">
-                <a:latin typeface="Roboto" panose="02000000000000000000" pitchFamily="2" charset="0"/>
-                <a:ea typeface="Roboto" panose="02000000000000000000" pitchFamily="2" charset="0"/>
-              </a:rPr>
-              <a:t>Métricas de Negócio</a:t>
-            </a:r>
-          </a:p>
-          <a:p>
-            <a:pPr marL="482600" indent="-342900" eaLnBrk="0" hangingPunct="0">
+            <a:lvl6pPr marL="2514600" indent="-228600" eaLnBrk="0" fontAlgn="base" hangingPunct="0">
               <a:spcBef>
                 <a:spcPct val="20000"/>
               </a:spcBef>
               <a:spcAft>
                 <a:spcPct val="0"/>
               </a:spcAft>
-              <a:buFont typeface="+mj-lt"/>
-              <a:buAutoNum type="arabicPeriod"/>
-            </a:pPr>
-            <a:r>
-              <a:rPr lang="pt-BR" sz="2000" kern="0" dirty="0">
-                <a:solidFill>
-                  <a:schemeClr val="tx1"/>
-                </a:solidFill>
-                <a:latin typeface="Roboto" panose="02000000000000000000" pitchFamily="2" charset="0"/>
-                <a:ea typeface="Roboto" panose="02000000000000000000" pitchFamily="2" charset="0"/>
-                <a:cs typeface="+mn-cs"/>
-              </a:rPr>
-              <a:t>Usuários acessando a aplicação</a:t>
-            </a:r>
-          </a:p>
-          <a:p>
-            <a:pPr marL="482600" indent="-342900" eaLnBrk="0" hangingPunct="0">
+              <a:buFont typeface="Arial" charset="0"/>
+              <a:buBlip>
+                <a:blip r:embed="rId2"/>
+              </a:buBlip>
+              <a:defRPr i="1">
+                <a:latin typeface="+mn-lt"/>
+              </a:defRPr>
+            </a:lvl6pPr>
+            <a:lvl7pPr marL="2971800" indent="-228600" eaLnBrk="0" fontAlgn="base" hangingPunct="0">
               <a:spcBef>
                 <a:spcPct val="20000"/>
               </a:spcBef>
               <a:spcAft>
                 <a:spcPct val="0"/>
               </a:spcAft>
-              <a:buFont typeface="+mj-lt"/>
-              <a:buAutoNum type="arabicPeriod"/>
-            </a:pPr>
-            <a:r>
-              <a:rPr lang="pt-BR" sz="2000" kern="0" dirty="0">
-                <a:solidFill>
-                  <a:schemeClr val="tx1"/>
-                </a:solidFill>
-                <a:latin typeface="Roboto" panose="02000000000000000000" pitchFamily="2" charset="0"/>
-                <a:ea typeface="Roboto" panose="02000000000000000000" pitchFamily="2" charset="0"/>
-                <a:cs typeface="+mn-cs"/>
-              </a:rPr>
-              <a:t>Boletos emitidos</a:t>
-            </a:r>
-          </a:p>
-          <a:p>
-            <a:pPr marL="482600" indent="-342900" eaLnBrk="0" hangingPunct="0">
+              <a:buFont typeface="Arial" charset="0"/>
+              <a:buBlip>
+                <a:blip r:embed="rId2"/>
+              </a:buBlip>
+              <a:defRPr i="1">
+                <a:latin typeface="+mn-lt"/>
+              </a:defRPr>
+            </a:lvl7pPr>
+            <a:lvl8pPr marL="3429000" indent="-228600" eaLnBrk="0" fontAlgn="base" hangingPunct="0">
               <a:spcBef>
                 <a:spcPct val="20000"/>
               </a:spcBef>
               <a:spcAft>
                 <a:spcPct val="0"/>
               </a:spcAft>
+              <a:buFont typeface="Arial" charset="0"/>
+              <a:buBlip>
+                <a:blip r:embed="rId2"/>
+              </a:buBlip>
+              <a:defRPr i="1">
+                <a:latin typeface="+mn-lt"/>
+              </a:defRPr>
+            </a:lvl8pPr>
+            <a:lvl9pPr marL="3886200" indent="-228600" eaLnBrk="0" fontAlgn="base" hangingPunct="0">
+              <a:spcBef>
+                <a:spcPct val="20000"/>
+              </a:spcBef>
+              <a:spcAft>
+                <a:spcPct val="0"/>
+              </a:spcAft>
+              <a:buFont typeface="Arial" charset="0"/>
+              <a:buBlip>
+                <a:blip r:embed="rId2"/>
+              </a:buBlip>
+              <a:defRPr i="1">
+                <a:latin typeface="+mn-lt"/>
+              </a:defRPr>
+            </a:lvl9pPr>
+          </a:lstStyle>
+          <a:p>
+            <a:r>
+              <a:rPr lang="pt-BR" dirty="0"/>
+              <a:t>Métricas de Negócio</a:t>
+            </a:r>
+          </a:p>
+          <a:p>
+            <a:pPr marL="482600" indent="-342900">
               <a:buFont typeface="+mj-lt"/>
               <a:buAutoNum type="arabicPeriod"/>
             </a:pPr>
             <a:r>
-              <a:rPr lang="pt-BR" sz="2000" kern="0" dirty="0">
-                <a:solidFill>
-                  <a:schemeClr val="tx1"/>
-                </a:solidFill>
-                <a:latin typeface="Roboto" panose="02000000000000000000" pitchFamily="2" charset="0"/>
-                <a:ea typeface="Roboto" panose="02000000000000000000" pitchFamily="2" charset="0"/>
-                <a:cs typeface="+mn-cs"/>
-              </a:rPr>
+              <a:rPr lang="pt-BR" b="0" dirty="0"/>
+              <a:t>Usuários acessando a aplicação</a:t>
+            </a:r>
+          </a:p>
+          <a:p>
+            <a:pPr marL="482600" indent="-342900">
+              <a:buFont typeface="+mj-lt"/>
+              <a:buAutoNum type="arabicPeriod"/>
+            </a:pPr>
+            <a:r>
+              <a:rPr lang="pt-BR" b="0" dirty="0"/>
+              <a:t>Boletos emitidos</a:t>
+            </a:r>
+          </a:p>
+          <a:p>
+            <a:pPr marL="482600" indent="-342900">
+              <a:buFont typeface="+mj-lt"/>
+              <a:buAutoNum type="arabicPeriod"/>
+            </a:pPr>
+            <a:r>
+              <a:rPr lang="pt-BR" b="0" dirty="0"/>
               <a:t>Compras de um produto</a:t>
             </a:r>
           </a:p>
           <a:p>
-            <a:pPr marL="0" indent="0">
-              <a:buFont typeface="Muli"/>
-              <a:buNone/>
-            </a:pPr>
             <a:endParaRPr lang="pt-BR" dirty="0"/>
           </a:p>
         </p:txBody>
@@ -16422,7 +17388,7 @@
         </p:nvSpPr>
         <p:spPr>
           <a:xfrm>
-            <a:off x="1115616" y="1951715"/>
+            <a:off x="2555776" y="1647390"/>
             <a:ext cx="6104039" cy="2486919"/>
           </a:xfrm>
           <a:prstGeom prst="rect">
@@ -16633,10 +17599,10 @@
       </p:sp>
       <p:pic>
         <p:nvPicPr>
-          <p:cNvPr id="3" name="Imagem 2">
+          <p:cNvPr id="5" name="Imagem 4">
             <a:extLst>
               <a:ext uri="{FF2B5EF4-FFF2-40B4-BE49-F238E27FC236}">
-                <a16:creationId xmlns:a16="http://schemas.microsoft.com/office/drawing/2014/main" id="{325B1CB4-88FD-4D83-BFE8-7A43073746E9}"/>
+                <a16:creationId xmlns:a16="http://schemas.microsoft.com/office/drawing/2014/main" id="{1A7EAC4A-3ACB-4F2A-BB47-36AC43018F45}"/>
               </a:ext>
             </a:extLst>
           </p:cNvPr>
@@ -16646,15 +17612,21 @@
           <p:nvPr/>
         </p:nvPicPr>
         <p:blipFill>
-          <a:blip r:embed="rId3"/>
+          <a:blip r:embed="rId3">
+            <a:extLst>
+              <a:ext uri="{28A0092B-C50C-407E-A947-70E740481C1C}">
+                <a14:useLocalDpi xmlns:a14="http://schemas.microsoft.com/office/drawing/2010/main" val="0"/>
+              </a:ext>
+            </a:extLst>
+          </a:blip>
           <a:stretch>
             <a:fillRect/>
           </a:stretch>
         </p:blipFill>
         <p:spPr>
           <a:xfrm>
-            <a:off x="1115616" y="627534"/>
-            <a:ext cx="4933507" cy="1047735"/>
+            <a:off x="683568" y="2067694"/>
+            <a:ext cx="1646312" cy="1646312"/>
           </a:xfrm>
           <a:prstGeom prst="rect">
             <a:avLst/>
@@ -17430,320 +18402,186 @@
         </p:nvSpPr>
         <p:spPr>
           <a:xfrm>
-            <a:off x="1403648" y="1998739"/>
-            <a:ext cx="6104039" cy="2486919"/>
+            <a:off x="3131840" y="2205818"/>
+            <a:ext cx="4608512" cy="1368152"/>
           </a:xfrm>
           <a:prstGeom prst="rect">
             <a:avLst/>
           </a:prstGeom>
+          <a:noFill/>
+          <a:ln>
+            <a:noFill/>
+          </a:ln>
+          <a:extLst>
+            <a:ext uri="{909E8E84-426E-40DD-AFC4-6F175D3DCCD1}">
+              <a14:hiddenFill xmlns:a14="http://schemas.microsoft.com/office/drawing/2010/main">
+                <a:solidFill>
+                  <a:srgbClr val="FFFFFF"/>
+                </a:solidFill>
+              </a14:hiddenFill>
+            </a:ext>
+            <a:ext uri="{91240B29-F687-4F45-9708-019B960494DF}">
+              <a14:hiddenLine xmlns:a14="http://schemas.microsoft.com/office/drawing/2010/main" w="9525">
+                <a:solidFill>
+                  <a:srgbClr val="000000"/>
+                </a:solidFill>
+                <a:miter lim="800000"/>
+                <a:headEnd/>
+                <a:tailEnd/>
+              </a14:hiddenLine>
+            </a:ext>
+          </a:extLst>
         </p:spPr>
         <p:txBody>
-          <a:bodyPr spcFirstLastPara="1" wrap="square" lIns="91425" tIns="91425" rIns="91425" bIns="91425" anchor="t" anchorCtr="0">
+          <a:bodyPr spcFirstLastPara="1" vert="horz" wrap="square" lIns="91425" tIns="91425" rIns="91425" bIns="91425" numCol="1" anchor="t" anchorCtr="0" compatLnSpc="1">
+            <a:prstTxWarp prst="textNoShape">
+              <a:avLst/>
+            </a:prstTxWarp>
             <a:noAutofit/>
           </a:bodyPr>
           <a:lstStyle>
-            <a:lvl1pPr marL="68580" indent="-68580" algn="l" defTabSz="685800" rtl="0" eaLnBrk="1" latinLnBrk="0" hangingPunct="1">
-              <a:lnSpc>
-                <a:spcPct val="90000"/>
-              </a:lnSpc>
+            <a:defPPr>
+              <a:defRPr lang="pt-BR"/>
+            </a:defPPr>
+            <a:lvl1pPr marL="482600" indent="-342900" eaLnBrk="0" hangingPunct="0">
               <a:spcBef>
-                <a:spcPts val="900"/>
+                <a:spcPct val="20000"/>
+              </a:spcBef>
+              <a:buFont typeface="+mj-lt"/>
+              <a:buAutoNum type="arabicPeriod"/>
+              <a:defRPr sz="2000" kern="0">
+                <a:latin typeface="Roboto" panose="02000000000000000000" pitchFamily="2" charset="0"/>
+                <a:ea typeface="Roboto" panose="02000000000000000000" pitchFamily="2" charset="0"/>
+              </a:defRPr>
+            </a:lvl1pPr>
+            <a:lvl2pPr marL="742950" indent="-285750" eaLnBrk="0" hangingPunct="0">
+              <a:spcBef>
+                <a:spcPct val="20000"/>
+              </a:spcBef>
+              <a:buFont typeface="Wingdings" panose="05000000000000000000" pitchFamily="2" charset="2"/>
+              <a:buBlip>
+                <a:blip r:embed="rId2"/>
+              </a:buBlip>
+              <a:defRPr sz="2400">
+                <a:latin typeface="+mn-lt"/>
+                <a:ea typeface="Arial" charset="0"/>
+              </a:defRPr>
+            </a:lvl2pPr>
+            <a:lvl3pPr marL="1143000" indent="-228600" eaLnBrk="0" hangingPunct="0">
+              <a:spcBef>
+                <a:spcPct val="20000"/>
+              </a:spcBef>
+              <a:buFont typeface="Arial" panose="020B0604020202020204" pitchFamily="34" charset="0"/>
+              <a:buBlip>
+                <a:blip r:embed="rId2"/>
+              </a:buBlip>
+              <a:defRPr sz="2000">
+                <a:latin typeface="+mn-lt"/>
+                <a:ea typeface="Arial" charset="0"/>
+              </a:defRPr>
+            </a:lvl3pPr>
+            <a:lvl4pPr marL="1600200" indent="-228600" eaLnBrk="0" hangingPunct="0">
+              <a:spcBef>
+                <a:spcPct val="20000"/>
+              </a:spcBef>
+              <a:buFont typeface="Wingdings" panose="05000000000000000000" pitchFamily="2" charset="2"/>
+              <a:buBlip>
+                <a:blip r:embed="rId2"/>
+              </a:buBlip>
+              <a:defRPr>
+                <a:latin typeface="+mn-lt"/>
+                <a:ea typeface="Arial" charset="0"/>
+              </a:defRPr>
+            </a:lvl4pPr>
+            <a:lvl5pPr marL="2057400" indent="-228600" eaLnBrk="0" hangingPunct="0">
+              <a:spcBef>
+                <a:spcPct val="20000"/>
+              </a:spcBef>
+              <a:buFont typeface="Arial" panose="020B0604020202020204" pitchFamily="34" charset="0"/>
+              <a:buBlip>
+                <a:blip r:embed="rId2"/>
+              </a:buBlip>
+              <a:defRPr i="1">
+                <a:latin typeface="+mn-lt"/>
+                <a:ea typeface="Arial" charset="0"/>
+              </a:defRPr>
+            </a:lvl5pPr>
+            <a:lvl6pPr marL="2514600" indent="-228600" eaLnBrk="0" fontAlgn="base" hangingPunct="0">
+              <a:spcBef>
+                <a:spcPct val="20000"/>
               </a:spcBef>
               <a:spcAft>
-                <a:spcPts val="150"/>
+                <a:spcPct val="0"/>
               </a:spcAft>
-              <a:buClr>
-                <a:schemeClr val="accent1"/>
-              </a:buClr>
-              <a:buSzPct val="100000"/>
-              <a:buFont typeface="Calibri" panose="020F0502020204030204" pitchFamily="34" charset="0"/>
-              <a:buChar char=" "/>
-              <a:defRPr sz="1500" kern="1200">
-                <a:solidFill>
-                  <a:schemeClr val="tx1">
-                    <a:lumMod val="75000"/>
-                    <a:lumOff val="25000"/>
-                  </a:schemeClr>
-                </a:solidFill>
+              <a:buFont typeface="Arial" charset="0"/>
+              <a:buBlip>
+                <a:blip r:embed="rId2"/>
+              </a:buBlip>
+              <a:defRPr i="1">
                 <a:latin typeface="+mn-lt"/>
-                <a:ea typeface="+mn-ea"/>
-                <a:cs typeface="+mn-cs"/>
               </a:defRPr>
-            </a:lvl1pPr>
-            <a:lvl2pPr marL="288036" indent="-137160" algn="l" defTabSz="685800" rtl="0" eaLnBrk="1" latinLnBrk="0" hangingPunct="1">
-              <a:lnSpc>
-                <a:spcPct val="90000"/>
-              </a:lnSpc>
+            </a:lvl6pPr>
+            <a:lvl7pPr marL="2971800" indent="-228600" eaLnBrk="0" fontAlgn="base" hangingPunct="0">
               <a:spcBef>
-                <a:spcPts val="150"/>
+                <a:spcPct val="20000"/>
               </a:spcBef>
               <a:spcAft>
-                <a:spcPts val="300"/>
+                <a:spcPct val="0"/>
               </a:spcAft>
-              <a:buClr>
-                <a:schemeClr val="accent1"/>
-              </a:buClr>
-              <a:buFont typeface="Calibri" pitchFamily="34" charset="0"/>
-              <a:buChar char="◦"/>
-              <a:defRPr sz="1350" kern="1200">
-                <a:solidFill>
-                  <a:schemeClr val="tx1">
-                    <a:lumMod val="75000"/>
-                    <a:lumOff val="25000"/>
-                  </a:schemeClr>
-                </a:solidFill>
+              <a:buFont typeface="Arial" charset="0"/>
+              <a:buBlip>
+                <a:blip r:embed="rId2"/>
+              </a:buBlip>
+              <a:defRPr i="1">
                 <a:latin typeface="+mn-lt"/>
-                <a:ea typeface="+mn-ea"/>
-                <a:cs typeface="+mn-cs"/>
               </a:defRPr>
-            </a:lvl2pPr>
-            <a:lvl3pPr marL="425196" indent="-137160" algn="l" defTabSz="685800" rtl="0" eaLnBrk="1" latinLnBrk="0" hangingPunct="1">
-              <a:lnSpc>
-                <a:spcPct val="90000"/>
-              </a:lnSpc>
+            </a:lvl7pPr>
+            <a:lvl8pPr marL="3429000" indent="-228600" eaLnBrk="0" fontAlgn="base" hangingPunct="0">
               <a:spcBef>
-                <a:spcPts val="150"/>
+                <a:spcPct val="20000"/>
               </a:spcBef>
               <a:spcAft>
-                <a:spcPts val="300"/>
+                <a:spcPct val="0"/>
               </a:spcAft>
-              <a:buClr>
-                <a:schemeClr val="accent1"/>
-              </a:buClr>
-              <a:buFont typeface="Calibri" pitchFamily="34" charset="0"/>
-              <a:buChar char="◦"/>
-              <a:defRPr sz="1050" kern="1200">
-                <a:solidFill>
-                  <a:schemeClr val="tx1">
-                    <a:lumMod val="75000"/>
-                    <a:lumOff val="25000"/>
-                  </a:schemeClr>
-                </a:solidFill>
+              <a:buFont typeface="Arial" charset="0"/>
+              <a:buBlip>
+                <a:blip r:embed="rId2"/>
+              </a:buBlip>
+              <a:defRPr i="1">
                 <a:latin typeface="+mn-lt"/>
-                <a:ea typeface="+mn-ea"/>
-                <a:cs typeface="+mn-cs"/>
               </a:defRPr>
-            </a:lvl3pPr>
-            <a:lvl4pPr marL="562356" indent="-137160" algn="l" defTabSz="685800" rtl="0" eaLnBrk="1" latinLnBrk="0" hangingPunct="1">
-              <a:lnSpc>
-                <a:spcPct val="90000"/>
-              </a:lnSpc>
+            </a:lvl8pPr>
+            <a:lvl9pPr marL="3886200" indent="-228600" eaLnBrk="0" fontAlgn="base" hangingPunct="0">
               <a:spcBef>
-                <a:spcPts val="150"/>
+                <a:spcPct val="20000"/>
               </a:spcBef>
               <a:spcAft>
-                <a:spcPts val="300"/>
+                <a:spcPct val="0"/>
               </a:spcAft>
-              <a:buClr>
-                <a:schemeClr val="accent1"/>
-              </a:buClr>
-              <a:buFont typeface="Calibri" pitchFamily="34" charset="0"/>
-              <a:buChar char="◦"/>
-              <a:defRPr sz="1050" kern="1200">
-                <a:solidFill>
-                  <a:schemeClr val="tx1">
-                    <a:lumMod val="75000"/>
-                    <a:lumOff val="25000"/>
-                  </a:schemeClr>
-                </a:solidFill>
+              <a:buFont typeface="Arial" charset="0"/>
+              <a:buBlip>
+                <a:blip r:embed="rId2"/>
+              </a:buBlip>
+              <a:defRPr i="1">
                 <a:latin typeface="+mn-lt"/>
-                <a:ea typeface="+mn-ea"/>
-                <a:cs typeface="+mn-cs"/>
-              </a:defRPr>
-            </a:lvl4pPr>
-            <a:lvl5pPr marL="699516" indent="-137160" algn="l" defTabSz="685800" rtl="0" eaLnBrk="1" latinLnBrk="0" hangingPunct="1">
-              <a:lnSpc>
-                <a:spcPct val="90000"/>
-              </a:lnSpc>
-              <a:spcBef>
-                <a:spcPts val="150"/>
-              </a:spcBef>
-              <a:spcAft>
-                <a:spcPts val="300"/>
-              </a:spcAft>
-              <a:buClr>
-                <a:schemeClr val="accent1"/>
-              </a:buClr>
-              <a:buFont typeface="Calibri" pitchFamily="34" charset="0"/>
-              <a:buChar char="◦"/>
-              <a:defRPr sz="1050" kern="1200">
-                <a:solidFill>
-                  <a:schemeClr val="tx1">
-                    <a:lumMod val="75000"/>
-                    <a:lumOff val="25000"/>
-                  </a:schemeClr>
-                </a:solidFill>
-                <a:latin typeface="+mn-lt"/>
-                <a:ea typeface="+mn-ea"/>
-                <a:cs typeface="+mn-cs"/>
-              </a:defRPr>
-            </a:lvl5pPr>
-            <a:lvl6pPr marL="825000" indent="-171450" algn="l" defTabSz="685800" rtl="0" eaLnBrk="1" latinLnBrk="0" hangingPunct="1">
-              <a:lnSpc>
-                <a:spcPct val="90000"/>
-              </a:lnSpc>
-              <a:spcBef>
-                <a:spcPts val="150"/>
-              </a:spcBef>
-              <a:spcAft>
-                <a:spcPts val="300"/>
-              </a:spcAft>
-              <a:buClr>
-                <a:schemeClr val="accent1"/>
-              </a:buClr>
-              <a:buFont typeface="Calibri" pitchFamily="34" charset="0"/>
-              <a:buChar char="◦"/>
-              <a:defRPr sz="1050" kern="1200">
-                <a:solidFill>
-                  <a:schemeClr val="tx1">
-                    <a:lumMod val="75000"/>
-                    <a:lumOff val="25000"/>
-                  </a:schemeClr>
-                </a:solidFill>
-                <a:latin typeface="+mn-lt"/>
-                <a:ea typeface="+mn-ea"/>
-                <a:cs typeface="+mn-cs"/>
-              </a:defRPr>
-            </a:lvl6pPr>
-            <a:lvl7pPr marL="975000" indent="-171450" algn="l" defTabSz="685800" rtl="0" eaLnBrk="1" latinLnBrk="0" hangingPunct="1">
-              <a:lnSpc>
-                <a:spcPct val="90000"/>
-              </a:lnSpc>
-              <a:spcBef>
-                <a:spcPts val="150"/>
-              </a:spcBef>
-              <a:spcAft>
-                <a:spcPts val="300"/>
-              </a:spcAft>
-              <a:buClr>
-                <a:schemeClr val="accent1"/>
-              </a:buClr>
-              <a:buFont typeface="Calibri" pitchFamily="34" charset="0"/>
-              <a:buChar char="◦"/>
-              <a:defRPr sz="1050" kern="1200">
-                <a:solidFill>
-                  <a:schemeClr val="tx1">
-                    <a:lumMod val="75000"/>
-                    <a:lumOff val="25000"/>
-                  </a:schemeClr>
-                </a:solidFill>
-                <a:latin typeface="+mn-lt"/>
-                <a:ea typeface="+mn-ea"/>
-                <a:cs typeface="+mn-cs"/>
-              </a:defRPr>
-            </a:lvl7pPr>
-            <a:lvl8pPr marL="1125000" indent="-171450" algn="l" defTabSz="685800" rtl="0" eaLnBrk="1" latinLnBrk="0" hangingPunct="1">
-              <a:lnSpc>
-                <a:spcPct val="90000"/>
-              </a:lnSpc>
-              <a:spcBef>
-                <a:spcPts val="150"/>
-              </a:spcBef>
-              <a:spcAft>
-                <a:spcPts val="300"/>
-              </a:spcAft>
-              <a:buClr>
-                <a:schemeClr val="accent1"/>
-              </a:buClr>
-              <a:buFont typeface="Calibri" pitchFamily="34" charset="0"/>
-              <a:buChar char="◦"/>
-              <a:defRPr sz="1050" kern="1200">
-                <a:solidFill>
-                  <a:schemeClr val="tx1">
-                    <a:lumMod val="75000"/>
-                    <a:lumOff val="25000"/>
-                  </a:schemeClr>
-                </a:solidFill>
-                <a:latin typeface="+mn-lt"/>
-                <a:ea typeface="+mn-ea"/>
-                <a:cs typeface="+mn-cs"/>
-              </a:defRPr>
-            </a:lvl8pPr>
-            <a:lvl9pPr marL="1275000" indent="-171450" algn="l" defTabSz="685800" rtl="0" eaLnBrk="1" latinLnBrk="0" hangingPunct="1">
-              <a:lnSpc>
-                <a:spcPct val="90000"/>
-              </a:lnSpc>
-              <a:spcBef>
-                <a:spcPts val="150"/>
-              </a:spcBef>
-              <a:spcAft>
-                <a:spcPts val="300"/>
-              </a:spcAft>
-              <a:buClr>
-                <a:schemeClr val="accent1"/>
-              </a:buClr>
-              <a:buFont typeface="Calibri" pitchFamily="34" charset="0"/>
-              <a:buChar char="◦"/>
-              <a:defRPr sz="1050" kern="1200">
-                <a:solidFill>
-                  <a:schemeClr val="tx1">
-                    <a:lumMod val="75000"/>
-                    <a:lumOff val="25000"/>
-                  </a:schemeClr>
-                </a:solidFill>
-                <a:latin typeface="+mn-lt"/>
-                <a:ea typeface="+mn-ea"/>
-                <a:cs typeface="+mn-cs"/>
               </a:defRPr>
             </a:lvl9pPr>
           </a:lstStyle>
           <a:p>
-            <a:pPr marL="482600" indent="-342900">
-              <a:spcBef>
-                <a:spcPts val="600"/>
-              </a:spcBef>
-              <a:spcAft>
-                <a:spcPts val="0"/>
-              </a:spcAft>
-              <a:buSzPts val="1400"/>
-              <a:buFont typeface="+mj-lt"/>
-              <a:buAutoNum type="arabicPeriod"/>
-            </a:pPr>
-            <a:r>
-              <a:rPr lang="pt-BR" sz="2000" dirty="0">
-                <a:latin typeface="Roboto" panose="02000000000000000000" pitchFamily="2" charset="0"/>
-                <a:ea typeface="Roboto" panose="02000000000000000000" pitchFamily="2" charset="0"/>
-              </a:rPr>
+            <a:r>
+              <a:rPr lang="pt-BR" dirty="0"/>
               <a:t>Dados dimensionais</a:t>
             </a:r>
           </a:p>
           <a:p>
-            <a:pPr marL="482600" indent="-342900">
-              <a:spcBef>
-                <a:spcPts val="600"/>
-              </a:spcBef>
-              <a:spcAft>
-                <a:spcPts val="0"/>
-              </a:spcAft>
-              <a:buSzPts val="1400"/>
-              <a:buFont typeface="+mj-lt"/>
-              <a:buAutoNum type="arabicPeriod"/>
-            </a:pPr>
-            <a:r>
-              <a:rPr lang="pt-BR" sz="2000" dirty="0">
-                <a:latin typeface="Roboto" panose="02000000000000000000" pitchFamily="2" charset="0"/>
-                <a:ea typeface="Roboto" panose="02000000000000000000" pitchFamily="2" charset="0"/>
-              </a:rPr>
+            <a:r>
+              <a:rPr lang="pt-BR" dirty="0"/>
               <a:t>Múltiplas formas de visualização</a:t>
             </a:r>
           </a:p>
           <a:p>
-            <a:pPr marL="482600" indent="-342900">
-              <a:spcBef>
-                <a:spcPts val="600"/>
-              </a:spcBef>
-              <a:spcAft>
-                <a:spcPts val="0"/>
-              </a:spcAft>
-              <a:buSzPts val="1400"/>
-              <a:buFont typeface="+mj-lt"/>
-              <a:buAutoNum type="arabicPeriod"/>
-            </a:pPr>
-            <a:r>
-              <a:rPr lang="pt-BR" sz="2000" dirty="0">
-                <a:latin typeface="Roboto" panose="02000000000000000000" pitchFamily="2" charset="0"/>
-                <a:ea typeface="Roboto" panose="02000000000000000000" pitchFamily="2" charset="0"/>
-              </a:rPr>
+            <a:r>
+              <a:rPr lang="pt-BR" dirty="0"/>
               <a:t>Configuração de alertas</a:t>
             </a:r>
           </a:p>
@@ -17751,10 +18589,10 @@
       </p:sp>
       <p:pic>
         <p:nvPicPr>
-          <p:cNvPr id="3" name="Imagem 2">
+          <p:cNvPr id="5" name="Imagem 4">
             <a:extLst>
               <a:ext uri="{FF2B5EF4-FFF2-40B4-BE49-F238E27FC236}">
-                <a16:creationId xmlns:a16="http://schemas.microsoft.com/office/drawing/2014/main" id="{B80B5174-96A4-4134-A61B-2D585F13833A}"/>
+                <a16:creationId xmlns:a16="http://schemas.microsoft.com/office/drawing/2014/main" id="{90B3329A-0EB5-4DFE-94DB-43B32AF32C38}"/>
               </a:ext>
             </a:extLst>
           </p:cNvPr>
@@ -17764,15 +18602,21 @@
           <p:nvPr/>
         </p:nvPicPr>
         <p:blipFill>
-          <a:blip r:embed="rId2"/>
+          <a:blip r:embed="rId3">
+            <a:extLst>
+              <a:ext uri="{28A0092B-C50C-407E-A947-70E740481C1C}">
+                <a14:useLocalDpi xmlns:a14="http://schemas.microsoft.com/office/drawing/2010/main" val="0"/>
+              </a:ext>
+            </a:extLst>
+          </a:blip>
           <a:stretch>
             <a:fillRect/>
           </a:stretch>
         </p:blipFill>
         <p:spPr>
           <a:xfrm>
-            <a:off x="1547664" y="411510"/>
-            <a:ext cx="4567564" cy="1587229"/>
+            <a:off x="683567" y="1851669"/>
+            <a:ext cx="2095500" cy="2076450"/>
           </a:xfrm>
           <a:prstGeom prst="rect">
             <a:avLst/>
